--- a/SENA TIC.pptx
+++ b/SENA TIC.pptx
@@ -2,7 +2,7 @@
 <file path=ppt/presentation.xml><?xml version="1.0" encoding="utf-8"?>
 <p:presentation xmlns:a="http://schemas.openxmlformats.org/drawingml/2006/main" xmlns:r="http://schemas.openxmlformats.org/officeDocument/2006/relationships" xmlns:p="http://schemas.openxmlformats.org/presentationml/2006/main" saveSubsetFonts="1">
   <p:sldMasterIdLst>
-    <p:sldMasterId id="2147483648" r:id="rId1"/>
+    <p:sldMasterId id="2147483714" r:id="rId1"/>
   </p:sldMasterIdLst>
   <p:sldIdLst>
     <p:sldId id="256" r:id="rId2"/>
@@ -11,9 +11,9 @@
   <p:notesSz cx="6858000" cy="9144000"/>
   <p:defaultTextStyle>
     <a:defPPr>
-      <a:defRPr lang="es-CO"/>
+      <a:defRPr lang="en-US"/>
     </a:defPPr>
-    <a:lvl1pPr marL="0" algn="l" defTabSz="914400" rtl="0" eaLnBrk="1" latinLnBrk="0" hangingPunct="1">
+    <a:lvl1pPr marL="0" algn="l" defTabSz="457200" rtl="0" eaLnBrk="1" latinLnBrk="0" hangingPunct="1">
       <a:defRPr sz="1800" kern="1200">
         <a:solidFill>
           <a:schemeClr val="tx1"/>
@@ -23,7 +23,7 @@
         <a:cs typeface="+mn-cs"/>
       </a:defRPr>
     </a:lvl1pPr>
-    <a:lvl2pPr marL="457200" algn="l" defTabSz="914400" rtl="0" eaLnBrk="1" latinLnBrk="0" hangingPunct="1">
+    <a:lvl2pPr marL="457200" algn="l" defTabSz="457200" rtl="0" eaLnBrk="1" latinLnBrk="0" hangingPunct="1">
       <a:defRPr sz="1800" kern="1200">
         <a:solidFill>
           <a:schemeClr val="tx1"/>
@@ -33,7 +33,7 @@
         <a:cs typeface="+mn-cs"/>
       </a:defRPr>
     </a:lvl2pPr>
-    <a:lvl3pPr marL="914400" algn="l" defTabSz="914400" rtl="0" eaLnBrk="1" latinLnBrk="0" hangingPunct="1">
+    <a:lvl3pPr marL="914400" algn="l" defTabSz="457200" rtl="0" eaLnBrk="1" latinLnBrk="0" hangingPunct="1">
       <a:defRPr sz="1800" kern="1200">
         <a:solidFill>
           <a:schemeClr val="tx1"/>
@@ -43,7 +43,7 @@
         <a:cs typeface="+mn-cs"/>
       </a:defRPr>
     </a:lvl3pPr>
-    <a:lvl4pPr marL="1371600" algn="l" defTabSz="914400" rtl="0" eaLnBrk="1" latinLnBrk="0" hangingPunct="1">
+    <a:lvl4pPr marL="1371600" algn="l" defTabSz="457200" rtl="0" eaLnBrk="1" latinLnBrk="0" hangingPunct="1">
       <a:defRPr sz="1800" kern="1200">
         <a:solidFill>
           <a:schemeClr val="tx1"/>
@@ -53,7 +53,7 @@
         <a:cs typeface="+mn-cs"/>
       </a:defRPr>
     </a:lvl4pPr>
-    <a:lvl5pPr marL="1828800" algn="l" defTabSz="914400" rtl="0" eaLnBrk="1" latinLnBrk="0" hangingPunct="1">
+    <a:lvl5pPr marL="1828800" algn="l" defTabSz="457200" rtl="0" eaLnBrk="1" latinLnBrk="0" hangingPunct="1">
       <a:defRPr sz="1800" kern="1200">
         <a:solidFill>
           <a:schemeClr val="tx1"/>
@@ -63,7 +63,7 @@
         <a:cs typeface="+mn-cs"/>
       </a:defRPr>
     </a:lvl5pPr>
-    <a:lvl6pPr marL="2286000" algn="l" defTabSz="914400" rtl="0" eaLnBrk="1" latinLnBrk="0" hangingPunct="1">
+    <a:lvl6pPr marL="2286000" algn="l" defTabSz="457200" rtl="0" eaLnBrk="1" latinLnBrk="0" hangingPunct="1">
       <a:defRPr sz="1800" kern="1200">
         <a:solidFill>
           <a:schemeClr val="tx1"/>
@@ -73,7 +73,7 @@
         <a:cs typeface="+mn-cs"/>
       </a:defRPr>
     </a:lvl6pPr>
-    <a:lvl7pPr marL="2743200" algn="l" defTabSz="914400" rtl="0" eaLnBrk="1" latinLnBrk="0" hangingPunct="1">
+    <a:lvl7pPr marL="2743200" algn="l" defTabSz="457200" rtl="0" eaLnBrk="1" latinLnBrk="0" hangingPunct="1">
       <a:defRPr sz="1800" kern="1200">
         <a:solidFill>
           <a:schemeClr val="tx1"/>
@@ -83,7 +83,7 @@
         <a:cs typeface="+mn-cs"/>
       </a:defRPr>
     </a:lvl7pPr>
-    <a:lvl8pPr marL="3200400" algn="l" defTabSz="914400" rtl="0" eaLnBrk="1" latinLnBrk="0" hangingPunct="1">
+    <a:lvl8pPr marL="3200400" algn="l" defTabSz="457200" rtl="0" eaLnBrk="1" latinLnBrk="0" hangingPunct="1">
       <a:defRPr sz="1800" kern="1200">
         <a:solidFill>
           <a:schemeClr val="tx1"/>
@@ -93,7 +93,7 @@
         <a:cs typeface="+mn-cs"/>
       </a:defRPr>
     </a:lvl8pPr>
-    <a:lvl9pPr marL="3657600" algn="l" defTabSz="914400" rtl="0" eaLnBrk="1" latinLnBrk="0" hangingPunct="1">
+    <a:lvl9pPr marL="3657600" algn="l" defTabSz="457200" rtl="0" eaLnBrk="1" latinLnBrk="0" hangingPunct="1">
       <a:defRPr sz="1800" kern="1200">
         <a:solidFill>
           <a:schemeClr val="tx1"/>
@@ -104,16 +104,11 @@
       </a:defRPr>
     </a:lvl9pPr>
   </p:defaultTextStyle>
-  <p:extLst>
-    <p:ext uri="{EFAFB233-063F-42B5-8137-9DF3F51BA10A}">
-      <p15:sldGuideLst xmlns:p15="http://schemas.microsoft.com/office/powerpoint/2012/main"/>
-    </p:ext>
-  </p:extLst>
 </p:presentation>
 </file>
 
 <file path=ppt/slideLayouts/slideLayout1.xml><?xml version="1.0" encoding="utf-8"?>
-<p:sldLayout xmlns:a="http://schemas.openxmlformats.org/drawingml/2006/main" xmlns:r="http://schemas.openxmlformats.org/officeDocument/2006/relationships" xmlns:p="http://schemas.openxmlformats.org/presentationml/2006/main" type="title" preserve="1">
+<p:sldLayout xmlns:a="http://schemas.openxmlformats.org/drawingml/2006/main" xmlns:r="http://schemas.openxmlformats.org/officeDocument/2006/relationships" xmlns:p="http://schemas.openxmlformats.org/presentationml/2006/main" showMasterSp="0" type="title" preserve="1">
   <p:cSld name="Diapositiva de título">
     <p:spTree>
       <p:nvGrpSpPr>
@@ -129,15 +124,539 @@
           <a:chExt cx="0" cy="0"/>
         </a:xfrm>
       </p:grpSpPr>
-      <p:sp>
-        <p:nvSpPr>
-          <p:cNvPr id="2" name="Título 1">
-            <a:extLst>
-              <a:ext uri="{FF2B5EF4-FFF2-40B4-BE49-F238E27FC236}">
-                <a16:creationId xmlns:a16="http://schemas.microsoft.com/office/drawing/2014/main" xmlns="" id="{D99EF221-5C8D-404A-9186-1164BD8869BC}"/>
-              </a:ext>
-            </a:extLst>
-          </p:cNvPr>
+      <p:grpSp>
+        <p:nvGrpSpPr>
+          <p:cNvPr id="7" name="Group 6"/>
+          <p:cNvGrpSpPr/>
+          <p:nvPr/>
+        </p:nvGrpSpPr>
+        <p:grpSpPr>
+          <a:xfrm>
+            <a:off x="0" y="-8467"/>
+            <a:ext cx="12192000" cy="6866467"/>
+            <a:chOff x="0" y="-8467"/>
+            <a:chExt cx="12192000" cy="6866467"/>
+          </a:xfrm>
+        </p:grpSpPr>
+        <p:cxnSp>
+          <p:nvCxnSpPr>
+            <p:cNvPr id="32" name="Straight Connector 31"/>
+            <p:cNvCxnSpPr/>
+            <p:nvPr/>
+          </p:nvCxnSpPr>
+          <p:spPr>
+            <a:xfrm>
+              <a:off x="9371012" y="0"/>
+              <a:ext cx="1219200" cy="6858000"/>
+            </a:xfrm>
+            <a:prstGeom prst="line">
+              <a:avLst/>
+            </a:prstGeom>
+            <a:ln w="9525">
+              <a:solidFill>
+                <a:schemeClr val="bg1">
+                  <a:lumMod val="75000"/>
+                </a:schemeClr>
+              </a:solidFill>
+            </a:ln>
+          </p:spPr>
+          <p:style>
+            <a:lnRef idx="2">
+              <a:schemeClr val="accent1"/>
+            </a:lnRef>
+            <a:fillRef idx="0">
+              <a:schemeClr val="accent1"/>
+            </a:fillRef>
+            <a:effectRef idx="1">
+              <a:schemeClr val="accent1"/>
+            </a:effectRef>
+            <a:fontRef idx="minor">
+              <a:schemeClr val="tx1"/>
+            </a:fontRef>
+          </p:style>
+        </p:cxnSp>
+        <p:cxnSp>
+          <p:nvCxnSpPr>
+            <p:cNvPr id="21" name="Straight Connector 20"/>
+            <p:cNvCxnSpPr/>
+            <p:nvPr/>
+          </p:nvCxnSpPr>
+          <p:spPr>
+            <a:xfrm flipH="1">
+              <a:off x="7425267" y="3681413"/>
+              <a:ext cx="4763558" cy="3176587"/>
+            </a:xfrm>
+            <a:prstGeom prst="line">
+              <a:avLst/>
+            </a:prstGeom>
+            <a:ln w="9525">
+              <a:solidFill>
+                <a:schemeClr val="bg1">
+                  <a:lumMod val="85000"/>
+                </a:schemeClr>
+              </a:solidFill>
+            </a:ln>
+          </p:spPr>
+          <p:style>
+            <a:lnRef idx="2">
+              <a:schemeClr val="accent1"/>
+            </a:lnRef>
+            <a:fillRef idx="0">
+              <a:schemeClr val="accent1"/>
+            </a:fillRef>
+            <a:effectRef idx="1">
+              <a:schemeClr val="accent1"/>
+            </a:effectRef>
+            <a:fontRef idx="minor">
+              <a:schemeClr val="tx1"/>
+            </a:fontRef>
+          </p:style>
+        </p:cxnSp>
+        <p:sp>
+          <p:nvSpPr>
+            <p:cNvPr id="24" name="Rectangle 23"/>
+            <p:cNvSpPr/>
+            <p:nvPr/>
+          </p:nvSpPr>
+          <p:spPr>
+            <a:xfrm>
+              <a:off x="9181476" y="-8467"/>
+              <a:ext cx="3007349" cy="6866467"/>
+            </a:xfrm>
+            <a:custGeom>
+              <a:avLst/>
+              <a:gdLst/>
+              <a:ahLst/>
+              <a:cxnLst/>
+              <a:rect l="l" t="t" r="r" b="b"/>
+              <a:pathLst>
+                <a:path w="3007349" h="6866467">
+                  <a:moveTo>
+                    <a:pt x="2045532" y="0"/>
+                  </a:moveTo>
+                  <a:lnTo>
+                    <a:pt x="3007349" y="0"/>
+                  </a:lnTo>
+                  <a:lnTo>
+                    <a:pt x="3007349" y="6866467"/>
+                  </a:lnTo>
+                  <a:lnTo>
+                    <a:pt x="0" y="6866467"/>
+                  </a:lnTo>
+                  <a:lnTo>
+                    <a:pt x="2045532" y="0"/>
+                  </a:lnTo>
+                  <a:close/>
+                </a:path>
+              </a:pathLst>
+            </a:custGeom>
+            <a:solidFill>
+              <a:schemeClr val="accent1">
+                <a:alpha val="30000"/>
+              </a:schemeClr>
+            </a:solidFill>
+            <a:ln>
+              <a:noFill/>
+            </a:ln>
+            <a:effectLst/>
+          </p:spPr>
+          <p:style>
+            <a:lnRef idx="1">
+              <a:schemeClr val="accent1"/>
+            </a:lnRef>
+            <a:fillRef idx="3">
+              <a:schemeClr val="accent1"/>
+            </a:fillRef>
+            <a:effectRef idx="2">
+              <a:schemeClr val="accent1"/>
+            </a:effectRef>
+            <a:fontRef idx="minor">
+              <a:schemeClr val="lt1"/>
+            </a:fontRef>
+          </p:style>
+        </p:sp>
+        <p:sp>
+          <p:nvSpPr>
+            <p:cNvPr id="26" name="Rectangle 25"/>
+            <p:cNvSpPr/>
+            <p:nvPr/>
+          </p:nvSpPr>
+          <p:spPr>
+            <a:xfrm>
+              <a:off x="9603442" y="-8467"/>
+              <a:ext cx="2588558" cy="6866467"/>
+            </a:xfrm>
+            <a:custGeom>
+              <a:avLst/>
+              <a:gdLst/>
+              <a:ahLst/>
+              <a:cxnLst/>
+              <a:rect l="l" t="t" r="r" b="b"/>
+              <a:pathLst>
+                <a:path w="2573311" h="6866467">
+                  <a:moveTo>
+                    <a:pt x="0" y="0"/>
+                  </a:moveTo>
+                  <a:lnTo>
+                    <a:pt x="2573311" y="0"/>
+                  </a:lnTo>
+                  <a:lnTo>
+                    <a:pt x="2573311" y="6866467"/>
+                  </a:lnTo>
+                  <a:lnTo>
+                    <a:pt x="1202336" y="6866467"/>
+                  </a:lnTo>
+                  <a:lnTo>
+                    <a:pt x="0" y="0"/>
+                  </a:lnTo>
+                  <a:close/>
+                </a:path>
+              </a:pathLst>
+            </a:custGeom>
+            <a:solidFill>
+              <a:schemeClr val="accent1">
+                <a:alpha val="20000"/>
+              </a:schemeClr>
+            </a:solidFill>
+            <a:ln>
+              <a:noFill/>
+            </a:ln>
+            <a:effectLst/>
+          </p:spPr>
+          <p:style>
+            <a:lnRef idx="1">
+              <a:schemeClr val="accent1"/>
+            </a:lnRef>
+            <a:fillRef idx="3">
+              <a:schemeClr val="accent1"/>
+            </a:fillRef>
+            <a:effectRef idx="2">
+              <a:schemeClr val="accent1"/>
+            </a:effectRef>
+            <a:fontRef idx="minor">
+              <a:schemeClr val="lt1"/>
+            </a:fontRef>
+          </p:style>
+        </p:sp>
+        <p:sp>
+          <p:nvSpPr>
+            <p:cNvPr id="27" name="Isosceles Triangle 26"/>
+            <p:cNvSpPr/>
+            <p:nvPr/>
+          </p:nvSpPr>
+          <p:spPr>
+            <a:xfrm>
+              <a:off x="8932333" y="3048000"/>
+              <a:ext cx="3259667" cy="3810000"/>
+            </a:xfrm>
+            <a:prstGeom prst="triangle">
+              <a:avLst>
+                <a:gd name="adj" fmla="val 100000"/>
+              </a:avLst>
+            </a:prstGeom>
+            <a:solidFill>
+              <a:schemeClr val="accent2">
+                <a:alpha val="72000"/>
+              </a:schemeClr>
+            </a:solidFill>
+            <a:ln>
+              <a:noFill/>
+            </a:ln>
+            <a:effectLst/>
+          </p:spPr>
+          <p:style>
+            <a:lnRef idx="1">
+              <a:schemeClr val="accent1"/>
+            </a:lnRef>
+            <a:fillRef idx="3">
+              <a:schemeClr val="accent1"/>
+            </a:fillRef>
+            <a:effectRef idx="2">
+              <a:schemeClr val="accent1"/>
+            </a:effectRef>
+            <a:fontRef idx="minor">
+              <a:schemeClr val="lt1"/>
+            </a:fontRef>
+          </p:style>
+        </p:sp>
+        <p:sp>
+          <p:nvSpPr>
+            <p:cNvPr id="28" name="Rectangle 27"/>
+            <p:cNvSpPr/>
+            <p:nvPr/>
+          </p:nvSpPr>
+          <p:spPr>
+            <a:xfrm>
+              <a:off x="9334500" y="-8467"/>
+              <a:ext cx="2854326" cy="6866467"/>
+            </a:xfrm>
+            <a:custGeom>
+              <a:avLst/>
+              <a:gdLst/>
+              <a:ahLst/>
+              <a:cxnLst/>
+              <a:rect l="l" t="t" r="r" b="b"/>
+              <a:pathLst>
+                <a:path w="2858013" h="6866467">
+                  <a:moveTo>
+                    <a:pt x="0" y="0"/>
+                  </a:moveTo>
+                  <a:lnTo>
+                    <a:pt x="2858013" y="0"/>
+                  </a:lnTo>
+                  <a:lnTo>
+                    <a:pt x="2858013" y="6866467"/>
+                  </a:lnTo>
+                  <a:lnTo>
+                    <a:pt x="2473942" y="6866467"/>
+                  </a:lnTo>
+                  <a:lnTo>
+                    <a:pt x="0" y="0"/>
+                  </a:lnTo>
+                  <a:close/>
+                </a:path>
+              </a:pathLst>
+            </a:custGeom>
+            <a:solidFill>
+              <a:schemeClr val="accent2">
+                <a:lumMod val="75000"/>
+                <a:alpha val="70000"/>
+              </a:schemeClr>
+            </a:solidFill>
+            <a:ln>
+              <a:noFill/>
+            </a:ln>
+            <a:effectLst/>
+          </p:spPr>
+          <p:style>
+            <a:lnRef idx="1">
+              <a:schemeClr val="accent1"/>
+            </a:lnRef>
+            <a:fillRef idx="3">
+              <a:schemeClr val="accent1"/>
+            </a:fillRef>
+            <a:effectRef idx="2">
+              <a:schemeClr val="accent1"/>
+            </a:effectRef>
+            <a:fontRef idx="minor">
+              <a:schemeClr val="lt1"/>
+            </a:fontRef>
+          </p:style>
+        </p:sp>
+        <p:sp>
+          <p:nvSpPr>
+            <p:cNvPr id="29" name="Rectangle 28"/>
+            <p:cNvSpPr/>
+            <p:nvPr/>
+          </p:nvSpPr>
+          <p:spPr>
+            <a:xfrm>
+              <a:off x="10898730" y="-8467"/>
+              <a:ext cx="1290094" cy="6866467"/>
+            </a:xfrm>
+            <a:custGeom>
+              <a:avLst/>
+              <a:gdLst/>
+              <a:ahLst/>
+              <a:cxnLst/>
+              <a:rect l="l" t="t" r="r" b="b"/>
+              <a:pathLst>
+                <a:path w="1290094" h="6858000">
+                  <a:moveTo>
+                    <a:pt x="1019735" y="0"/>
+                  </a:moveTo>
+                  <a:lnTo>
+                    <a:pt x="1290094" y="0"/>
+                  </a:lnTo>
+                  <a:lnTo>
+                    <a:pt x="1290094" y="6858000"/>
+                  </a:lnTo>
+                  <a:lnTo>
+                    <a:pt x="0" y="6858000"/>
+                  </a:lnTo>
+                  <a:lnTo>
+                    <a:pt x="1019735" y="0"/>
+                  </a:lnTo>
+                  <a:close/>
+                </a:path>
+              </a:pathLst>
+            </a:custGeom>
+            <a:solidFill>
+              <a:schemeClr val="accent1">
+                <a:lumMod val="60000"/>
+                <a:lumOff val="40000"/>
+                <a:alpha val="70000"/>
+              </a:schemeClr>
+            </a:solidFill>
+            <a:ln>
+              <a:noFill/>
+            </a:ln>
+            <a:effectLst/>
+          </p:spPr>
+          <p:style>
+            <a:lnRef idx="1">
+              <a:schemeClr val="accent1"/>
+            </a:lnRef>
+            <a:fillRef idx="3">
+              <a:schemeClr val="accent1"/>
+            </a:fillRef>
+            <a:effectRef idx="2">
+              <a:schemeClr val="accent1"/>
+            </a:effectRef>
+            <a:fontRef idx="minor">
+              <a:schemeClr val="lt1"/>
+            </a:fontRef>
+          </p:style>
+        </p:sp>
+        <p:sp>
+          <p:nvSpPr>
+            <p:cNvPr id="30" name="Rectangle 29"/>
+            <p:cNvSpPr/>
+            <p:nvPr/>
+          </p:nvSpPr>
+          <p:spPr>
+            <a:xfrm>
+              <a:off x="10938999" y="-8467"/>
+              <a:ext cx="1249825" cy="6866467"/>
+            </a:xfrm>
+            <a:custGeom>
+              <a:avLst/>
+              <a:gdLst/>
+              <a:ahLst/>
+              <a:cxnLst/>
+              <a:rect l="l" t="t" r="r" b="b"/>
+              <a:pathLst>
+                <a:path w="1249825" h="6858000">
+                  <a:moveTo>
+                    <a:pt x="0" y="0"/>
+                  </a:moveTo>
+                  <a:lnTo>
+                    <a:pt x="1249825" y="0"/>
+                  </a:lnTo>
+                  <a:lnTo>
+                    <a:pt x="1249825" y="6858000"/>
+                  </a:lnTo>
+                  <a:lnTo>
+                    <a:pt x="1109382" y="6858000"/>
+                  </a:lnTo>
+                  <a:lnTo>
+                    <a:pt x="0" y="0"/>
+                  </a:lnTo>
+                  <a:close/>
+                </a:path>
+              </a:pathLst>
+            </a:custGeom>
+            <a:solidFill>
+              <a:schemeClr val="accent1">
+                <a:alpha val="65000"/>
+              </a:schemeClr>
+            </a:solidFill>
+            <a:ln>
+              <a:noFill/>
+            </a:ln>
+            <a:effectLst/>
+          </p:spPr>
+          <p:style>
+            <a:lnRef idx="1">
+              <a:schemeClr val="accent1"/>
+            </a:lnRef>
+            <a:fillRef idx="3">
+              <a:schemeClr val="accent1"/>
+            </a:fillRef>
+            <a:effectRef idx="2">
+              <a:schemeClr val="accent1"/>
+            </a:effectRef>
+            <a:fontRef idx="minor">
+              <a:schemeClr val="lt1"/>
+            </a:fontRef>
+          </p:style>
+        </p:sp>
+        <p:sp>
+          <p:nvSpPr>
+            <p:cNvPr id="31" name="Isosceles Triangle 30"/>
+            <p:cNvSpPr/>
+            <p:nvPr/>
+          </p:nvSpPr>
+          <p:spPr>
+            <a:xfrm>
+              <a:off x="10371666" y="3589867"/>
+              <a:ext cx="1817159" cy="3268133"/>
+            </a:xfrm>
+            <a:prstGeom prst="triangle">
+              <a:avLst>
+                <a:gd name="adj" fmla="val 100000"/>
+              </a:avLst>
+            </a:prstGeom>
+            <a:solidFill>
+              <a:schemeClr val="accent1">
+                <a:alpha val="80000"/>
+              </a:schemeClr>
+            </a:solidFill>
+            <a:ln>
+              <a:noFill/>
+            </a:ln>
+            <a:effectLst/>
+          </p:spPr>
+          <p:style>
+            <a:lnRef idx="1">
+              <a:schemeClr val="accent1"/>
+            </a:lnRef>
+            <a:fillRef idx="3">
+              <a:schemeClr val="accent1"/>
+            </a:fillRef>
+            <a:effectRef idx="2">
+              <a:schemeClr val="accent1"/>
+            </a:effectRef>
+            <a:fontRef idx="minor">
+              <a:schemeClr val="lt1"/>
+            </a:fontRef>
+          </p:style>
+        </p:sp>
+        <p:sp>
+          <p:nvSpPr>
+            <p:cNvPr id="19" name="Isosceles Triangle 18"/>
+            <p:cNvSpPr/>
+            <p:nvPr/>
+          </p:nvSpPr>
+          <p:spPr>
+            <a:xfrm rot="10800000">
+              <a:off x="0" y="0"/>
+              <a:ext cx="842596" cy="5666154"/>
+            </a:xfrm>
+            <a:prstGeom prst="triangle">
+              <a:avLst>
+                <a:gd name="adj" fmla="val 100000"/>
+              </a:avLst>
+            </a:prstGeom>
+            <a:solidFill>
+              <a:schemeClr val="accent1">
+                <a:alpha val="85000"/>
+              </a:schemeClr>
+            </a:solidFill>
+            <a:ln>
+              <a:noFill/>
+            </a:ln>
+            <a:effectLst/>
+          </p:spPr>
+          <p:style>
+            <a:lnRef idx="1">
+              <a:schemeClr val="accent1"/>
+            </a:lnRef>
+            <a:fillRef idx="3">
+              <a:schemeClr val="accent1"/>
+            </a:fillRef>
+            <a:effectRef idx="2">
+              <a:schemeClr val="accent1"/>
+            </a:effectRef>
+            <a:fontRef idx="minor">
+              <a:schemeClr val="lt1"/>
+            </a:fontRef>
+          </p:style>
+        </p:sp>
+      </p:grpSp>
+      <p:sp>
+        <p:nvSpPr>
+          <p:cNvPr id="2" name="Title 1"/>
           <p:cNvSpPr>
             <a:spLocks noGrp="1"/>
           </p:cNvSpPr>
@@ -147,15 +666,21 @@
         </p:nvSpPr>
         <p:spPr>
           <a:xfrm>
-            <a:off x="1524000" y="1122363"/>
-            <a:ext cx="9144000" cy="2387600"/>
+            <a:off x="1507067" y="2404534"/>
+            <a:ext cx="7766936" cy="1646302"/>
           </a:xfrm>
         </p:spPr>
         <p:txBody>
-          <a:bodyPr anchor="b"/>
+          <a:bodyPr anchor="b">
+            <a:noAutofit/>
+          </a:bodyPr>
           <a:lstStyle>
-            <a:lvl1pPr algn="ctr">
-              <a:defRPr sz="6000"/>
+            <a:lvl1pPr algn="r">
+              <a:defRPr sz="5400">
+                <a:solidFill>
+                  <a:schemeClr val="accent1"/>
+                </a:solidFill>
+              </a:defRPr>
             </a:lvl1pPr>
           </a:lstStyle>
           <a:p>
@@ -163,19 +688,13 @@
               <a:rPr lang="es-ES"/>
               <a:t>Haga clic para modificar el estilo de título del patrón</a:t>
             </a:r>
-            <a:endParaRPr lang="es-CO"/>
-          </a:p>
-        </p:txBody>
-      </p:sp>
-      <p:sp>
-        <p:nvSpPr>
-          <p:cNvPr id="3" name="Subtítulo 2">
-            <a:extLst>
-              <a:ext uri="{FF2B5EF4-FFF2-40B4-BE49-F238E27FC236}">
-                <a16:creationId xmlns:a16="http://schemas.microsoft.com/office/drawing/2014/main" xmlns="" id="{B425090A-BC33-4556-9A60-AAAF3320851E}"/>
-              </a:ext>
-            </a:extLst>
-          </p:cNvPr>
+            <a:endParaRPr lang="en-US" dirty="0"/>
+          </a:p>
+        </p:txBody>
+      </p:sp>
+      <p:sp>
+        <p:nvSpPr>
+          <p:cNvPr id="3" name="Subtitle 2"/>
           <p:cNvSpPr>
             <a:spLocks noGrp="1"/>
           </p:cNvSpPr>
@@ -185,48 +704,103 @@
         </p:nvSpPr>
         <p:spPr>
           <a:xfrm>
-            <a:off x="1524000" y="3602038"/>
-            <a:ext cx="9144000" cy="1655762"/>
+            <a:off x="1507067" y="4050833"/>
+            <a:ext cx="7766936" cy="1096899"/>
           </a:xfrm>
         </p:spPr>
         <p:txBody>
-          <a:bodyPr/>
+          <a:bodyPr anchor="t"/>
           <a:lstStyle>
-            <a:lvl1pPr marL="0" indent="0" algn="ctr">
-              <a:buNone/>
-              <a:defRPr sz="2400"/>
+            <a:lvl1pPr marL="0" indent="0" algn="r">
+              <a:buNone/>
+              <a:defRPr>
+                <a:solidFill>
+                  <a:schemeClr val="tx1">
+                    <a:lumMod val="50000"/>
+                    <a:lumOff val="50000"/>
+                  </a:schemeClr>
+                </a:solidFill>
+              </a:defRPr>
             </a:lvl1pPr>
             <a:lvl2pPr marL="457200" indent="0" algn="ctr">
               <a:buNone/>
-              <a:defRPr sz="2000"/>
+              <a:defRPr>
+                <a:solidFill>
+                  <a:schemeClr val="tx1">
+                    <a:tint val="75000"/>
+                  </a:schemeClr>
+                </a:solidFill>
+              </a:defRPr>
             </a:lvl2pPr>
             <a:lvl3pPr marL="914400" indent="0" algn="ctr">
               <a:buNone/>
-              <a:defRPr sz="1800"/>
+              <a:defRPr>
+                <a:solidFill>
+                  <a:schemeClr val="tx1">
+                    <a:tint val="75000"/>
+                  </a:schemeClr>
+                </a:solidFill>
+              </a:defRPr>
             </a:lvl3pPr>
             <a:lvl4pPr marL="1371600" indent="0" algn="ctr">
               <a:buNone/>
-              <a:defRPr sz="1600"/>
+              <a:defRPr>
+                <a:solidFill>
+                  <a:schemeClr val="tx1">
+                    <a:tint val="75000"/>
+                  </a:schemeClr>
+                </a:solidFill>
+              </a:defRPr>
             </a:lvl4pPr>
             <a:lvl5pPr marL="1828800" indent="0" algn="ctr">
               <a:buNone/>
-              <a:defRPr sz="1600"/>
+              <a:defRPr>
+                <a:solidFill>
+                  <a:schemeClr val="tx1">
+                    <a:tint val="75000"/>
+                  </a:schemeClr>
+                </a:solidFill>
+              </a:defRPr>
             </a:lvl5pPr>
             <a:lvl6pPr marL="2286000" indent="0" algn="ctr">
               <a:buNone/>
-              <a:defRPr sz="1600"/>
+              <a:defRPr>
+                <a:solidFill>
+                  <a:schemeClr val="tx1">
+                    <a:tint val="75000"/>
+                  </a:schemeClr>
+                </a:solidFill>
+              </a:defRPr>
             </a:lvl6pPr>
             <a:lvl7pPr marL="2743200" indent="0" algn="ctr">
               <a:buNone/>
-              <a:defRPr sz="1600"/>
+              <a:defRPr>
+                <a:solidFill>
+                  <a:schemeClr val="tx1">
+                    <a:tint val="75000"/>
+                  </a:schemeClr>
+                </a:solidFill>
+              </a:defRPr>
             </a:lvl7pPr>
             <a:lvl8pPr marL="3200400" indent="0" algn="ctr">
               <a:buNone/>
-              <a:defRPr sz="1600"/>
+              <a:defRPr>
+                <a:solidFill>
+                  <a:schemeClr val="tx1">
+                    <a:tint val="75000"/>
+                  </a:schemeClr>
+                </a:solidFill>
+              </a:defRPr>
             </a:lvl8pPr>
             <a:lvl9pPr marL="3657600" indent="0" algn="ctr">
               <a:buNone/>
-              <a:defRPr sz="1600"/>
+              <a:defRPr>
+                <a:solidFill>
+                  <a:schemeClr val="tx1">
+                    <a:tint val="75000"/>
+                  </a:schemeClr>
+                </a:solidFill>
+              </a:defRPr>
             </a:lvl9pPr>
           </a:lstStyle>
           <a:p>
@@ -234,19 +808,13 @@
               <a:rPr lang="es-ES"/>
               <a:t>Haga clic para modificar el estilo de subtítulo del patrón</a:t>
             </a:r>
-            <a:endParaRPr lang="es-CO"/>
-          </a:p>
-        </p:txBody>
-      </p:sp>
-      <p:sp>
-        <p:nvSpPr>
-          <p:cNvPr id="4" name="Marcador de fecha 3">
-            <a:extLst>
-              <a:ext uri="{FF2B5EF4-FFF2-40B4-BE49-F238E27FC236}">
-                <a16:creationId xmlns:a16="http://schemas.microsoft.com/office/drawing/2014/main" xmlns="" id="{200393E4-A404-418A-A7A3-24010DF66C03}"/>
-              </a:ext>
-            </a:extLst>
-          </p:cNvPr>
+            <a:endParaRPr lang="en-US" dirty="0"/>
+          </a:p>
+        </p:txBody>
+      </p:sp>
+      <p:sp>
+        <p:nvSpPr>
+          <p:cNvPr id="4" name="Date Placeholder 3"/>
           <p:cNvSpPr>
             <a:spLocks noGrp="1"/>
           </p:cNvSpPr>
@@ -259,9 +827,9 @@
           <a:bodyPr/>
           <a:lstStyle/>
           <a:p>
-            <a:fld id="{6F8A0493-4482-4737-8E4C-65278325584E}" type="datetimeFigureOut">
+            <a:fld id="{3AF09AD3-0FCB-4A6E-BFB8-A61FFAB00668}" type="datetimeFigureOut">
               <a:rPr lang="es-CO" smtClean="0"/>
-              <a:t>13/06/2025</a:t>
+              <a:t>6/06/2025</a:t>
             </a:fld>
             <a:endParaRPr lang="es-CO"/>
           </a:p>
@@ -269,13 +837,7 @@
       </p:sp>
       <p:sp>
         <p:nvSpPr>
-          <p:cNvPr id="5" name="Marcador de pie de página 4">
-            <a:extLst>
-              <a:ext uri="{FF2B5EF4-FFF2-40B4-BE49-F238E27FC236}">
-                <a16:creationId xmlns:a16="http://schemas.microsoft.com/office/drawing/2014/main" xmlns="" id="{9ADE579C-4DED-442B-B6C2-D217F93EBF70}"/>
-              </a:ext>
-            </a:extLst>
-          </p:cNvPr>
+          <p:cNvPr id="5" name="Footer Placeholder 4"/>
           <p:cNvSpPr>
             <a:spLocks noGrp="1"/>
           </p:cNvSpPr>
@@ -294,13 +856,7 @@
       </p:sp>
       <p:sp>
         <p:nvSpPr>
-          <p:cNvPr id="6" name="Marcador de número de diapositiva 5">
-            <a:extLst>
-              <a:ext uri="{FF2B5EF4-FFF2-40B4-BE49-F238E27FC236}">
-                <a16:creationId xmlns:a16="http://schemas.microsoft.com/office/drawing/2014/main" xmlns="" id="{BECD9BB8-A9BE-454F-9E9C-F7710001BC0E}"/>
-              </a:ext>
-            </a:extLst>
-          </p:cNvPr>
+          <p:cNvPr id="6" name="Slide Number Placeholder 5"/>
           <p:cNvSpPr>
             <a:spLocks noGrp="1"/>
           </p:cNvSpPr>
@@ -313,7 +869,7 @@
           <a:bodyPr/>
           <a:lstStyle/>
           <a:p>
-            <a:fld id="{A1C4D09C-EC7D-4013-98F1-2B31AD99CF79}" type="slidenum">
+            <a:fld id="{9BB62278-9245-4FFB-950E-7F260EC66553}" type="slidenum">
               <a:rPr lang="es-CO" smtClean="0"/>
               <a:t>‹Nº›</a:t>
             </a:fld>
@@ -324,7 +880,7 @@
     </p:spTree>
     <p:extLst>
       <p:ext uri="{BB962C8B-B14F-4D97-AF65-F5344CB8AC3E}">
-        <p14:creationId xmlns:p14="http://schemas.microsoft.com/office/powerpoint/2010/main" val="371076442"/>
+        <p14:creationId xmlns:p14="http://schemas.microsoft.com/office/powerpoint/2010/main" val="1472180680"/>
       </p:ext>
     </p:extLst>
   </p:cSld>
@@ -335,6 +891,1619 @@
 </file>
 
 <file path=ppt/slideLayouts/slideLayout10.xml><?xml version="1.0" encoding="utf-8"?>
+<p:sldLayout xmlns:a="http://schemas.openxmlformats.org/drawingml/2006/main" xmlns:r="http://schemas.openxmlformats.org/officeDocument/2006/relationships" xmlns:p="http://schemas.openxmlformats.org/presentationml/2006/main" preserve="1">
+  <p:cSld name="Título y descripción">
+    <p:spTree>
+      <p:nvGrpSpPr>
+        <p:cNvPr id="1" name=""/>
+        <p:cNvGrpSpPr/>
+        <p:nvPr/>
+      </p:nvGrpSpPr>
+      <p:grpSpPr>
+        <a:xfrm>
+          <a:off x="0" y="0"/>
+          <a:ext cx="0" cy="0"/>
+          <a:chOff x="0" y="0"/>
+          <a:chExt cx="0" cy="0"/>
+        </a:xfrm>
+      </p:grpSpPr>
+      <p:sp>
+        <p:nvSpPr>
+          <p:cNvPr id="2" name="Title 1"/>
+          <p:cNvSpPr>
+            <a:spLocks noGrp="1"/>
+          </p:cNvSpPr>
+          <p:nvPr>
+            <p:ph type="title"/>
+          </p:nvPr>
+        </p:nvSpPr>
+        <p:spPr>
+          <a:xfrm>
+            <a:off x="677335" y="609600"/>
+            <a:ext cx="8596668" cy="3403600"/>
+          </a:xfrm>
+        </p:spPr>
+        <p:txBody>
+          <a:bodyPr anchor="ctr">
+            <a:normAutofit/>
+          </a:bodyPr>
+          <a:lstStyle>
+            <a:lvl1pPr algn="l">
+              <a:defRPr sz="4400" b="0" cap="none"/>
+            </a:lvl1pPr>
+          </a:lstStyle>
+          <a:p>
+            <a:r>
+              <a:rPr lang="es-ES"/>
+              <a:t>Haga clic para modificar el estilo de título del patrón</a:t>
+            </a:r>
+            <a:endParaRPr lang="en-US" dirty="0"/>
+          </a:p>
+        </p:txBody>
+      </p:sp>
+      <p:sp>
+        <p:nvSpPr>
+          <p:cNvPr id="3" name="Text Placeholder 2"/>
+          <p:cNvSpPr>
+            <a:spLocks noGrp="1"/>
+          </p:cNvSpPr>
+          <p:nvPr>
+            <p:ph type="body" idx="1"/>
+          </p:nvPr>
+        </p:nvSpPr>
+        <p:spPr>
+          <a:xfrm>
+            <a:off x="677335" y="4470400"/>
+            <a:ext cx="8596668" cy="1570962"/>
+          </a:xfrm>
+        </p:spPr>
+        <p:txBody>
+          <a:bodyPr anchor="ctr">
+            <a:normAutofit/>
+          </a:bodyPr>
+          <a:lstStyle>
+            <a:lvl1pPr marL="0" indent="0" algn="l">
+              <a:buNone/>
+              <a:defRPr sz="1800">
+                <a:solidFill>
+                  <a:schemeClr val="tx1">
+                    <a:lumMod val="75000"/>
+                    <a:lumOff val="25000"/>
+                  </a:schemeClr>
+                </a:solidFill>
+              </a:defRPr>
+            </a:lvl1pPr>
+            <a:lvl2pPr marL="457200" indent="0">
+              <a:buNone/>
+              <a:defRPr sz="1800">
+                <a:solidFill>
+                  <a:schemeClr val="tx1">
+                    <a:tint val="75000"/>
+                  </a:schemeClr>
+                </a:solidFill>
+              </a:defRPr>
+            </a:lvl2pPr>
+            <a:lvl3pPr marL="914400" indent="0">
+              <a:buNone/>
+              <a:defRPr sz="1600">
+                <a:solidFill>
+                  <a:schemeClr val="tx1">
+                    <a:tint val="75000"/>
+                  </a:schemeClr>
+                </a:solidFill>
+              </a:defRPr>
+            </a:lvl3pPr>
+            <a:lvl4pPr marL="1371600" indent="0">
+              <a:buNone/>
+              <a:defRPr sz="1400">
+                <a:solidFill>
+                  <a:schemeClr val="tx1">
+                    <a:tint val="75000"/>
+                  </a:schemeClr>
+                </a:solidFill>
+              </a:defRPr>
+            </a:lvl4pPr>
+            <a:lvl5pPr marL="1828800" indent="0">
+              <a:buNone/>
+              <a:defRPr sz="1400">
+                <a:solidFill>
+                  <a:schemeClr val="tx1">
+                    <a:tint val="75000"/>
+                  </a:schemeClr>
+                </a:solidFill>
+              </a:defRPr>
+            </a:lvl5pPr>
+            <a:lvl6pPr marL="2286000" indent="0">
+              <a:buNone/>
+              <a:defRPr sz="1400">
+                <a:solidFill>
+                  <a:schemeClr val="tx1">
+                    <a:tint val="75000"/>
+                  </a:schemeClr>
+                </a:solidFill>
+              </a:defRPr>
+            </a:lvl6pPr>
+            <a:lvl7pPr marL="2743200" indent="0">
+              <a:buNone/>
+              <a:defRPr sz="1400">
+                <a:solidFill>
+                  <a:schemeClr val="tx1">
+                    <a:tint val="75000"/>
+                  </a:schemeClr>
+                </a:solidFill>
+              </a:defRPr>
+            </a:lvl7pPr>
+            <a:lvl8pPr marL="3200400" indent="0">
+              <a:buNone/>
+              <a:defRPr sz="1400">
+                <a:solidFill>
+                  <a:schemeClr val="tx1">
+                    <a:tint val="75000"/>
+                  </a:schemeClr>
+                </a:solidFill>
+              </a:defRPr>
+            </a:lvl8pPr>
+            <a:lvl9pPr marL="3657600" indent="0">
+              <a:buNone/>
+              <a:defRPr sz="1400">
+                <a:solidFill>
+                  <a:schemeClr val="tx1">
+                    <a:tint val="75000"/>
+                  </a:schemeClr>
+                </a:solidFill>
+              </a:defRPr>
+            </a:lvl9pPr>
+          </a:lstStyle>
+          <a:p>
+            <a:pPr lvl="0"/>
+            <a:r>
+              <a:rPr lang="es-ES"/>
+              <a:t>Haga clic para modificar los estilos de texto del patrón</a:t>
+            </a:r>
+          </a:p>
+        </p:txBody>
+      </p:sp>
+      <p:sp>
+        <p:nvSpPr>
+          <p:cNvPr id="4" name="Date Placeholder 3"/>
+          <p:cNvSpPr>
+            <a:spLocks noGrp="1"/>
+          </p:cNvSpPr>
+          <p:nvPr>
+            <p:ph type="dt" sz="half" idx="10"/>
+          </p:nvPr>
+        </p:nvSpPr>
+        <p:spPr/>
+        <p:txBody>
+          <a:bodyPr/>
+          <a:lstStyle/>
+          <a:p>
+            <a:fld id="{3AF09AD3-0FCB-4A6E-BFB8-A61FFAB00668}" type="datetimeFigureOut">
+              <a:rPr lang="es-CO" smtClean="0"/>
+              <a:t>6/06/2025</a:t>
+            </a:fld>
+            <a:endParaRPr lang="es-CO"/>
+          </a:p>
+        </p:txBody>
+      </p:sp>
+      <p:sp>
+        <p:nvSpPr>
+          <p:cNvPr id="5" name="Footer Placeholder 4"/>
+          <p:cNvSpPr>
+            <a:spLocks noGrp="1"/>
+          </p:cNvSpPr>
+          <p:nvPr>
+            <p:ph type="ftr" sz="quarter" idx="11"/>
+          </p:nvPr>
+        </p:nvSpPr>
+        <p:spPr/>
+        <p:txBody>
+          <a:bodyPr/>
+          <a:lstStyle/>
+          <a:p>
+            <a:endParaRPr lang="es-CO"/>
+          </a:p>
+        </p:txBody>
+      </p:sp>
+      <p:sp>
+        <p:nvSpPr>
+          <p:cNvPr id="6" name="Slide Number Placeholder 5"/>
+          <p:cNvSpPr>
+            <a:spLocks noGrp="1"/>
+          </p:cNvSpPr>
+          <p:nvPr>
+            <p:ph type="sldNum" sz="quarter" idx="12"/>
+          </p:nvPr>
+        </p:nvSpPr>
+        <p:spPr/>
+        <p:txBody>
+          <a:bodyPr/>
+          <a:lstStyle/>
+          <a:p>
+            <a:fld id="{9BB62278-9245-4FFB-950E-7F260EC66553}" type="slidenum">
+              <a:rPr lang="es-CO" smtClean="0"/>
+              <a:t>‹Nº›</a:t>
+            </a:fld>
+            <a:endParaRPr lang="es-CO"/>
+          </a:p>
+        </p:txBody>
+      </p:sp>
+    </p:spTree>
+    <p:extLst>
+      <p:ext uri="{BB962C8B-B14F-4D97-AF65-F5344CB8AC3E}">
+        <p14:creationId xmlns:p14="http://schemas.microsoft.com/office/powerpoint/2010/main" val="2097088116"/>
+      </p:ext>
+    </p:extLst>
+  </p:cSld>
+  <p:clrMapOvr>
+    <a:masterClrMapping/>
+  </p:clrMapOvr>
+</p:sldLayout>
+</file>
+
+<file path=ppt/slideLayouts/slideLayout11.xml><?xml version="1.0" encoding="utf-8"?>
+<p:sldLayout xmlns:a="http://schemas.openxmlformats.org/drawingml/2006/main" xmlns:r="http://schemas.openxmlformats.org/officeDocument/2006/relationships" xmlns:p="http://schemas.openxmlformats.org/presentationml/2006/main" preserve="1">
+  <p:cSld name="Cita con descripción">
+    <p:spTree>
+      <p:nvGrpSpPr>
+        <p:cNvPr id="1" name=""/>
+        <p:cNvGrpSpPr/>
+        <p:nvPr/>
+      </p:nvGrpSpPr>
+      <p:grpSpPr>
+        <a:xfrm>
+          <a:off x="0" y="0"/>
+          <a:ext cx="0" cy="0"/>
+          <a:chOff x="0" y="0"/>
+          <a:chExt cx="0" cy="0"/>
+        </a:xfrm>
+      </p:grpSpPr>
+      <p:sp>
+        <p:nvSpPr>
+          <p:cNvPr id="2" name="Title 1"/>
+          <p:cNvSpPr>
+            <a:spLocks noGrp="1"/>
+          </p:cNvSpPr>
+          <p:nvPr>
+            <p:ph type="title"/>
+          </p:nvPr>
+        </p:nvSpPr>
+        <p:spPr>
+          <a:xfrm>
+            <a:off x="931334" y="609600"/>
+            <a:ext cx="8094134" cy="3022600"/>
+          </a:xfrm>
+        </p:spPr>
+        <p:txBody>
+          <a:bodyPr anchor="ctr">
+            <a:normAutofit/>
+          </a:bodyPr>
+          <a:lstStyle>
+            <a:lvl1pPr algn="l">
+              <a:defRPr sz="4400" b="0" cap="none"/>
+            </a:lvl1pPr>
+          </a:lstStyle>
+          <a:p>
+            <a:r>
+              <a:rPr lang="es-ES"/>
+              <a:t>Haga clic para modificar el estilo de título del patrón</a:t>
+            </a:r>
+            <a:endParaRPr lang="en-US" dirty="0"/>
+          </a:p>
+        </p:txBody>
+      </p:sp>
+      <p:sp>
+        <p:nvSpPr>
+          <p:cNvPr id="23" name="Text Placeholder 9"/>
+          <p:cNvSpPr>
+            <a:spLocks noGrp="1"/>
+          </p:cNvSpPr>
+          <p:nvPr>
+            <p:ph type="body" sz="quarter" idx="13"/>
+          </p:nvPr>
+        </p:nvSpPr>
+        <p:spPr>
+          <a:xfrm>
+            <a:off x="1366139" y="3632200"/>
+            <a:ext cx="7224524" cy="381000"/>
+          </a:xfrm>
+        </p:spPr>
+        <p:txBody>
+          <a:bodyPr anchor="ctr">
+            <a:noAutofit/>
+          </a:bodyPr>
+          <a:lstStyle>
+            <a:lvl1pPr marL="0" indent="0">
+              <a:buFontTx/>
+              <a:buNone/>
+              <a:defRPr sz="1600">
+                <a:solidFill>
+                  <a:schemeClr val="tx1">
+                    <a:lumMod val="50000"/>
+                    <a:lumOff val="50000"/>
+                  </a:schemeClr>
+                </a:solidFill>
+              </a:defRPr>
+            </a:lvl1pPr>
+            <a:lvl2pPr marL="457200" indent="0">
+              <a:buFontTx/>
+              <a:buNone/>
+              <a:defRPr/>
+            </a:lvl2pPr>
+            <a:lvl3pPr marL="914400" indent="0">
+              <a:buFontTx/>
+              <a:buNone/>
+              <a:defRPr/>
+            </a:lvl3pPr>
+            <a:lvl4pPr marL="1371600" indent="0">
+              <a:buFontTx/>
+              <a:buNone/>
+              <a:defRPr/>
+            </a:lvl4pPr>
+            <a:lvl5pPr marL="1828800" indent="0">
+              <a:buFontTx/>
+              <a:buNone/>
+              <a:defRPr/>
+            </a:lvl5pPr>
+          </a:lstStyle>
+          <a:p>
+            <a:pPr lvl="0"/>
+            <a:r>
+              <a:rPr lang="es-ES"/>
+              <a:t>Haga clic para modificar los estilos de texto del patrón</a:t>
+            </a:r>
+          </a:p>
+        </p:txBody>
+      </p:sp>
+      <p:sp>
+        <p:nvSpPr>
+          <p:cNvPr id="3" name="Text Placeholder 2"/>
+          <p:cNvSpPr>
+            <a:spLocks noGrp="1"/>
+          </p:cNvSpPr>
+          <p:nvPr>
+            <p:ph type="body" idx="1"/>
+          </p:nvPr>
+        </p:nvSpPr>
+        <p:spPr>
+          <a:xfrm>
+            <a:off x="677335" y="4470400"/>
+            <a:ext cx="8596668" cy="1570962"/>
+          </a:xfrm>
+        </p:spPr>
+        <p:txBody>
+          <a:bodyPr anchor="ctr">
+            <a:normAutofit/>
+          </a:bodyPr>
+          <a:lstStyle>
+            <a:lvl1pPr marL="0" indent="0" algn="l">
+              <a:buNone/>
+              <a:defRPr sz="1800">
+                <a:solidFill>
+                  <a:schemeClr val="tx1">
+                    <a:lumMod val="75000"/>
+                    <a:lumOff val="25000"/>
+                  </a:schemeClr>
+                </a:solidFill>
+              </a:defRPr>
+            </a:lvl1pPr>
+            <a:lvl2pPr marL="457200" indent="0">
+              <a:buNone/>
+              <a:defRPr sz="1800">
+                <a:solidFill>
+                  <a:schemeClr val="tx1">
+                    <a:tint val="75000"/>
+                  </a:schemeClr>
+                </a:solidFill>
+              </a:defRPr>
+            </a:lvl2pPr>
+            <a:lvl3pPr marL="914400" indent="0">
+              <a:buNone/>
+              <a:defRPr sz="1600">
+                <a:solidFill>
+                  <a:schemeClr val="tx1">
+                    <a:tint val="75000"/>
+                  </a:schemeClr>
+                </a:solidFill>
+              </a:defRPr>
+            </a:lvl3pPr>
+            <a:lvl4pPr marL="1371600" indent="0">
+              <a:buNone/>
+              <a:defRPr sz="1400">
+                <a:solidFill>
+                  <a:schemeClr val="tx1">
+                    <a:tint val="75000"/>
+                  </a:schemeClr>
+                </a:solidFill>
+              </a:defRPr>
+            </a:lvl4pPr>
+            <a:lvl5pPr marL="1828800" indent="0">
+              <a:buNone/>
+              <a:defRPr sz="1400">
+                <a:solidFill>
+                  <a:schemeClr val="tx1">
+                    <a:tint val="75000"/>
+                  </a:schemeClr>
+                </a:solidFill>
+              </a:defRPr>
+            </a:lvl5pPr>
+            <a:lvl6pPr marL="2286000" indent="0">
+              <a:buNone/>
+              <a:defRPr sz="1400">
+                <a:solidFill>
+                  <a:schemeClr val="tx1">
+                    <a:tint val="75000"/>
+                  </a:schemeClr>
+                </a:solidFill>
+              </a:defRPr>
+            </a:lvl6pPr>
+            <a:lvl7pPr marL="2743200" indent="0">
+              <a:buNone/>
+              <a:defRPr sz="1400">
+                <a:solidFill>
+                  <a:schemeClr val="tx1">
+                    <a:tint val="75000"/>
+                  </a:schemeClr>
+                </a:solidFill>
+              </a:defRPr>
+            </a:lvl7pPr>
+            <a:lvl8pPr marL="3200400" indent="0">
+              <a:buNone/>
+              <a:defRPr sz="1400">
+                <a:solidFill>
+                  <a:schemeClr val="tx1">
+                    <a:tint val="75000"/>
+                  </a:schemeClr>
+                </a:solidFill>
+              </a:defRPr>
+            </a:lvl8pPr>
+            <a:lvl9pPr marL="3657600" indent="0">
+              <a:buNone/>
+              <a:defRPr sz="1400">
+                <a:solidFill>
+                  <a:schemeClr val="tx1">
+                    <a:tint val="75000"/>
+                  </a:schemeClr>
+                </a:solidFill>
+              </a:defRPr>
+            </a:lvl9pPr>
+          </a:lstStyle>
+          <a:p>
+            <a:pPr lvl="0"/>
+            <a:r>
+              <a:rPr lang="es-ES"/>
+              <a:t>Haga clic para modificar los estilos de texto del patrón</a:t>
+            </a:r>
+          </a:p>
+        </p:txBody>
+      </p:sp>
+      <p:sp>
+        <p:nvSpPr>
+          <p:cNvPr id="4" name="Date Placeholder 3"/>
+          <p:cNvSpPr>
+            <a:spLocks noGrp="1"/>
+          </p:cNvSpPr>
+          <p:nvPr>
+            <p:ph type="dt" sz="half" idx="10"/>
+          </p:nvPr>
+        </p:nvSpPr>
+        <p:spPr/>
+        <p:txBody>
+          <a:bodyPr/>
+          <a:lstStyle/>
+          <a:p>
+            <a:fld id="{3AF09AD3-0FCB-4A6E-BFB8-A61FFAB00668}" type="datetimeFigureOut">
+              <a:rPr lang="es-CO" smtClean="0"/>
+              <a:t>6/06/2025</a:t>
+            </a:fld>
+            <a:endParaRPr lang="es-CO"/>
+          </a:p>
+        </p:txBody>
+      </p:sp>
+      <p:sp>
+        <p:nvSpPr>
+          <p:cNvPr id="5" name="Footer Placeholder 4"/>
+          <p:cNvSpPr>
+            <a:spLocks noGrp="1"/>
+          </p:cNvSpPr>
+          <p:nvPr>
+            <p:ph type="ftr" sz="quarter" idx="11"/>
+          </p:nvPr>
+        </p:nvSpPr>
+        <p:spPr/>
+        <p:txBody>
+          <a:bodyPr/>
+          <a:lstStyle/>
+          <a:p>
+            <a:endParaRPr lang="es-CO"/>
+          </a:p>
+        </p:txBody>
+      </p:sp>
+      <p:sp>
+        <p:nvSpPr>
+          <p:cNvPr id="6" name="Slide Number Placeholder 5"/>
+          <p:cNvSpPr>
+            <a:spLocks noGrp="1"/>
+          </p:cNvSpPr>
+          <p:nvPr>
+            <p:ph type="sldNum" sz="quarter" idx="12"/>
+          </p:nvPr>
+        </p:nvSpPr>
+        <p:spPr/>
+        <p:txBody>
+          <a:bodyPr/>
+          <a:lstStyle/>
+          <a:p>
+            <a:fld id="{9BB62278-9245-4FFB-950E-7F260EC66553}" type="slidenum">
+              <a:rPr lang="es-CO" smtClean="0"/>
+              <a:t>‹Nº›</a:t>
+            </a:fld>
+            <a:endParaRPr lang="es-CO"/>
+          </a:p>
+        </p:txBody>
+      </p:sp>
+      <p:sp>
+        <p:nvSpPr>
+          <p:cNvPr id="20" name="TextBox 19"/>
+          <p:cNvSpPr txBox="1"/>
+          <p:nvPr/>
+        </p:nvSpPr>
+        <p:spPr>
+          <a:xfrm>
+            <a:off x="541870" y="790378"/>
+            <a:ext cx="609600" cy="584776"/>
+          </a:xfrm>
+          <a:prstGeom prst="rect">
+            <a:avLst/>
+          </a:prstGeom>
+        </p:spPr>
+        <p:txBody>
+          <a:bodyPr vert="horz" lIns="91440" tIns="45720" rIns="91440" bIns="45720" rtlCol="0" anchor="ctr">
+            <a:noAutofit/>
+          </a:bodyPr>
+          <a:lstStyle/>
+          <a:p>
+            <a:pPr lvl="0"/>
+            <a:r>
+              <a:rPr lang="en-US" sz="8000" baseline="0" dirty="0">
+                <a:ln w="3175" cmpd="sng">
+                  <a:noFill/>
+                </a:ln>
+                <a:solidFill>
+                  <a:schemeClr val="accent1">
+                    <a:lumMod val="60000"/>
+                    <a:lumOff val="40000"/>
+                  </a:schemeClr>
+                </a:solidFill>
+                <a:effectLst/>
+                <a:latin typeface="Arial"/>
+              </a:rPr>
+              <a:t>“</a:t>
+            </a:r>
+          </a:p>
+        </p:txBody>
+      </p:sp>
+      <p:sp>
+        <p:nvSpPr>
+          <p:cNvPr id="22" name="TextBox 21"/>
+          <p:cNvSpPr txBox="1"/>
+          <p:nvPr/>
+        </p:nvSpPr>
+        <p:spPr>
+          <a:xfrm>
+            <a:off x="8893011" y="2886556"/>
+            <a:ext cx="609600" cy="584776"/>
+          </a:xfrm>
+          <a:prstGeom prst="rect">
+            <a:avLst/>
+          </a:prstGeom>
+        </p:spPr>
+        <p:txBody>
+          <a:bodyPr vert="horz" lIns="91440" tIns="45720" rIns="91440" bIns="45720" rtlCol="0" anchor="ctr">
+            <a:noAutofit/>
+          </a:bodyPr>
+          <a:lstStyle/>
+          <a:p>
+            <a:pPr lvl="0"/>
+            <a:r>
+              <a:rPr lang="en-US" sz="8000" baseline="0" dirty="0">
+                <a:ln w="3175" cmpd="sng">
+                  <a:noFill/>
+                </a:ln>
+                <a:solidFill>
+                  <a:schemeClr val="accent1">
+                    <a:lumMod val="60000"/>
+                    <a:lumOff val="40000"/>
+                  </a:schemeClr>
+                </a:solidFill>
+                <a:latin typeface="Arial"/>
+              </a:rPr>
+              <a:t>”</a:t>
+            </a:r>
+            <a:endParaRPr lang="en-US" dirty="0">
+              <a:solidFill>
+                <a:schemeClr val="accent1">
+                  <a:lumMod val="60000"/>
+                  <a:lumOff val="40000"/>
+                </a:schemeClr>
+              </a:solidFill>
+              <a:latin typeface="Arial"/>
+            </a:endParaRPr>
+          </a:p>
+        </p:txBody>
+      </p:sp>
+    </p:spTree>
+    <p:extLst>
+      <p:ext uri="{BB962C8B-B14F-4D97-AF65-F5344CB8AC3E}">
+        <p14:creationId xmlns:p14="http://schemas.microsoft.com/office/powerpoint/2010/main" val="314242325"/>
+      </p:ext>
+    </p:extLst>
+  </p:cSld>
+  <p:clrMapOvr>
+    <a:masterClrMapping/>
+  </p:clrMapOvr>
+</p:sldLayout>
+</file>
+
+<file path=ppt/slideLayouts/slideLayout12.xml><?xml version="1.0" encoding="utf-8"?>
+<p:sldLayout xmlns:a="http://schemas.openxmlformats.org/drawingml/2006/main" xmlns:r="http://schemas.openxmlformats.org/officeDocument/2006/relationships" xmlns:p="http://schemas.openxmlformats.org/presentationml/2006/main" preserve="1">
+  <p:cSld name="Tarjeta de nombre">
+    <p:spTree>
+      <p:nvGrpSpPr>
+        <p:cNvPr id="1" name=""/>
+        <p:cNvGrpSpPr/>
+        <p:nvPr/>
+      </p:nvGrpSpPr>
+      <p:grpSpPr>
+        <a:xfrm>
+          <a:off x="0" y="0"/>
+          <a:ext cx="0" cy="0"/>
+          <a:chOff x="0" y="0"/>
+          <a:chExt cx="0" cy="0"/>
+        </a:xfrm>
+      </p:grpSpPr>
+      <p:sp>
+        <p:nvSpPr>
+          <p:cNvPr id="2" name="Title 1"/>
+          <p:cNvSpPr>
+            <a:spLocks noGrp="1"/>
+          </p:cNvSpPr>
+          <p:nvPr>
+            <p:ph type="title"/>
+          </p:nvPr>
+        </p:nvSpPr>
+        <p:spPr>
+          <a:xfrm>
+            <a:off x="677335" y="1931988"/>
+            <a:ext cx="8596668" cy="2595460"/>
+          </a:xfrm>
+        </p:spPr>
+        <p:txBody>
+          <a:bodyPr anchor="b">
+            <a:normAutofit/>
+          </a:bodyPr>
+          <a:lstStyle>
+            <a:lvl1pPr algn="l">
+              <a:defRPr sz="4400" b="0" cap="none"/>
+            </a:lvl1pPr>
+          </a:lstStyle>
+          <a:p>
+            <a:r>
+              <a:rPr lang="es-ES"/>
+              <a:t>Haga clic para modificar el estilo de título del patrón</a:t>
+            </a:r>
+            <a:endParaRPr lang="en-US" dirty="0"/>
+          </a:p>
+        </p:txBody>
+      </p:sp>
+      <p:sp>
+        <p:nvSpPr>
+          <p:cNvPr id="3" name="Text Placeholder 2"/>
+          <p:cNvSpPr>
+            <a:spLocks noGrp="1"/>
+          </p:cNvSpPr>
+          <p:nvPr>
+            <p:ph type="body" idx="1"/>
+          </p:nvPr>
+        </p:nvSpPr>
+        <p:spPr>
+          <a:xfrm>
+            <a:off x="677335" y="4527448"/>
+            <a:ext cx="8596668" cy="1513914"/>
+          </a:xfrm>
+        </p:spPr>
+        <p:txBody>
+          <a:bodyPr anchor="t">
+            <a:normAutofit/>
+          </a:bodyPr>
+          <a:lstStyle>
+            <a:lvl1pPr marL="0" indent="0" algn="l">
+              <a:buNone/>
+              <a:defRPr sz="1800">
+                <a:solidFill>
+                  <a:schemeClr val="tx1">
+                    <a:lumMod val="75000"/>
+                    <a:lumOff val="25000"/>
+                  </a:schemeClr>
+                </a:solidFill>
+              </a:defRPr>
+            </a:lvl1pPr>
+            <a:lvl2pPr marL="457200" indent="0">
+              <a:buNone/>
+              <a:defRPr sz="1800">
+                <a:solidFill>
+                  <a:schemeClr val="tx1">
+                    <a:tint val="75000"/>
+                  </a:schemeClr>
+                </a:solidFill>
+              </a:defRPr>
+            </a:lvl2pPr>
+            <a:lvl3pPr marL="914400" indent="0">
+              <a:buNone/>
+              <a:defRPr sz="1600">
+                <a:solidFill>
+                  <a:schemeClr val="tx1">
+                    <a:tint val="75000"/>
+                  </a:schemeClr>
+                </a:solidFill>
+              </a:defRPr>
+            </a:lvl3pPr>
+            <a:lvl4pPr marL="1371600" indent="0">
+              <a:buNone/>
+              <a:defRPr sz="1400">
+                <a:solidFill>
+                  <a:schemeClr val="tx1">
+                    <a:tint val="75000"/>
+                  </a:schemeClr>
+                </a:solidFill>
+              </a:defRPr>
+            </a:lvl4pPr>
+            <a:lvl5pPr marL="1828800" indent="0">
+              <a:buNone/>
+              <a:defRPr sz="1400">
+                <a:solidFill>
+                  <a:schemeClr val="tx1">
+                    <a:tint val="75000"/>
+                  </a:schemeClr>
+                </a:solidFill>
+              </a:defRPr>
+            </a:lvl5pPr>
+            <a:lvl6pPr marL="2286000" indent="0">
+              <a:buNone/>
+              <a:defRPr sz="1400">
+                <a:solidFill>
+                  <a:schemeClr val="tx1">
+                    <a:tint val="75000"/>
+                  </a:schemeClr>
+                </a:solidFill>
+              </a:defRPr>
+            </a:lvl6pPr>
+            <a:lvl7pPr marL="2743200" indent="0">
+              <a:buNone/>
+              <a:defRPr sz="1400">
+                <a:solidFill>
+                  <a:schemeClr val="tx1">
+                    <a:tint val="75000"/>
+                  </a:schemeClr>
+                </a:solidFill>
+              </a:defRPr>
+            </a:lvl7pPr>
+            <a:lvl8pPr marL="3200400" indent="0">
+              <a:buNone/>
+              <a:defRPr sz="1400">
+                <a:solidFill>
+                  <a:schemeClr val="tx1">
+                    <a:tint val="75000"/>
+                  </a:schemeClr>
+                </a:solidFill>
+              </a:defRPr>
+            </a:lvl8pPr>
+            <a:lvl9pPr marL="3657600" indent="0">
+              <a:buNone/>
+              <a:defRPr sz="1400">
+                <a:solidFill>
+                  <a:schemeClr val="tx1">
+                    <a:tint val="75000"/>
+                  </a:schemeClr>
+                </a:solidFill>
+              </a:defRPr>
+            </a:lvl9pPr>
+          </a:lstStyle>
+          <a:p>
+            <a:pPr lvl="0"/>
+            <a:r>
+              <a:rPr lang="es-ES"/>
+              <a:t>Haga clic para modificar los estilos de texto del patrón</a:t>
+            </a:r>
+          </a:p>
+        </p:txBody>
+      </p:sp>
+      <p:sp>
+        <p:nvSpPr>
+          <p:cNvPr id="4" name="Date Placeholder 3"/>
+          <p:cNvSpPr>
+            <a:spLocks noGrp="1"/>
+          </p:cNvSpPr>
+          <p:nvPr>
+            <p:ph type="dt" sz="half" idx="10"/>
+          </p:nvPr>
+        </p:nvSpPr>
+        <p:spPr/>
+        <p:txBody>
+          <a:bodyPr/>
+          <a:lstStyle/>
+          <a:p>
+            <a:fld id="{3AF09AD3-0FCB-4A6E-BFB8-A61FFAB00668}" type="datetimeFigureOut">
+              <a:rPr lang="es-CO" smtClean="0"/>
+              <a:t>6/06/2025</a:t>
+            </a:fld>
+            <a:endParaRPr lang="es-CO"/>
+          </a:p>
+        </p:txBody>
+      </p:sp>
+      <p:sp>
+        <p:nvSpPr>
+          <p:cNvPr id="5" name="Footer Placeholder 4"/>
+          <p:cNvSpPr>
+            <a:spLocks noGrp="1"/>
+          </p:cNvSpPr>
+          <p:nvPr>
+            <p:ph type="ftr" sz="quarter" idx="11"/>
+          </p:nvPr>
+        </p:nvSpPr>
+        <p:spPr/>
+        <p:txBody>
+          <a:bodyPr/>
+          <a:lstStyle/>
+          <a:p>
+            <a:endParaRPr lang="es-CO"/>
+          </a:p>
+        </p:txBody>
+      </p:sp>
+      <p:sp>
+        <p:nvSpPr>
+          <p:cNvPr id="6" name="Slide Number Placeholder 5"/>
+          <p:cNvSpPr>
+            <a:spLocks noGrp="1"/>
+          </p:cNvSpPr>
+          <p:nvPr>
+            <p:ph type="sldNum" sz="quarter" idx="12"/>
+          </p:nvPr>
+        </p:nvSpPr>
+        <p:spPr/>
+        <p:txBody>
+          <a:bodyPr/>
+          <a:lstStyle/>
+          <a:p>
+            <a:fld id="{9BB62278-9245-4FFB-950E-7F260EC66553}" type="slidenum">
+              <a:rPr lang="es-CO" smtClean="0"/>
+              <a:t>‹Nº›</a:t>
+            </a:fld>
+            <a:endParaRPr lang="es-CO"/>
+          </a:p>
+        </p:txBody>
+      </p:sp>
+    </p:spTree>
+    <p:extLst>
+      <p:ext uri="{BB962C8B-B14F-4D97-AF65-F5344CB8AC3E}">
+        <p14:creationId xmlns:p14="http://schemas.microsoft.com/office/powerpoint/2010/main" val="1674933208"/>
+      </p:ext>
+    </p:extLst>
+  </p:cSld>
+  <p:clrMapOvr>
+    <a:masterClrMapping/>
+  </p:clrMapOvr>
+</p:sldLayout>
+</file>
+
+<file path=ppt/slideLayouts/slideLayout13.xml><?xml version="1.0" encoding="utf-8"?>
+<p:sldLayout xmlns:a="http://schemas.openxmlformats.org/drawingml/2006/main" xmlns:r="http://schemas.openxmlformats.org/officeDocument/2006/relationships" xmlns:p="http://schemas.openxmlformats.org/presentationml/2006/main" preserve="1">
+  <p:cSld name="Citar la tarjeta de nombre">
+    <p:spTree>
+      <p:nvGrpSpPr>
+        <p:cNvPr id="1" name=""/>
+        <p:cNvGrpSpPr/>
+        <p:nvPr/>
+      </p:nvGrpSpPr>
+      <p:grpSpPr>
+        <a:xfrm>
+          <a:off x="0" y="0"/>
+          <a:ext cx="0" cy="0"/>
+          <a:chOff x="0" y="0"/>
+          <a:chExt cx="0" cy="0"/>
+        </a:xfrm>
+      </p:grpSpPr>
+      <p:sp>
+        <p:nvSpPr>
+          <p:cNvPr id="2" name="Title 1"/>
+          <p:cNvSpPr>
+            <a:spLocks noGrp="1"/>
+          </p:cNvSpPr>
+          <p:nvPr>
+            <p:ph type="title"/>
+          </p:nvPr>
+        </p:nvSpPr>
+        <p:spPr>
+          <a:xfrm>
+            <a:off x="931334" y="609600"/>
+            <a:ext cx="8094134" cy="3022600"/>
+          </a:xfrm>
+        </p:spPr>
+        <p:txBody>
+          <a:bodyPr anchor="ctr">
+            <a:normAutofit/>
+          </a:bodyPr>
+          <a:lstStyle>
+            <a:lvl1pPr algn="l">
+              <a:defRPr sz="4400" b="0" cap="none"/>
+            </a:lvl1pPr>
+          </a:lstStyle>
+          <a:p>
+            <a:r>
+              <a:rPr lang="es-ES"/>
+              <a:t>Haga clic para modificar el estilo de título del patrón</a:t>
+            </a:r>
+            <a:endParaRPr lang="en-US" dirty="0"/>
+          </a:p>
+        </p:txBody>
+      </p:sp>
+      <p:sp>
+        <p:nvSpPr>
+          <p:cNvPr id="23" name="Text Placeholder 9"/>
+          <p:cNvSpPr>
+            <a:spLocks noGrp="1"/>
+          </p:cNvSpPr>
+          <p:nvPr>
+            <p:ph type="body" sz="quarter" idx="13"/>
+          </p:nvPr>
+        </p:nvSpPr>
+        <p:spPr>
+          <a:xfrm>
+            <a:off x="677332" y="4013200"/>
+            <a:ext cx="8596669" cy="514248"/>
+          </a:xfrm>
+        </p:spPr>
+        <p:txBody>
+          <a:bodyPr anchor="b">
+            <a:noAutofit/>
+          </a:bodyPr>
+          <a:lstStyle>
+            <a:lvl1pPr marL="0" indent="0">
+              <a:buFontTx/>
+              <a:buNone/>
+              <a:defRPr sz="2400">
+                <a:solidFill>
+                  <a:schemeClr val="tx1">
+                    <a:lumMod val="75000"/>
+                    <a:lumOff val="25000"/>
+                  </a:schemeClr>
+                </a:solidFill>
+              </a:defRPr>
+            </a:lvl1pPr>
+            <a:lvl2pPr marL="457200" indent="0">
+              <a:buFontTx/>
+              <a:buNone/>
+              <a:defRPr/>
+            </a:lvl2pPr>
+            <a:lvl3pPr marL="914400" indent="0">
+              <a:buFontTx/>
+              <a:buNone/>
+              <a:defRPr/>
+            </a:lvl3pPr>
+            <a:lvl4pPr marL="1371600" indent="0">
+              <a:buFontTx/>
+              <a:buNone/>
+              <a:defRPr/>
+            </a:lvl4pPr>
+            <a:lvl5pPr marL="1828800" indent="0">
+              <a:buFontTx/>
+              <a:buNone/>
+              <a:defRPr/>
+            </a:lvl5pPr>
+          </a:lstStyle>
+          <a:p>
+            <a:pPr lvl="0"/>
+            <a:r>
+              <a:rPr lang="es-ES"/>
+              <a:t>Haga clic para modificar los estilos de texto del patrón</a:t>
+            </a:r>
+          </a:p>
+        </p:txBody>
+      </p:sp>
+      <p:sp>
+        <p:nvSpPr>
+          <p:cNvPr id="3" name="Text Placeholder 2"/>
+          <p:cNvSpPr>
+            <a:spLocks noGrp="1"/>
+          </p:cNvSpPr>
+          <p:nvPr>
+            <p:ph type="body" idx="1"/>
+          </p:nvPr>
+        </p:nvSpPr>
+        <p:spPr>
+          <a:xfrm>
+            <a:off x="677335" y="4527448"/>
+            <a:ext cx="8596668" cy="1513914"/>
+          </a:xfrm>
+        </p:spPr>
+        <p:txBody>
+          <a:bodyPr anchor="t">
+            <a:normAutofit/>
+          </a:bodyPr>
+          <a:lstStyle>
+            <a:lvl1pPr marL="0" indent="0" algn="l">
+              <a:buNone/>
+              <a:defRPr sz="1800">
+                <a:solidFill>
+                  <a:schemeClr val="tx1">
+                    <a:lumMod val="50000"/>
+                    <a:lumOff val="50000"/>
+                  </a:schemeClr>
+                </a:solidFill>
+              </a:defRPr>
+            </a:lvl1pPr>
+            <a:lvl2pPr marL="457200" indent="0">
+              <a:buNone/>
+              <a:defRPr sz="1800">
+                <a:solidFill>
+                  <a:schemeClr val="tx1">
+                    <a:tint val="75000"/>
+                  </a:schemeClr>
+                </a:solidFill>
+              </a:defRPr>
+            </a:lvl2pPr>
+            <a:lvl3pPr marL="914400" indent="0">
+              <a:buNone/>
+              <a:defRPr sz="1600">
+                <a:solidFill>
+                  <a:schemeClr val="tx1">
+                    <a:tint val="75000"/>
+                  </a:schemeClr>
+                </a:solidFill>
+              </a:defRPr>
+            </a:lvl3pPr>
+            <a:lvl4pPr marL="1371600" indent="0">
+              <a:buNone/>
+              <a:defRPr sz="1400">
+                <a:solidFill>
+                  <a:schemeClr val="tx1">
+                    <a:tint val="75000"/>
+                  </a:schemeClr>
+                </a:solidFill>
+              </a:defRPr>
+            </a:lvl4pPr>
+            <a:lvl5pPr marL="1828800" indent="0">
+              <a:buNone/>
+              <a:defRPr sz="1400">
+                <a:solidFill>
+                  <a:schemeClr val="tx1">
+                    <a:tint val="75000"/>
+                  </a:schemeClr>
+                </a:solidFill>
+              </a:defRPr>
+            </a:lvl5pPr>
+            <a:lvl6pPr marL="2286000" indent="0">
+              <a:buNone/>
+              <a:defRPr sz="1400">
+                <a:solidFill>
+                  <a:schemeClr val="tx1">
+                    <a:tint val="75000"/>
+                  </a:schemeClr>
+                </a:solidFill>
+              </a:defRPr>
+            </a:lvl6pPr>
+            <a:lvl7pPr marL="2743200" indent="0">
+              <a:buNone/>
+              <a:defRPr sz="1400">
+                <a:solidFill>
+                  <a:schemeClr val="tx1">
+                    <a:tint val="75000"/>
+                  </a:schemeClr>
+                </a:solidFill>
+              </a:defRPr>
+            </a:lvl7pPr>
+            <a:lvl8pPr marL="3200400" indent="0">
+              <a:buNone/>
+              <a:defRPr sz="1400">
+                <a:solidFill>
+                  <a:schemeClr val="tx1">
+                    <a:tint val="75000"/>
+                  </a:schemeClr>
+                </a:solidFill>
+              </a:defRPr>
+            </a:lvl8pPr>
+            <a:lvl9pPr marL="3657600" indent="0">
+              <a:buNone/>
+              <a:defRPr sz="1400">
+                <a:solidFill>
+                  <a:schemeClr val="tx1">
+                    <a:tint val="75000"/>
+                  </a:schemeClr>
+                </a:solidFill>
+              </a:defRPr>
+            </a:lvl9pPr>
+          </a:lstStyle>
+          <a:p>
+            <a:pPr lvl="0"/>
+            <a:r>
+              <a:rPr lang="es-ES"/>
+              <a:t>Haga clic para modificar los estilos de texto del patrón</a:t>
+            </a:r>
+          </a:p>
+        </p:txBody>
+      </p:sp>
+      <p:sp>
+        <p:nvSpPr>
+          <p:cNvPr id="4" name="Date Placeholder 3"/>
+          <p:cNvSpPr>
+            <a:spLocks noGrp="1"/>
+          </p:cNvSpPr>
+          <p:nvPr>
+            <p:ph type="dt" sz="half" idx="10"/>
+          </p:nvPr>
+        </p:nvSpPr>
+        <p:spPr/>
+        <p:txBody>
+          <a:bodyPr/>
+          <a:lstStyle/>
+          <a:p>
+            <a:fld id="{3AF09AD3-0FCB-4A6E-BFB8-A61FFAB00668}" type="datetimeFigureOut">
+              <a:rPr lang="es-CO" smtClean="0"/>
+              <a:t>6/06/2025</a:t>
+            </a:fld>
+            <a:endParaRPr lang="es-CO"/>
+          </a:p>
+        </p:txBody>
+      </p:sp>
+      <p:sp>
+        <p:nvSpPr>
+          <p:cNvPr id="5" name="Footer Placeholder 4"/>
+          <p:cNvSpPr>
+            <a:spLocks noGrp="1"/>
+          </p:cNvSpPr>
+          <p:nvPr>
+            <p:ph type="ftr" sz="quarter" idx="11"/>
+          </p:nvPr>
+        </p:nvSpPr>
+        <p:spPr/>
+        <p:txBody>
+          <a:bodyPr/>
+          <a:lstStyle/>
+          <a:p>
+            <a:endParaRPr lang="es-CO"/>
+          </a:p>
+        </p:txBody>
+      </p:sp>
+      <p:sp>
+        <p:nvSpPr>
+          <p:cNvPr id="6" name="Slide Number Placeholder 5"/>
+          <p:cNvSpPr>
+            <a:spLocks noGrp="1"/>
+          </p:cNvSpPr>
+          <p:nvPr>
+            <p:ph type="sldNum" sz="quarter" idx="12"/>
+          </p:nvPr>
+        </p:nvSpPr>
+        <p:spPr/>
+        <p:txBody>
+          <a:bodyPr/>
+          <a:lstStyle/>
+          <a:p>
+            <a:fld id="{9BB62278-9245-4FFB-950E-7F260EC66553}" type="slidenum">
+              <a:rPr lang="es-CO" smtClean="0"/>
+              <a:t>‹Nº›</a:t>
+            </a:fld>
+            <a:endParaRPr lang="es-CO"/>
+          </a:p>
+        </p:txBody>
+      </p:sp>
+      <p:sp>
+        <p:nvSpPr>
+          <p:cNvPr id="24" name="TextBox 23"/>
+          <p:cNvSpPr txBox="1"/>
+          <p:nvPr/>
+        </p:nvSpPr>
+        <p:spPr>
+          <a:xfrm>
+            <a:off x="541870" y="790378"/>
+            <a:ext cx="609600" cy="584776"/>
+          </a:xfrm>
+          <a:prstGeom prst="rect">
+            <a:avLst/>
+          </a:prstGeom>
+        </p:spPr>
+        <p:txBody>
+          <a:bodyPr vert="horz" lIns="91440" tIns="45720" rIns="91440" bIns="45720" rtlCol="0" anchor="ctr">
+            <a:noAutofit/>
+          </a:bodyPr>
+          <a:lstStyle/>
+          <a:p>
+            <a:pPr lvl="0"/>
+            <a:r>
+              <a:rPr lang="en-US" sz="8000" baseline="0" dirty="0">
+                <a:ln w="3175" cmpd="sng">
+                  <a:noFill/>
+                </a:ln>
+                <a:solidFill>
+                  <a:schemeClr val="accent1">
+                    <a:lumMod val="60000"/>
+                    <a:lumOff val="40000"/>
+                  </a:schemeClr>
+                </a:solidFill>
+                <a:effectLst/>
+                <a:latin typeface="Arial"/>
+              </a:rPr>
+              <a:t>“</a:t>
+            </a:r>
+          </a:p>
+        </p:txBody>
+      </p:sp>
+      <p:sp>
+        <p:nvSpPr>
+          <p:cNvPr id="25" name="TextBox 24"/>
+          <p:cNvSpPr txBox="1"/>
+          <p:nvPr/>
+        </p:nvSpPr>
+        <p:spPr>
+          <a:xfrm>
+            <a:off x="8893011" y="2886556"/>
+            <a:ext cx="609600" cy="584776"/>
+          </a:xfrm>
+          <a:prstGeom prst="rect">
+            <a:avLst/>
+          </a:prstGeom>
+        </p:spPr>
+        <p:txBody>
+          <a:bodyPr vert="horz" lIns="91440" tIns="45720" rIns="91440" bIns="45720" rtlCol="0" anchor="ctr">
+            <a:noAutofit/>
+          </a:bodyPr>
+          <a:lstStyle/>
+          <a:p>
+            <a:pPr lvl="0"/>
+            <a:r>
+              <a:rPr lang="en-US" sz="8000" baseline="0" dirty="0">
+                <a:ln w="3175" cmpd="sng">
+                  <a:noFill/>
+                </a:ln>
+                <a:solidFill>
+                  <a:schemeClr val="accent1">
+                    <a:lumMod val="60000"/>
+                    <a:lumOff val="40000"/>
+                  </a:schemeClr>
+                </a:solidFill>
+                <a:effectLst/>
+                <a:latin typeface="Arial"/>
+              </a:rPr>
+              <a:t>”</a:t>
+            </a:r>
+          </a:p>
+        </p:txBody>
+      </p:sp>
+    </p:spTree>
+    <p:extLst>
+      <p:ext uri="{BB962C8B-B14F-4D97-AF65-F5344CB8AC3E}">
+        <p14:creationId xmlns:p14="http://schemas.microsoft.com/office/powerpoint/2010/main" val="3636093699"/>
+      </p:ext>
+    </p:extLst>
+  </p:cSld>
+  <p:clrMapOvr>
+    <a:masterClrMapping/>
+  </p:clrMapOvr>
+</p:sldLayout>
+</file>
+
+<file path=ppt/slideLayouts/slideLayout14.xml><?xml version="1.0" encoding="utf-8"?>
+<p:sldLayout xmlns:a="http://schemas.openxmlformats.org/drawingml/2006/main" xmlns:r="http://schemas.openxmlformats.org/officeDocument/2006/relationships" xmlns:p="http://schemas.openxmlformats.org/presentationml/2006/main" preserve="1">
+  <p:cSld name="Verdadero o falso">
+    <p:spTree>
+      <p:nvGrpSpPr>
+        <p:cNvPr id="1" name=""/>
+        <p:cNvGrpSpPr/>
+        <p:nvPr/>
+      </p:nvGrpSpPr>
+      <p:grpSpPr>
+        <a:xfrm>
+          <a:off x="0" y="0"/>
+          <a:ext cx="0" cy="0"/>
+          <a:chOff x="0" y="0"/>
+          <a:chExt cx="0" cy="0"/>
+        </a:xfrm>
+      </p:grpSpPr>
+      <p:sp>
+        <p:nvSpPr>
+          <p:cNvPr id="2" name="Title 1"/>
+          <p:cNvSpPr>
+            <a:spLocks noGrp="1"/>
+          </p:cNvSpPr>
+          <p:nvPr>
+            <p:ph type="title"/>
+          </p:nvPr>
+        </p:nvSpPr>
+        <p:spPr>
+          <a:xfrm>
+            <a:off x="685799" y="609600"/>
+            <a:ext cx="8588203" cy="3022600"/>
+          </a:xfrm>
+        </p:spPr>
+        <p:txBody>
+          <a:bodyPr anchor="ctr">
+            <a:normAutofit/>
+          </a:bodyPr>
+          <a:lstStyle>
+            <a:lvl1pPr algn="l">
+              <a:defRPr sz="4400" b="0" cap="none"/>
+            </a:lvl1pPr>
+          </a:lstStyle>
+          <a:p>
+            <a:r>
+              <a:rPr lang="es-ES"/>
+              <a:t>Haga clic para modificar el estilo de título del patrón</a:t>
+            </a:r>
+            <a:endParaRPr lang="en-US" dirty="0"/>
+          </a:p>
+        </p:txBody>
+      </p:sp>
+      <p:sp>
+        <p:nvSpPr>
+          <p:cNvPr id="23" name="Text Placeholder 9"/>
+          <p:cNvSpPr>
+            <a:spLocks noGrp="1"/>
+          </p:cNvSpPr>
+          <p:nvPr>
+            <p:ph type="body" sz="quarter" idx="13"/>
+          </p:nvPr>
+        </p:nvSpPr>
+        <p:spPr>
+          <a:xfrm>
+            <a:off x="677332" y="4013200"/>
+            <a:ext cx="8596669" cy="514248"/>
+          </a:xfrm>
+        </p:spPr>
+        <p:txBody>
+          <a:bodyPr anchor="b">
+            <a:noAutofit/>
+          </a:bodyPr>
+          <a:lstStyle>
+            <a:lvl1pPr marL="0" indent="0">
+              <a:buFontTx/>
+              <a:buNone/>
+              <a:defRPr sz="2400">
+                <a:solidFill>
+                  <a:schemeClr val="accent1"/>
+                </a:solidFill>
+              </a:defRPr>
+            </a:lvl1pPr>
+            <a:lvl2pPr marL="457200" indent="0">
+              <a:buFontTx/>
+              <a:buNone/>
+              <a:defRPr/>
+            </a:lvl2pPr>
+            <a:lvl3pPr marL="914400" indent="0">
+              <a:buFontTx/>
+              <a:buNone/>
+              <a:defRPr/>
+            </a:lvl3pPr>
+            <a:lvl4pPr marL="1371600" indent="0">
+              <a:buFontTx/>
+              <a:buNone/>
+              <a:defRPr/>
+            </a:lvl4pPr>
+            <a:lvl5pPr marL="1828800" indent="0">
+              <a:buFontTx/>
+              <a:buNone/>
+              <a:defRPr/>
+            </a:lvl5pPr>
+          </a:lstStyle>
+          <a:p>
+            <a:pPr lvl="0"/>
+            <a:r>
+              <a:rPr lang="es-ES"/>
+              <a:t>Haga clic para modificar los estilos de texto del patrón</a:t>
+            </a:r>
+          </a:p>
+        </p:txBody>
+      </p:sp>
+      <p:sp>
+        <p:nvSpPr>
+          <p:cNvPr id="3" name="Text Placeholder 2"/>
+          <p:cNvSpPr>
+            <a:spLocks noGrp="1"/>
+          </p:cNvSpPr>
+          <p:nvPr>
+            <p:ph type="body" idx="1"/>
+          </p:nvPr>
+        </p:nvSpPr>
+        <p:spPr>
+          <a:xfrm>
+            <a:off x="677335" y="4527448"/>
+            <a:ext cx="8596668" cy="1513914"/>
+          </a:xfrm>
+        </p:spPr>
+        <p:txBody>
+          <a:bodyPr anchor="t">
+            <a:normAutofit/>
+          </a:bodyPr>
+          <a:lstStyle>
+            <a:lvl1pPr marL="0" indent="0" algn="l">
+              <a:buNone/>
+              <a:defRPr sz="1800">
+                <a:solidFill>
+                  <a:schemeClr val="tx1">
+                    <a:lumMod val="50000"/>
+                    <a:lumOff val="50000"/>
+                  </a:schemeClr>
+                </a:solidFill>
+              </a:defRPr>
+            </a:lvl1pPr>
+            <a:lvl2pPr marL="457200" indent="0">
+              <a:buNone/>
+              <a:defRPr sz="1800">
+                <a:solidFill>
+                  <a:schemeClr val="tx1">
+                    <a:tint val="75000"/>
+                  </a:schemeClr>
+                </a:solidFill>
+              </a:defRPr>
+            </a:lvl2pPr>
+            <a:lvl3pPr marL="914400" indent="0">
+              <a:buNone/>
+              <a:defRPr sz="1600">
+                <a:solidFill>
+                  <a:schemeClr val="tx1">
+                    <a:tint val="75000"/>
+                  </a:schemeClr>
+                </a:solidFill>
+              </a:defRPr>
+            </a:lvl3pPr>
+            <a:lvl4pPr marL="1371600" indent="0">
+              <a:buNone/>
+              <a:defRPr sz="1400">
+                <a:solidFill>
+                  <a:schemeClr val="tx1">
+                    <a:tint val="75000"/>
+                  </a:schemeClr>
+                </a:solidFill>
+              </a:defRPr>
+            </a:lvl4pPr>
+            <a:lvl5pPr marL="1828800" indent="0">
+              <a:buNone/>
+              <a:defRPr sz="1400">
+                <a:solidFill>
+                  <a:schemeClr val="tx1">
+                    <a:tint val="75000"/>
+                  </a:schemeClr>
+                </a:solidFill>
+              </a:defRPr>
+            </a:lvl5pPr>
+            <a:lvl6pPr marL="2286000" indent="0">
+              <a:buNone/>
+              <a:defRPr sz="1400">
+                <a:solidFill>
+                  <a:schemeClr val="tx1">
+                    <a:tint val="75000"/>
+                  </a:schemeClr>
+                </a:solidFill>
+              </a:defRPr>
+            </a:lvl6pPr>
+            <a:lvl7pPr marL="2743200" indent="0">
+              <a:buNone/>
+              <a:defRPr sz="1400">
+                <a:solidFill>
+                  <a:schemeClr val="tx1">
+                    <a:tint val="75000"/>
+                  </a:schemeClr>
+                </a:solidFill>
+              </a:defRPr>
+            </a:lvl7pPr>
+            <a:lvl8pPr marL="3200400" indent="0">
+              <a:buNone/>
+              <a:defRPr sz="1400">
+                <a:solidFill>
+                  <a:schemeClr val="tx1">
+                    <a:tint val="75000"/>
+                  </a:schemeClr>
+                </a:solidFill>
+              </a:defRPr>
+            </a:lvl8pPr>
+            <a:lvl9pPr marL="3657600" indent="0">
+              <a:buNone/>
+              <a:defRPr sz="1400">
+                <a:solidFill>
+                  <a:schemeClr val="tx1">
+                    <a:tint val="75000"/>
+                  </a:schemeClr>
+                </a:solidFill>
+              </a:defRPr>
+            </a:lvl9pPr>
+          </a:lstStyle>
+          <a:p>
+            <a:pPr lvl="0"/>
+            <a:r>
+              <a:rPr lang="es-ES"/>
+              <a:t>Haga clic para modificar los estilos de texto del patrón</a:t>
+            </a:r>
+          </a:p>
+        </p:txBody>
+      </p:sp>
+      <p:sp>
+        <p:nvSpPr>
+          <p:cNvPr id="4" name="Date Placeholder 3"/>
+          <p:cNvSpPr>
+            <a:spLocks noGrp="1"/>
+          </p:cNvSpPr>
+          <p:nvPr>
+            <p:ph type="dt" sz="half" idx="10"/>
+          </p:nvPr>
+        </p:nvSpPr>
+        <p:spPr/>
+        <p:txBody>
+          <a:bodyPr/>
+          <a:lstStyle/>
+          <a:p>
+            <a:fld id="{3AF09AD3-0FCB-4A6E-BFB8-A61FFAB00668}" type="datetimeFigureOut">
+              <a:rPr lang="es-CO" smtClean="0"/>
+              <a:t>6/06/2025</a:t>
+            </a:fld>
+            <a:endParaRPr lang="es-CO"/>
+          </a:p>
+        </p:txBody>
+      </p:sp>
+      <p:sp>
+        <p:nvSpPr>
+          <p:cNvPr id="5" name="Footer Placeholder 4"/>
+          <p:cNvSpPr>
+            <a:spLocks noGrp="1"/>
+          </p:cNvSpPr>
+          <p:nvPr>
+            <p:ph type="ftr" sz="quarter" idx="11"/>
+          </p:nvPr>
+        </p:nvSpPr>
+        <p:spPr/>
+        <p:txBody>
+          <a:bodyPr/>
+          <a:lstStyle/>
+          <a:p>
+            <a:endParaRPr lang="es-CO"/>
+          </a:p>
+        </p:txBody>
+      </p:sp>
+      <p:sp>
+        <p:nvSpPr>
+          <p:cNvPr id="6" name="Slide Number Placeholder 5"/>
+          <p:cNvSpPr>
+            <a:spLocks noGrp="1"/>
+          </p:cNvSpPr>
+          <p:nvPr>
+            <p:ph type="sldNum" sz="quarter" idx="12"/>
+          </p:nvPr>
+        </p:nvSpPr>
+        <p:spPr/>
+        <p:txBody>
+          <a:bodyPr/>
+          <a:lstStyle/>
+          <a:p>
+            <a:fld id="{9BB62278-9245-4FFB-950E-7F260EC66553}" type="slidenum">
+              <a:rPr lang="es-CO" smtClean="0"/>
+              <a:t>‹Nº›</a:t>
+            </a:fld>
+            <a:endParaRPr lang="es-CO"/>
+          </a:p>
+        </p:txBody>
+      </p:sp>
+    </p:spTree>
+    <p:extLst>
+      <p:ext uri="{BB962C8B-B14F-4D97-AF65-F5344CB8AC3E}">
+        <p14:creationId xmlns:p14="http://schemas.microsoft.com/office/powerpoint/2010/main" val="3239186451"/>
+      </p:ext>
+    </p:extLst>
+  </p:cSld>
+  <p:clrMapOvr>
+    <a:masterClrMapping/>
+  </p:clrMapOvr>
+</p:sldLayout>
+</file>
+
+<file path=ppt/slideLayouts/slideLayout15.xml><?xml version="1.0" encoding="utf-8"?>
 <p:sldLayout xmlns:a="http://schemas.openxmlformats.org/drawingml/2006/main" xmlns:r="http://schemas.openxmlformats.org/officeDocument/2006/relationships" xmlns:p="http://schemas.openxmlformats.org/presentationml/2006/main" type="vertTx" preserve="1">
   <p:cSld name="Título y texto vertical">
     <p:spTree>
@@ -353,13 +2522,7 @@
       </p:grpSpPr>
       <p:sp>
         <p:nvSpPr>
-          <p:cNvPr id="2" name="Título 1">
-            <a:extLst>
-              <a:ext uri="{FF2B5EF4-FFF2-40B4-BE49-F238E27FC236}">
-                <a16:creationId xmlns:a16="http://schemas.microsoft.com/office/drawing/2014/main" xmlns="" id="{9E162643-92AB-466D-858E-78BDA3BB83E7}"/>
-              </a:ext>
-            </a:extLst>
-          </p:cNvPr>
+          <p:cNvPr id="2" name="Title 1"/>
           <p:cNvSpPr>
             <a:spLocks noGrp="1"/>
           </p:cNvSpPr>
@@ -376,19 +2539,13 @@
               <a:rPr lang="es-ES"/>
               <a:t>Haga clic para modificar el estilo de título del patrón</a:t>
             </a:r>
-            <a:endParaRPr lang="es-CO"/>
-          </a:p>
-        </p:txBody>
-      </p:sp>
-      <p:sp>
-        <p:nvSpPr>
-          <p:cNvPr id="3" name="Marcador de texto vertical 2">
-            <a:extLst>
-              <a:ext uri="{FF2B5EF4-FFF2-40B4-BE49-F238E27FC236}">
-                <a16:creationId xmlns:a16="http://schemas.microsoft.com/office/drawing/2014/main" xmlns="" id="{F7534FBF-4776-4C03-BFBB-DD6A80EF8FE7}"/>
-              </a:ext>
-            </a:extLst>
-          </p:cNvPr>
+            <a:endParaRPr lang="en-US" dirty="0"/>
+          </a:p>
+        </p:txBody>
+      </p:sp>
+      <p:sp>
+        <p:nvSpPr>
+          <p:cNvPr id="3" name="Vertical Text Placeholder 2"/>
           <p:cNvSpPr>
             <a:spLocks noGrp="1"/>
           </p:cNvSpPr>
@@ -434,19 +2591,13 @@
               <a:rPr lang="es-ES"/>
               <a:t>Quinto nivel</a:t>
             </a:r>
-            <a:endParaRPr lang="es-CO"/>
-          </a:p>
-        </p:txBody>
-      </p:sp>
-      <p:sp>
-        <p:nvSpPr>
-          <p:cNvPr id="4" name="Marcador de fecha 3">
-            <a:extLst>
-              <a:ext uri="{FF2B5EF4-FFF2-40B4-BE49-F238E27FC236}">
-                <a16:creationId xmlns:a16="http://schemas.microsoft.com/office/drawing/2014/main" xmlns="" id="{D37B7C38-8A71-4DEB-AA48-223AA78DAB9D}"/>
-              </a:ext>
-            </a:extLst>
-          </p:cNvPr>
+            <a:endParaRPr lang="en-US" dirty="0"/>
+          </a:p>
+        </p:txBody>
+      </p:sp>
+      <p:sp>
+        <p:nvSpPr>
+          <p:cNvPr id="4" name="Date Placeholder 3"/>
           <p:cNvSpPr>
             <a:spLocks noGrp="1"/>
           </p:cNvSpPr>
@@ -459,9 +2610,9 @@
           <a:bodyPr/>
           <a:lstStyle/>
           <a:p>
-            <a:fld id="{6F8A0493-4482-4737-8E4C-65278325584E}" type="datetimeFigureOut">
+            <a:fld id="{3AF09AD3-0FCB-4A6E-BFB8-A61FFAB00668}" type="datetimeFigureOut">
               <a:rPr lang="es-CO" smtClean="0"/>
-              <a:t>13/06/2025</a:t>
+              <a:t>6/06/2025</a:t>
             </a:fld>
             <a:endParaRPr lang="es-CO"/>
           </a:p>
@@ -469,13 +2620,7 @@
       </p:sp>
       <p:sp>
         <p:nvSpPr>
-          <p:cNvPr id="5" name="Marcador de pie de página 4">
-            <a:extLst>
-              <a:ext uri="{FF2B5EF4-FFF2-40B4-BE49-F238E27FC236}">
-                <a16:creationId xmlns:a16="http://schemas.microsoft.com/office/drawing/2014/main" xmlns="" id="{A47C3122-8E54-46DF-9ED1-178A6FB074AA}"/>
-              </a:ext>
-            </a:extLst>
-          </p:cNvPr>
+          <p:cNvPr id="5" name="Footer Placeholder 4"/>
           <p:cNvSpPr>
             <a:spLocks noGrp="1"/>
           </p:cNvSpPr>
@@ -494,13 +2639,7 @@
       </p:sp>
       <p:sp>
         <p:nvSpPr>
-          <p:cNvPr id="6" name="Marcador de número de diapositiva 5">
-            <a:extLst>
-              <a:ext uri="{FF2B5EF4-FFF2-40B4-BE49-F238E27FC236}">
-                <a16:creationId xmlns:a16="http://schemas.microsoft.com/office/drawing/2014/main" xmlns="" id="{15C2AA76-65BE-47AB-85C6-978C8BE5D26C}"/>
-              </a:ext>
-            </a:extLst>
-          </p:cNvPr>
+          <p:cNvPr id="6" name="Slide Number Placeholder 5"/>
           <p:cNvSpPr>
             <a:spLocks noGrp="1"/>
           </p:cNvSpPr>
@@ -513,7 +2652,7 @@
           <a:bodyPr/>
           <a:lstStyle/>
           <a:p>
-            <a:fld id="{A1C4D09C-EC7D-4013-98F1-2B31AD99CF79}" type="slidenum">
+            <a:fld id="{9BB62278-9245-4FFB-950E-7F260EC66553}" type="slidenum">
               <a:rPr lang="es-CO" smtClean="0"/>
               <a:t>‹Nº›</a:t>
             </a:fld>
@@ -524,7 +2663,7 @@
     </p:spTree>
     <p:extLst>
       <p:ext uri="{BB962C8B-B14F-4D97-AF65-F5344CB8AC3E}">
-        <p14:creationId xmlns:p14="http://schemas.microsoft.com/office/powerpoint/2010/main" val="3046190047"/>
+        <p14:creationId xmlns:p14="http://schemas.microsoft.com/office/powerpoint/2010/main" val="903635006"/>
       </p:ext>
     </p:extLst>
   </p:cSld>
@@ -534,7 +2673,7 @@
 </p:sldLayout>
 </file>
 
-<file path=ppt/slideLayouts/slideLayout11.xml><?xml version="1.0" encoding="utf-8"?>
+<file path=ppt/slideLayouts/slideLayout16.xml><?xml version="1.0" encoding="utf-8"?>
 <p:sldLayout xmlns:a="http://schemas.openxmlformats.org/drawingml/2006/main" xmlns:r="http://schemas.openxmlformats.org/officeDocument/2006/relationships" xmlns:p="http://schemas.openxmlformats.org/presentationml/2006/main" type="vertTitleAndTx" preserve="1">
   <p:cSld name="Título vertical y texto">
     <p:spTree>
@@ -553,13 +2692,7 @@
       </p:grpSpPr>
       <p:sp>
         <p:nvSpPr>
-          <p:cNvPr id="2" name="Título vertical 1">
-            <a:extLst>
-              <a:ext uri="{FF2B5EF4-FFF2-40B4-BE49-F238E27FC236}">
-                <a16:creationId xmlns:a16="http://schemas.microsoft.com/office/drawing/2014/main" xmlns="" id="{0E029871-68CD-42EC-AD60-E3899A4B5AD7}"/>
-              </a:ext>
-            </a:extLst>
-          </p:cNvPr>
+          <p:cNvPr id="2" name="Vertical Title 1"/>
           <p:cNvSpPr>
             <a:spLocks noGrp="1"/>
           </p:cNvSpPr>
@@ -569,31 +2702,25 @@
         </p:nvSpPr>
         <p:spPr>
           <a:xfrm>
-            <a:off x="8724900" y="365125"/>
-            <a:ext cx="2628900" cy="5811838"/>
+            <a:off x="7967673" y="609599"/>
+            <a:ext cx="1304743" cy="5251451"/>
           </a:xfrm>
         </p:spPr>
         <p:txBody>
-          <a:bodyPr vert="eaVert"/>
+          <a:bodyPr vert="eaVert" anchor="ctr"/>
           <a:lstStyle/>
           <a:p>
             <a:r>
               <a:rPr lang="es-ES"/>
               <a:t>Haga clic para modificar el estilo de título del patrón</a:t>
             </a:r>
-            <a:endParaRPr lang="es-CO"/>
-          </a:p>
-        </p:txBody>
-      </p:sp>
-      <p:sp>
-        <p:nvSpPr>
-          <p:cNvPr id="3" name="Marcador de texto vertical 2">
-            <a:extLst>
-              <a:ext uri="{FF2B5EF4-FFF2-40B4-BE49-F238E27FC236}">
-                <a16:creationId xmlns:a16="http://schemas.microsoft.com/office/drawing/2014/main" xmlns="" id="{451CC87A-D7E4-4FC2-AE5F-976287C3BD34}"/>
-              </a:ext>
-            </a:extLst>
-          </p:cNvPr>
+            <a:endParaRPr lang="en-US" dirty="0"/>
+          </a:p>
+        </p:txBody>
+      </p:sp>
+      <p:sp>
+        <p:nvSpPr>
+          <p:cNvPr id="3" name="Vertical Text Placeholder 2"/>
           <p:cNvSpPr>
             <a:spLocks noGrp="1"/>
           </p:cNvSpPr>
@@ -603,8 +2730,8 @@
         </p:nvSpPr>
         <p:spPr>
           <a:xfrm>
-            <a:off x="838200" y="365125"/>
-            <a:ext cx="7734300" cy="5811838"/>
+            <a:off x="677335" y="609600"/>
+            <a:ext cx="7060150" cy="5251450"/>
           </a:xfrm>
         </p:spPr>
         <p:txBody>
@@ -644,19 +2771,13 @@
               <a:rPr lang="es-ES"/>
               <a:t>Quinto nivel</a:t>
             </a:r>
-            <a:endParaRPr lang="es-CO"/>
-          </a:p>
-        </p:txBody>
-      </p:sp>
-      <p:sp>
-        <p:nvSpPr>
-          <p:cNvPr id="4" name="Marcador de fecha 3">
-            <a:extLst>
-              <a:ext uri="{FF2B5EF4-FFF2-40B4-BE49-F238E27FC236}">
-                <a16:creationId xmlns:a16="http://schemas.microsoft.com/office/drawing/2014/main" xmlns="" id="{38EDEF7C-1D02-4A17-83F0-4C953EA1EA43}"/>
-              </a:ext>
-            </a:extLst>
-          </p:cNvPr>
+            <a:endParaRPr lang="en-US" dirty="0"/>
+          </a:p>
+        </p:txBody>
+      </p:sp>
+      <p:sp>
+        <p:nvSpPr>
+          <p:cNvPr id="4" name="Date Placeholder 3"/>
           <p:cNvSpPr>
             <a:spLocks noGrp="1"/>
           </p:cNvSpPr>
@@ -669,9 +2790,9 @@
           <a:bodyPr/>
           <a:lstStyle/>
           <a:p>
-            <a:fld id="{6F8A0493-4482-4737-8E4C-65278325584E}" type="datetimeFigureOut">
+            <a:fld id="{3AF09AD3-0FCB-4A6E-BFB8-A61FFAB00668}" type="datetimeFigureOut">
               <a:rPr lang="es-CO" smtClean="0"/>
-              <a:t>13/06/2025</a:t>
+              <a:t>6/06/2025</a:t>
             </a:fld>
             <a:endParaRPr lang="es-CO"/>
           </a:p>
@@ -679,13 +2800,7 @@
       </p:sp>
       <p:sp>
         <p:nvSpPr>
-          <p:cNvPr id="5" name="Marcador de pie de página 4">
-            <a:extLst>
-              <a:ext uri="{FF2B5EF4-FFF2-40B4-BE49-F238E27FC236}">
-                <a16:creationId xmlns:a16="http://schemas.microsoft.com/office/drawing/2014/main" xmlns="" id="{9B9AA7FB-0E63-4E76-866C-5E90A2BC7FBA}"/>
-              </a:ext>
-            </a:extLst>
-          </p:cNvPr>
+          <p:cNvPr id="5" name="Footer Placeholder 4"/>
           <p:cNvSpPr>
             <a:spLocks noGrp="1"/>
           </p:cNvSpPr>
@@ -704,13 +2819,7 @@
       </p:sp>
       <p:sp>
         <p:nvSpPr>
-          <p:cNvPr id="6" name="Marcador de número de diapositiva 5">
-            <a:extLst>
-              <a:ext uri="{FF2B5EF4-FFF2-40B4-BE49-F238E27FC236}">
-                <a16:creationId xmlns:a16="http://schemas.microsoft.com/office/drawing/2014/main" xmlns="" id="{5B600C50-7C90-4F08-8A43-FD48E62EA88D}"/>
-              </a:ext>
-            </a:extLst>
-          </p:cNvPr>
+          <p:cNvPr id="6" name="Slide Number Placeholder 5"/>
           <p:cNvSpPr>
             <a:spLocks noGrp="1"/>
           </p:cNvSpPr>
@@ -723,7 +2832,7 @@
           <a:bodyPr/>
           <a:lstStyle/>
           <a:p>
-            <a:fld id="{A1C4D09C-EC7D-4013-98F1-2B31AD99CF79}" type="slidenum">
+            <a:fld id="{9BB62278-9245-4FFB-950E-7F260EC66553}" type="slidenum">
               <a:rPr lang="es-CO" smtClean="0"/>
               <a:t>‹Nº›</a:t>
             </a:fld>
@@ -734,7 +2843,7 @@
     </p:spTree>
     <p:extLst>
       <p:ext uri="{BB962C8B-B14F-4D97-AF65-F5344CB8AC3E}">
-        <p14:creationId xmlns:p14="http://schemas.microsoft.com/office/powerpoint/2010/main" val="2687057629"/>
+        <p14:creationId xmlns:p14="http://schemas.microsoft.com/office/powerpoint/2010/main" val="2690034680"/>
       </p:ext>
     </p:extLst>
   </p:cSld>
@@ -763,13 +2872,7 @@
       </p:grpSpPr>
       <p:sp>
         <p:nvSpPr>
-          <p:cNvPr id="2" name="Título 1">
-            <a:extLst>
-              <a:ext uri="{FF2B5EF4-FFF2-40B4-BE49-F238E27FC236}">
-                <a16:creationId xmlns:a16="http://schemas.microsoft.com/office/drawing/2014/main" xmlns="" id="{4C3372D0-7AB5-4E87-8C56-DAFFE663E01D}"/>
-              </a:ext>
-            </a:extLst>
-          </p:cNvPr>
+          <p:cNvPr id="2" name="Title 1"/>
           <p:cNvSpPr>
             <a:spLocks noGrp="1"/>
           </p:cNvSpPr>
@@ -779,31 +2882,83 @@
         </p:nvSpPr>
         <p:spPr/>
         <p:txBody>
+          <a:bodyPr>
+            <a:normAutofit/>
+          </a:bodyPr>
+          <a:lstStyle>
+            <a:lvl1pPr>
+              <a:defRPr sz="3600"/>
+            </a:lvl1pPr>
+          </a:lstStyle>
+          <a:p>
+            <a:r>
+              <a:rPr lang="es-ES"/>
+              <a:t>Haga clic para modificar el estilo de título del patrón</a:t>
+            </a:r>
+            <a:endParaRPr lang="en-US" dirty="0"/>
+          </a:p>
+        </p:txBody>
+      </p:sp>
+      <p:sp>
+        <p:nvSpPr>
+          <p:cNvPr id="3" name="Content Placeholder 2"/>
+          <p:cNvSpPr>
+            <a:spLocks noGrp="1"/>
+          </p:cNvSpPr>
+          <p:nvPr>
+            <p:ph idx="1"/>
+          </p:nvPr>
+        </p:nvSpPr>
+        <p:spPr/>
+        <p:txBody>
           <a:bodyPr/>
           <a:lstStyle/>
           <a:p>
-            <a:r>
-              <a:rPr lang="es-ES"/>
-              <a:t>Haga clic para modificar el estilo de título del patrón</a:t>
-            </a:r>
-            <a:endParaRPr lang="es-CO"/>
-          </a:p>
-        </p:txBody>
-      </p:sp>
-      <p:sp>
-        <p:nvSpPr>
-          <p:cNvPr id="3" name="Marcador de contenido 2">
-            <a:extLst>
-              <a:ext uri="{FF2B5EF4-FFF2-40B4-BE49-F238E27FC236}">
-                <a16:creationId xmlns:a16="http://schemas.microsoft.com/office/drawing/2014/main" xmlns="" id="{72281D3F-BB8C-40C0-9ACC-A9F94F1BF382}"/>
-              </a:ext>
-            </a:extLst>
-          </p:cNvPr>
-          <p:cNvSpPr>
-            <a:spLocks noGrp="1"/>
-          </p:cNvSpPr>
-          <p:nvPr>
-            <p:ph idx="1"/>
+            <a:pPr lvl="0"/>
+            <a:r>
+              <a:rPr lang="es-ES"/>
+              <a:t>Haga clic para modificar los estilos de texto del patrón</a:t>
+            </a:r>
+          </a:p>
+          <a:p>
+            <a:pPr lvl="1"/>
+            <a:r>
+              <a:rPr lang="es-ES"/>
+              <a:t>Segundo nivel</a:t>
+            </a:r>
+          </a:p>
+          <a:p>
+            <a:pPr lvl="2"/>
+            <a:r>
+              <a:rPr lang="es-ES"/>
+              <a:t>Tercer nivel</a:t>
+            </a:r>
+          </a:p>
+          <a:p>
+            <a:pPr lvl="3"/>
+            <a:r>
+              <a:rPr lang="es-ES"/>
+              <a:t>Cuarto nivel</a:t>
+            </a:r>
+          </a:p>
+          <a:p>
+            <a:pPr lvl="4"/>
+            <a:r>
+              <a:rPr lang="es-ES"/>
+              <a:t>Quinto nivel</a:t>
+            </a:r>
+            <a:endParaRPr lang="en-US" dirty="0"/>
+          </a:p>
+        </p:txBody>
+      </p:sp>
+      <p:sp>
+        <p:nvSpPr>
+          <p:cNvPr id="4" name="Date Placeholder 3"/>
+          <p:cNvSpPr>
+            <a:spLocks noGrp="1"/>
+          </p:cNvSpPr>
+          <p:nvPr>
+            <p:ph type="dt" sz="half" idx="10"/>
           </p:nvPr>
         </p:nvSpPr>
         <p:spPr/>
@@ -811,67 +2966,9 @@
           <a:bodyPr/>
           <a:lstStyle/>
           <a:p>
-            <a:pPr lvl="0"/>
-            <a:r>
-              <a:rPr lang="es-ES"/>
-              <a:t>Haga clic para modificar los estilos de texto del patrón</a:t>
-            </a:r>
-          </a:p>
-          <a:p>
-            <a:pPr lvl="1"/>
-            <a:r>
-              <a:rPr lang="es-ES"/>
-              <a:t>Segundo nivel</a:t>
-            </a:r>
-          </a:p>
-          <a:p>
-            <a:pPr lvl="2"/>
-            <a:r>
-              <a:rPr lang="es-ES"/>
-              <a:t>Tercer nivel</a:t>
-            </a:r>
-          </a:p>
-          <a:p>
-            <a:pPr lvl="3"/>
-            <a:r>
-              <a:rPr lang="es-ES"/>
-              <a:t>Cuarto nivel</a:t>
-            </a:r>
-          </a:p>
-          <a:p>
-            <a:pPr lvl="4"/>
-            <a:r>
-              <a:rPr lang="es-ES"/>
-              <a:t>Quinto nivel</a:t>
-            </a:r>
-            <a:endParaRPr lang="es-CO"/>
-          </a:p>
-        </p:txBody>
-      </p:sp>
-      <p:sp>
-        <p:nvSpPr>
-          <p:cNvPr id="4" name="Marcador de fecha 3">
-            <a:extLst>
-              <a:ext uri="{FF2B5EF4-FFF2-40B4-BE49-F238E27FC236}">
-                <a16:creationId xmlns:a16="http://schemas.microsoft.com/office/drawing/2014/main" xmlns="" id="{DA8BF959-8EEE-4668-BF39-FBFD44C26637}"/>
-              </a:ext>
-            </a:extLst>
-          </p:cNvPr>
-          <p:cNvSpPr>
-            <a:spLocks noGrp="1"/>
-          </p:cNvSpPr>
-          <p:nvPr>
-            <p:ph type="dt" sz="half" idx="10"/>
-          </p:nvPr>
-        </p:nvSpPr>
-        <p:spPr/>
-        <p:txBody>
-          <a:bodyPr/>
-          <a:lstStyle/>
-          <a:p>
-            <a:fld id="{6F8A0493-4482-4737-8E4C-65278325584E}" type="datetimeFigureOut">
+            <a:fld id="{3AF09AD3-0FCB-4A6E-BFB8-A61FFAB00668}" type="datetimeFigureOut">
               <a:rPr lang="es-CO" smtClean="0"/>
-              <a:t>13/06/2025</a:t>
+              <a:t>6/06/2025</a:t>
             </a:fld>
             <a:endParaRPr lang="es-CO"/>
           </a:p>
@@ -879,13 +2976,7 @@
       </p:sp>
       <p:sp>
         <p:nvSpPr>
-          <p:cNvPr id="5" name="Marcador de pie de página 4">
-            <a:extLst>
-              <a:ext uri="{FF2B5EF4-FFF2-40B4-BE49-F238E27FC236}">
-                <a16:creationId xmlns:a16="http://schemas.microsoft.com/office/drawing/2014/main" xmlns="" id="{D45B4A02-456D-4035-84DB-D26CC2857F26}"/>
-              </a:ext>
-            </a:extLst>
-          </p:cNvPr>
+          <p:cNvPr id="5" name="Footer Placeholder 4"/>
           <p:cNvSpPr>
             <a:spLocks noGrp="1"/>
           </p:cNvSpPr>
@@ -904,13 +2995,7 @@
       </p:sp>
       <p:sp>
         <p:nvSpPr>
-          <p:cNvPr id="6" name="Marcador de número de diapositiva 5">
-            <a:extLst>
-              <a:ext uri="{FF2B5EF4-FFF2-40B4-BE49-F238E27FC236}">
-                <a16:creationId xmlns:a16="http://schemas.microsoft.com/office/drawing/2014/main" xmlns="" id="{F1A9FDC0-D889-4813-A98B-EA2876AF0359}"/>
-              </a:ext>
-            </a:extLst>
-          </p:cNvPr>
+          <p:cNvPr id="6" name="Slide Number Placeholder 5"/>
           <p:cNvSpPr>
             <a:spLocks noGrp="1"/>
           </p:cNvSpPr>
@@ -923,7 +3008,7 @@
           <a:bodyPr/>
           <a:lstStyle/>
           <a:p>
-            <a:fld id="{A1C4D09C-EC7D-4013-98F1-2B31AD99CF79}" type="slidenum">
+            <a:fld id="{9BB62278-9245-4FFB-950E-7F260EC66553}" type="slidenum">
               <a:rPr lang="es-CO" smtClean="0"/>
               <a:t>‹Nº›</a:t>
             </a:fld>
@@ -934,7 +3019,7 @@
     </p:spTree>
     <p:extLst>
       <p:ext uri="{BB962C8B-B14F-4D97-AF65-F5344CB8AC3E}">
-        <p14:creationId xmlns:p14="http://schemas.microsoft.com/office/powerpoint/2010/main" val="2988514797"/>
+        <p14:creationId xmlns:p14="http://schemas.microsoft.com/office/powerpoint/2010/main" val="4000534076"/>
       </p:ext>
     </p:extLst>
   </p:cSld>
@@ -963,13 +3048,7 @@
       </p:grpSpPr>
       <p:sp>
         <p:nvSpPr>
-          <p:cNvPr id="2" name="Título 1">
-            <a:extLst>
-              <a:ext uri="{FF2B5EF4-FFF2-40B4-BE49-F238E27FC236}">
-                <a16:creationId xmlns:a16="http://schemas.microsoft.com/office/drawing/2014/main" xmlns="" id="{B85D9D05-9B6B-4CC6-BEDA-A7AFB8B418AD}"/>
-              </a:ext>
-            </a:extLst>
-          </p:cNvPr>
+          <p:cNvPr id="2" name="Title 1"/>
           <p:cNvSpPr>
             <a:spLocks noGrp="1"/>
           </p:cNvSpPr>
@@ -979,15 +3058,15 @@
         </p:nvSpPr>
         <p:spPr>
           <a:xfrm>
-            <a:off x="831850" y="1709738"/>
-            <a:ext cx="10515600" cy="2852737"/>
+            <a:off x="677335" y="2700867"/>
+            <a:ext cx="8596668" cy="1826581"/>
           </a:xfrm>
         </p:spPr>
         <p:txBody>
           <a:bodyPr anchor="b"/>
           <a:lstStyle>
-            <a:lvl1pPr>
-              <a:defRPr sz="6000"/>
+            <a:lvl1pPr algn="l">
+              <a:defRPr sz="4000" b="0" cap="none"/>
             </a:lvl1pPr>
           </a:lstStyle>
           <a:p>
@@ -995,19 +3074,13 @@
               <a:rPr lang="es-ES"/>
               <a:t>Haga clic para modificar el estilo de título del patrón</a:t>
             </a:r>
-            <a:endParaRPr lang="es-CO"/>
-          </a:p>
-        </p:txBody>
-      </p:sp>
-      <p:sp>
-        <p:nvSpPr>
-          <p:cNvPr id="3" name="Marcador de texto 2">
-            <a:extLst>
-              <a:ext uri="{FF2B5EF4-FFF2-40B4-BE49-F238E27FC236}">
-                <a16:creationId xmlns:a16="http://schemas.microsoft.com/office/drawing/2014/main" xmlns="" id="{352796E8-3831-4B7D-B085-61195A9CE218}"/>
-              </a:ext>
-            </a:extLst>
-          </p:cNvPr>
+            <a:endParaRPr lang="en-US" dirty="0"/>
+          </a:p>
+        </p:txBody>
+      </p:sp>
+      <p:sp>
+        <p:nvSpPr>
+          <p:cNvPr id="3" name="Text Placeholder 2"/>
           <p:cNvSpPr>
             <a:spLocks noGrp="1"/>
           </p:cNvSpPr>
@@ -1017,26 +3090,27 @@
         </p:nvSpPr>
         <p:spPr>
           <a:xfrm>
-            <a:off x="831850" y="4589463"/>
-            <a:ext cx="10515600" cy="1500187"/>
+            <a:off x="677335" y="4527448"/>
+            <a:ext cx="8596668" cy="860400"/>
           </a:xfrm>
         </p:spPr>
         <p:txBody>
-          <a:bodyPr/>
+          <a:bodyPr anchor="t"/>
           <a:lstStyle>
-            <a:lvl1pPr marL="0" indent="0">
-              <a:buNone/>
-              <a:defRPr sz="2400">
-                <a:solidFill>
-                  <a:schemeClr val="tx1">
-                    <a:tint val="75000"/>
+            <a:lvl1pPr marL="0" indent="0" algn="l">
+              <a:buNone/>
+              <a:defRPr sz="2000">
+                <a:solidFill>
+                  <a:schemeClr val="tx1">
+                    <a:lumMod val="50000"/>
+                    <a:lumOff val="50000"/>
                   </a:schemeClr>
                 </a:solidFill>
               </a:defRPr>
             </a:lvl1pPr>
             <a:lvl2pPr marL="457200" indent="0">
               <a:buNone/>
-              <a:defRPr sz="2000">
+              <a:defRPr sz="1800">
                 <a:solidFill>
                   <a:schemeClr val="tx1">
                     <a:tint val="75000"/>
@@ -1046,7 +3120,7 @@
             </a:lvl2pPr>
             <a:lvl3pPr marL="914400" indent="0">
               <a:buNone/>
-              <a:defRPr sz="1800">
+              <a:defRPr sz="1600">
                 <a:solidFill>
                   <a:schemeClr val="tx1">
                     <a:tint val="75000"/>
@@ -1056,7 +3130,7 @@
             </a:lvl3pPr>
             <a:lvl4pPr marL="1371600" indent="0">
               <a:buNone/>
-              <a:defRPr sz="1600">
+              <a:defRPr sz="1400">
                 <a:solidFill>
                   <a:schemeClr val="tx1">
                     <a:tint val="75000"/>
@@ -1066,7 +3140,7 @@
             </a:lvl4pPr>
             <a:lvl5pPr marL="1828800" indent="0">
               <a:buNone/>
-              <a:defRPr sz="1600">
+              <a:defRPr sz="1400">
                 <a:solidFill>
                   <a:schemeClr val="tx1">
                     <a:tint val="75000"/>
@@ -1076,7 +3150,7 @@
             </a:lvl5pPr>
             <a:lvl6pPr marL="2286000" indent="0">
               <a:buNone/>
-              <a:defRPr sz="1600">
+              <a:defRPr sz="1400">
                 <a:solidFill>
                   <a:schemeClr val="tx1">
                     <a:tint val="75000"/>
@@ -1086,7 +3160,7 @@
             </a:lvl6pPr>
             <a:lvl7pPr marL="2743200" indent="0">
               <a:buNone/>
-              <a:defRPr sz="1600">
+              <a:defRPr sz="1400">
                 <a:solidFill>
                   <a:schemeClr val="tx1">
                     <a:tint val="75000"/>
@@ -1096,7 +3170,7 @@
             </a:lvl7pPr>
             <a:lvl8pPr marL="3200400" indent="0">
               <a:buNone/>
-              <a:defRPr sz="1600">
+              <a:defRPr sz="1400">
                 <a:solidFill>
                   <a:schemeClr val="tx1">
                     <a:tint val="75000"/>
@@ -1106,7 +3180,7 @@
             </a:lvl8pPr>
             <a:lvl9pPr marL="3657600" indent="0">
               <a:buNone/>
-              <a:defRPr sz="1600">
+              <a:defRPr sz="1400">
                 <a:solidFill>
                   <a:schemeClr val="tx1">
                     <a:tint val="75000"/>
@@ -1126,13 +3200,7 @@
       </p:sp>
       <p:sp>
         <p:nvSpPr>
-          <p:cNvPr id="4" name="Marcador de fecha 3">
-            <a:extLst>
-              <a:ext uri="{FF2B5EF4-FFF2-40B4-BE49-F238E27FC236}">
-                <a16:creationId xmlns:a16="http://schemas.microsoft.com/office/drawing/2014/main" xmlns="" id="{52A18982-DC80-4ECB-AAB8-953941EDC86B}"/>
-              </a:ext>
-            </a:extLst>
-          </p:cNvPr>
+          <p:cNvPr id="4" name="Date Placeholder 3"/>
           <p:cNvSpPr>
             <a:spLocks noGrp="1"/>
           </p:cNvSpPr>
@@ -1145,9 +3213,9 @@
           <a:bodyPr/>
           <a:lstStyle/>
           <a:p>
-            <a:fld id="{6F8A0493-4482-4737-8E4C-65278325584E}" type="datetimeFigureOut">
+            <a:fld id="{3AF09AD3-0FCB-4A6E-BFB8-A61FFAB00668}" type="datetimeFigureOut">
               <a:rPr lang="es-CO" smtClean="0"/>
-              <a:t>13/06/2025</a:t>
+              <a:t>6/06/2025</a:t>
             </a:fld>
             <a:endParaRPr lang="es-CO"/>
           </a:p>
@@ -1155,13 +3223,7 @@
       </p:sp>
       <p:sp>
         <p:nvSpPr>
-          <p:cNvPr id="5" name="Marcador de pie de página 4">
-            <a:extLst>
-              <a:ext uri="{FF2B5EF4-FFF2-40B4-BE49-F238E27FC236}">
-                <a16:creationId xmlns:a16="http://schemas.microsoft.com/office/drawing/2014/main" xmlns="" id="{623F05E4-936F-4BF6-8772-59770DB3502C}"/>
-              </a:ext>
-            </a:extLst>
-          </p:cNvPr>
+          <p:cNvPr id="5" name="Footer Placeholder 4"/>
           <p:cNvSpPr>
             <a:spLocks noGrp="1"/>
           </p:cNvSpPr>
@@ -1180,13 +3242,7 @@
       </p:sp>
       <p:sp>
         <p:nvSpPr>
-          <p:cNvPr id="6" name="Marcador de número de diapositiva 5">
-            <a:extLst>
-              <a:ext uri="{FF2B5EF4-FFF2-40B4-BE49-F238E27FC236}">
-                <a16:creationId xmlns:a16="http://schemas.microsoft.com/office/drawing/2014/main" xmlns="" id="{75192A76-19B9-486F-A72A-DA3209A187A7}"/>
-              </a:ext>
-            </a:extLst>
-          </p:cNvPr>
+          <p:cNvPr id="6" name="Slide Number Placeholder 5"/>
           <p:cNvSpPr>
             <a:spLocks noGrp="1"/>
           </p:cNvSpPr>
@@ -1199,7 +3255,7 @@
           <a:bodyPr/>
           <a:lstStyle/>
           <a:p>
-            <a:fld id="{A1C4D09C-EC7D-4013-98F1-2B31AD99CF79}" type="slidenum">
+            <a:fld id="{9BB62278-9245-4FFB-950E-7F260EC66553}" type="slidenum">
               <a:rPr lang="es-CO" smtClean="0"/>
               <a:t>‹Nº›</a:t>
             </a:fld>
@@ -1210,7 +3266,7 @@
     </p:spTree>
     <p:extLst>
       <p:ext uri="{BB962C8B-B14F-4D97-AF65-F5344CB8AC3E}">
-        <p14:creationId xmlns:p14="http://schemas.microsoft.com/office/powerpoint/2010/main" val="382943204"/>
+        <p14:creationId xmlns:p14="http://schemas.microsoft.com/office/powerpoint/2010/main" val="3439671044"/>
       </p:ext>
     </p:extLst>
   </p:cSld>
@@ -1239,13 +3295,7 @@
       </p:grpSpPr>
       <p:sp>
         <p:nvSpPr>
-          <p:cNvPr id="2" name="Título 1">
-            <a:extLst>
-              <a:ext uri="{FF2B5EF4-FFF2-40B4-BE49-F238E27FC236}">
-                <a16:creationId xmlns:a16="http://schemas.microsoft.com/office/drawing/2014/main" xmlns="" id="{C4FBA621-38B6-49C9-BC87-CDF63D877273}"/>
-              </a:ext>
-            </a:extLst>
-          </p:cNvPr>
+          <p:cNvPr id="2" name="Title 1"/>
           <p:cNvSpPr>
             <a:spLocks noGrp="1"/>
           </p:cNvSpPr>
@@ -1262,19 +3312,13 @@
               <a:rPr lang="es-ES"/>
               <a:t>Haga clic para modificar el estilo de título del patrón</a:t>
             </a:r>
-            <a:endParaRPr lang="es-CO"/>
-          </a:p>
-        </p:txBody>
-      </p:sp>
-      <p:sp>
-        <p:nvSpPr>
-          <p:cNvPr id="3" name="Marcador de contenido 2">
-            <a:extLst>
-              <a:ext uri="{FF2B5EF4-FFF2-40B4-BE49-F238E27FC236}">
-                <a16:creationId xmlns:a16="http://schemas.microsoft.com/office/drawing/2014/main" xmlns="" id="{DEA0CDE6-6275-42AA-83DE-5F14FB2A0836}"/>
-              </a:ext>
-            </a:extLst>
-          </p:cNvPr>
+            <a:endParaRPr lang="en-US" dirty="0"/>
+          </a:p>
+        </p:txBody>
+      </p:sp>
+      <p:sp>
+        <p:nvSpPr>
+          <p:cNvPr id="3" name="Content Placeholder 2"/>
           <p:cNvSpPr>
             <a:spLocks noGrp="1"/>
           </p:cNvSpPr>
@@ -1284,8 +3328,8 @@
         </p:nvSpPr>
         <p:spPr>
           <a:xfrm>
-            <a:off x="838200" y="1825625"/>
-            <a:ext cx="5181600" cy="4351338"/>
+            <a:off x="677334" y="2160589"/>
+            <a:ext cx="4184035" cy="3880772"/>
           </a:xfrm>
         </p:spPr>
         <p:txBody>
@@ -1325,19 +3369,13 @@
               <a:rPr lang="es-ES"/>
               <a:t>Quinto nivel</a:t>
             </a:r>
-            <a:endParaRPr lang="es-CO"/>
-          </a:p>
-        </p:txBody>
-      </p:sp>
-      <p:sp>
-        <p:nvSpPr>
-          <p:cNvPr id="4" name="Marcador de contenido 3">
-            <a:extLst>
-              <a:ext uri="{FF2B5EF4-FFF2-40B4-BE49-F238E27FC236}">
-                <a16:creationId xmlns:a16="http://schemas.microsoft.com/office/drawing/2014/main" xmlns="" id="{62126B6C-8D01-4628-8BF8-18F1CA8C32E2}"/>
-              </a:ext>
-            </a:extLst>
-          </p:cNvPr>
+            <a:endParaRPr lang="en-US" dirty="0"/>
+          </a:p>
+        </p:txBody>
+      </p:sp>
+      <p:sp>
+        <p:nvSpPr>
+          <p:cNvPr id="4" name="Content Placeholder 3"/>
           <p:cNvSpPr>
             <a:spLocks noGrp="1"/>
           </p:cNvSpPr>
@@ -1347,8 +3385,8 @@
         </p:nvSpPr>
         <p:spPr>
           <a:xfrm>
-            <a:off x="6172200" y="1825625"/>
-            <a:ext cx="5181600" cy="4351338"/>
+            <a:off x="5089970" y="2160589"/>
+            <a:ext cx="4184034" cy="3880773"/>
           </a:xfrm>
         </p:spPr>
         <p:txBody>
@@ -1388,19 +3426,13 @@
               <a:rPr lang="es-ES"/>
               <a:t>Quinto nivel</a:t>
             </a:r>
-            <a:endParaRPr lang="es-CO"/>
-          </a:p>
-        </p:txBody>
-      </p:sp>
-      <p:sp>
-        <p:nvSpPr>
-          <p:cNvPr id="5" name="Marcador de fecha 4">
-            <a:extLst>
-              <a:ext uri="{FF2B5EF4-FFF2-40B4-BE49-F238E27FC236}">
-                <a16:creationId xmlns:a16="http://schemas.microsoft.com/office/drawing/2014/main" xmlns="" id="{E97D434D-6F8E-486A-B6B1-13AD659116EF}"/>
-              </a:ext>
-            </a:extLst>
-          </p:cNvPr>
+            <a:endParaRPr lang="en-US" dirty="0"/>
+          </a:p>
+        </p:txBody>
+      </p:sp>
+      <p:sp>
+        <p:nvSpPr>
+          <p:cNvPr id="5" name="Date Placeholder 4"/>
           <p:cNvSpPr>
             <a:spLocks noGrp="1"/>
           </p:cNvSpPr>
@@ -1413,9 +3445,9 @@
           <a:bodyPr/>
           <a:lstStyle/>
           <a:p>
-            <a:fld id="{6F8A0493-4482-4737-8E4C-65278325584E}" type="datetimeFigureOut">
+            <a:fld id="{3AF09AD3-0FCB-4A6E-BFB8-A61FFAB00668}" type="datetimeFigureOut">
               <a:rPr lang="es-CO" smtClean="0"/>
-              <a:t>13/06/2025</a:t>
+              <a:t>6/06/2025</a:t>
             </a:fld>
             <a:endParaRPr lang="es-CO"/>
           </a:p>
@@ -1423,13 +3455,7 @@
       </p:sp>
       <p:sp>
         <p:nvSpPr>
-          <p:cNvPr id="6" name="Marcador de pie de página 5">
-            <a:extLst>
-              <a:ext uri="{FF2B5EF4-FFF2-40B4-BE49-F238E27FC236}">
-                <a16:creationId xmlns:a16="http://schemas.microsoft.com/office/drawing/2014/main" xmlns="" id="{06C6007E-930C-4783-92FA-F90BDB059471}"/>
-              </a:ext>
-            </a:extLst>
-          </p:cNvPr>
+          <p:cNvPr id="6" name="Footer Placeholder 5"/>
           <p:cNvSpPr>
             <a:spLocks noGrp="1"/>
           </p:cNvSpPr>
@@ -1448,13 +3474,7 @@
       </p:sp>
       <p:sp>
         <p:nvSpPr>
-          <p:cNvPr id="7" name="Marcador de número de diapositiva 6">
-            <a:extLst>
-              <a:ext uri="{FF2B5EF4-FFF2-40B4-BE49-F238E27FC236}">
-                <a16:creationId xmlns:a16="http://schemas.microsoft.com/office/drawing/2014/main" xmlns="" id="{0D119A5F-5F05-4AE5-A280-19C3D1471DB1}"/>
-              </a:ext>
-            </a:extLst>
-          </p:cNvPr>
+          <p:cNvPr id="7" name="Slide Number Placeholder 6"/>
           <p:cNvSpPr>
             <a:spLocks noGrp="1"/>
           </p:cNvSpPr>
@@ -1467,7 +3487,7 @@
           <a:bodyPr/>
           <a:lstStyle/>
           <a:p>
-            <a:fld id="{A1C4D09C-EC7D-4013-98F1-2B31AD99CF79}" type="slidenum">
+            <a:fld id="{9BB62278-9245-4FFB-950E-7F260EC66553}" type="slidenum">
               <a:rPr lang="es-CO" smtClean="0"/>
               <a:t>‹Nº›</a:t>
             </a:fld>
@@ -1478,7 +3498,7 @@
     </p:spTree>
     <p:extLst>
       <p:ext uri="{BB962C8B-B14F-4D97-AF65-F5344CB8AC3E}">
-        <p14:creationId xmlns:p14="http://schemas.microsoft.com/office/powerpoint/2010/main" val="1111523662"/>
+        <p14:creationId xmlns:p14="http://schemas.microsoft.com/office/powerpoint/2010/main" val="3102574553"/>
       </p:ext>
     </p:extLst>
   </p:cSld>
@@ -1507,66 +3527,55 @@
       </p:grpSpPr>
       <p:sp>
         <p:nvSpPr>
-          <p:cNvPr id="2" name="Título 1">
-            <a:extLst>
-              <a:ext uri="{FF2B5EF4-FFF2-40B4-BE49-F238E27FC236}">
-                <a16:creationId xmlns:a16="http://schemas.microsoft.com/office/drawing/2014/main" xmlns="" id="{210B573D-FD39-49F6-ABFB-8558EF578B99}"/>
-              </a:ext>
-            </a:extLst>
-          </p:cNvPr>
+          <p:cNvPr id="2" name="Title 1"/>
           <p:cNvSpPr>
             <a:spLocks noGrp="1"/>
           </p:cNvSpPr>
           <p:nvPr>
             <p:ph type="title"/>
+          </p:nvPr>
+        </p:nvSpPr>
+        <p:spPr/>
+        <p:txBody>
+          <a:bodyPr/>
+          <a:lstStyle>
+            <a:lvl1pPr>
+              <a:defRPr/>
+            </a:lvl1pPr>
+          </a:lstStyle>
+          <a:p>
+            <a:r>
+              <a:rPr lang="es-ES"/>
+              <a:t>Haga clic para modificar el estilo de título del patrón</a:t>
+            </a:r>
+            <a:endParaRPr lang="en-US" dirty="0"/>
+          </a:p>
+        </p:txBody>
+      </p:sp>
+      <p:sp>
+        <p:nvSpPr>
+          <p:cNvPr id="3" name="Text Placeholder 2"/>
+          <p:cNvSpPr>
+            <a:spLocks noGrp="1"/>
+          </p:cNvSpPr>
+          <p:nvPr>
+            <p:ph type="body" idx="1"/>
           </p:nvPr>
         </p:nvSpPr>
         <p:spPr>
           <a:xfrm>
-            <a:off x="839788" y="365125"/>
-            <a:ext cx="10515600" cy="1325563"/>
+            <a:off x="675745" y="2160983"/>
+            <a:ext cx="4185623" cy="576262"/>
           </a:xfrm>
         </p:spPr>
         <p:txBody>
-          <a:bodyPr/>
-          <a:lstStyle/>
-          <a:p>
-            <a:r>
-              <a:rPr lang="es-ES"/>
-              <a:t>Haga clic para modificar el estilo de título del patrón</a:t>
-            </a:r>
-            <a:endParaRPr lang="es-CO"/>
-          </a:p>
-        </p:txBody>
-      </p:sp>
-      <p:sp>
-        <p:nvSpPr>
-          <p:cNvPr id="3" name="Marcador de texto 2">
-            <a:extLst>
-              <a:ext uri="{FF2B5EF4-FFF2-40B4-BE49-F238E27FC236}">
-                <a16:creationId xmlns:a16="http://schemas.microsoft.com/office/drawing/2014/main" xmlns="" id="{965464C9-2FCB-4775-AA16-6A2216E67602}"/>
-              </a:ext>
-            </a:extLst>
-          </p:cNvPr>
-          <p:cNvSpPr>
-            <a:spLocks noGrp="1"/>
-          </p:cNvSpPr>
-          <p:nvPr>
-            <p:ph type="body" idx="1"/>
-          </p:nvPr>
-        </p:nvSpPr>
-        <p:spPr>
-          <a:xfrm>
-            <a:off x="839788" y="1681163"/>
-            <a:ext cx="5157787" cy="823912"/>
-          </a:xfrm>
-        </p:spPr>
-        <p:txBody>
-          <a:bodyPr anchor="b"/>
+          <a:bodyPr anchor="b">
+            <a:noAutofit/>
+          </a:bodyPr>
           <a:lstStyle>
             <a:lvl1pPr marL="0" indent="0">
               <a:buNone/>
-              <a:defRPr sz="2400" b="1"/>
+              <a:defRPr sz="2400" b="0"/>
             </a:lvl1pPr>
             <a:lvl2pPr marL="457200" indent="0">
               <a:buNone/>
@@ -1612,13 +3621,7 @@
       </p:sp>
       <p:sp>
         <p:nvSpPr>
-          <p:cNvPr id="4" name="Marcador de contenido 3">
-            <a:extLst>
-              <a:ext uri="{FF2B5EF4-FFF2-40B4-BE49-F238E27FC236}">
-                <a16:creationId xmlns:a16="http://schemas.microsoft.com/office/drawing/2014/main" xmlns="" id="{B14C34A0-AD07-4031-8BBB-1DBD71CD921A}"/>
-              </a:ext>
-            </a:extLst>
-          </p:cNvPr>
+          <p:cNvPr id="4" name="Content Placeholder 3"/>
           <p:cNvSpPr>
             <a:spLocks noGrp="1"/>
           </p:cNvSpPr>
@@ -1628,12 +3631,14 @@
         </p:nvSpPr>
         <p:spPr>
           <a:xfrm>
-            <a:off x="839788" y="2505075"/>
-            <a:ext cx="5157787" cy="3684588"/>
+            <a:off x="675745" y="2737245"/>
+            <a:ext cx="4185623" cy="3304117"/>
           </a:xfrm>
         </p:spPr>
         <p:txBody>
-          <a:bodyPr/>
+          <a:bodyPr>
+            <a:normAutofit/>
+          </a:bodyPr>
           <a:lstStyle/>
           <a:p>
             <a:pPr lvl="0"/>
@@ -1669,19 +3674,13 @@
               <a:rPr lang="es-ES"/>
               <a:t>Quinto nivel</a:t>
             </a:r>
-            <a:endParaRPr lang="es-CO"/>
-          </a:p>
-        </p:txBody>
-      </p:sp>
-      <p:sp>
-        <p:nvSpPr>
-          <p:cNvPr id="5" name="Marcador de texto 4">
-            <a:extLst>
-              <a:ext uri="{FF2B5EF4-FFF2-40B4-BE49-F238E27FC236}">
-                <a16:creationId xmlns:a16="http://schemas.microsoft.com/office/drawing/2014/main" xmlns="" id="{8985E7ED-10C4-4F55-ADE0-EAB2127C0F54}"/>
-              </a:ext>
-            </a:extLst>
-          </p:cNvPr>
+            <a:endParaRPr lang="en-US" dirty="0"/>
+          </a:p>
+        </p:txBody>
+      </p:sp>
+      <p:sp>
+        <p:nvSpPr>
+          <p:cNvPr id="5" name="Text Placeholder 4"/>
           <p:cNvSpPr>
             <a:spLocks noGrp="1"/>
           </p:cNvSpPr>
@@ -1691,16 +3690,18 @@
         </p:nvSpPr>
         <p:spPr>
           <a:xfrm>
-            <a:off x="6172200" y="1681163"/>
-            <a:ext cx="5183188" cy="823912"/>
+            <a:off x="5088383" y="2160983"/>
+            <a:ext cx="4185618" cy="576262"/>
           </a:xfrm>
         </p:spPr>
         <p:txBody>
-          <a:bodyPr anchor="b"/>
+          <a:bodyPr anchor="b">
+            <a:noAutofit/>
+          </a:bodyPr>
           <a:lstStyle>
             <a:lvl1pPr marL="0" indent="0">
               <a:buNone/>
-              <a:defRPr sz="2400" b="1"/>
+              <a:defRPr sz="2400" b="0"/>
             </a:lvl1pPr>
             <a:lvl2pPr marL="457200" indent="0">
               <a:buNone/>
@@ -1746,13 +3747,7 @@
       </p:sp>
       <p:sp>
         <p:nvSpPr>
-          <p:cNvPr id="6" name="Marcador de contenido 5">
-            <a:extLst>
-              <a:ext uri="{FF2B5EF4-FFF2-40B4-BE49-F238E27FC236}">
-                <a16:creationId xmlns:a16="http://schemas.microsoft.com/office/drawing/2014/main" xmlns="" id="{39B7EBCA-C3B4-40B7-9307-24CADF1E2B0D}"/>
-              </a:ext>
-            </a:extLst>
-          </p:cNvPr>
+          <p:cNvPr id="6" name="Content Placeholder 5"/>
           <p:cNvSpPr>
             <a:spLocks noGrp="1"/>
           </p:cNvSpPr>
@@ -1762,75 +3757,71 @@
         </p:nvSpPr>
         <p:spPr>
           <a:xfrm>
-            <a:off x="6172200" y="2505075"/>
-            <a:ext cx="5183188" cy="3684588"/>
+            <a:off x="5088384" y="2737245"/>
+            <a:ext cx="4185617" cy="3304117"/>
           </a:xfrm>
         </p:spPr>
         <p:txBody>
+          <a:bodyPr>
+            <a:normAutofit/>
+          </a:bodyPr>
+          <a:lstStyle/>
+          <a:p>
+            <a:pPr lvl="0"/>
+            <a:r>
+              <a:rPr lang="es-ES"/>
+              <a:t>Haga clic para modificar los estilos de texto del patrón</a:t>
+            </a:r>
+          </a:p>
+          <a:p>
+            <a:pPr lvl="1"/>
+            <a:r>
+              <a:rPr lang="es-ES"/>
+              <a:t>Segundo nivel</a:t>
+            </a:r>
+          </a:p>
+          <a:p>
+            <a:pPr lvl="2"/>
+            <a:r>
+              <a:rPr lang="es-ES"/>
+              <a:t>Tercer nivel</a:t>
+            </a:r>
+          </a:p>
+          <a:p>
+            <a:pPr lvl="3"/>
+            <a:r>
+              <a:rPr lang="es-ES"/>
+              <a:t>Cuarto nivel</a:t>
+            </a:r>
+          </a:p>
+          <a:p>
+            <a:pPr lvl="4"/>
+            <a:r>
+              <a:rPr lang="es-ES"/>
+              <a:t>Quinto nivel</a:t>
+            </a:r>
+            <a:endParaRPr lang="en-US" dirty="0"/>
+          </a:p>
+        </p:txBody>
+      </p:sp>
+      <p:sp>
+        <p:nvSpPr>
+          <p:cNvPr id="7" name="Date Placeholder 6"/>
+          <p:cNvSpPr>
+            <a:spLocks noGrp="1"/>
+          </p:cNvSpPr>
+          <p:nvPr>
+            <p:ph type="dt" sz="half" idx="10"/>
+          </p:nvPr>
+        </p:nvSpPr>
+        <p:spPr/>
+        <p:txBody>
           <a:bodyPr/>
           <a:lstStyle/>
           <a:p>
-            <a:pPr lvl="0"/>
-            <a:r>
-              <a:rPr lang="es-ES"/>
-              <a:t>Haga clic para modificar los estilos de texto del patrón</a:t>
-            </a:r>
-          </a:p>
-          <a:p>
-            <a:pPr lvl="1"/>
-            <a:r>
-              <a:rPr lang="es-ES"/>
-              <a:t>Segundo nivel</a:t>
-            </a:r>
-          </a:p>
-          <a:p>
-            <a:pPr lvl="2"/>
-            <a:r>
-              <a:rPr lang="es-ES"/>
-              <a:t>Tercer nivel</a:t>
-            </a:r>
-          </a:p>
-          <a:p>
-            <a:pPr lvl="3"/>
-            <a:r>
-              <a:rPr lang="es-ES"/>
-              <a:t>Cuarto nivel</a:t>
-            </a:r>
-          </a:p>
-          <a:p>
-            <a:pPr lvl="4"/>
-            <a:r>
-              <a:rPr lang="es-ES"/>
-              <a:t>Quinto nivel</a:t>
-            </a:r>
-            <a:endParaRPr lang="es-CO"/>
-          </a:p>
-        </p:txBody>
-      </p:sp>
-      <p:sp>
-        <p:nvSpPr>
-          <p:cNvPr id="7" name="Marcador de fecha 6">
-            <a:extLst>
-              <a:ext uri="{FF2B5EF4-FFF2-40B4-BE49-F238E27FC236}">
-                <a16:creationId xmlns:a16="http://schemas.microsoft.com/office/drawing/2014/main" xmlns="" id="{28CD0872-40C7-4C6D-AC7C-A9DF8EACB1B0}"/>
-              </a:ext>
-            </a:extLst>
-          </p:cNvPr>
-          <p:cNvSpPr>
-            <a:spLocks noGrp="1"/>
-          </p:cNvSpPr>
-          <p:nvPr>
-            <p:ph type="dt" sz="half" idx="10"/>
-          </p:nvPr>
-        </p:nvSpPr>
-        <p:spPr/>
-        <p:txBody>
-          <a:bodyPr/>
-          <a:lstStyle/>
-          <a:p>
-            <a:fld id="{6F8A0493-4482-4737-8E4C-65278325584E}" type="datetimeFigureOut">
+            <a:fld id="{3AF09AD3-0FCB-4A6E-BFB8-A61FFAB00668}" type="datetimeFigureOut">
               <a:rPr lang="es-CO" smtClean="0"/>
-              <a:t>13/06/2025</a:t>
+              <a:t>6/06/2025</a:t>
             </a:fld>
             <a:endParaRPr lang="es-CO"/>
           </a:p>
@@ -1838,13 +3829,7 @@
       </p:sp>
       <p:sp>
         <p:nvSpPr>
-          <p:cNvPr id="8" name="Marcador de pie de página 7">
-            <a:extLst>
-              <a:ext uri="{FF2B5EF4-FFF2-40B4-BE49-F238E27FC236}">
-                <a16:creationId xmlns:a16="http://schemas.microsoft.com/office/drawing/2014/main" xmlns="" id="{8D8E0C84-200C-4D50-9A8F-A4995D620A15}"/>
-              </a:ext>
-            </a:extLst>
-          </p:cNvPr>
+          <p:cNvPr id="8" name="Footer Placeholder 7"/>
           <p:cNvSpPr>
             <a:spLocks noGrp="1"/>
           </p:cNvSpPr>
@@ -1863,13 +3848,7 @@
       </p:sp>
       <p:sp>
         <p:nvSpPr>
-          <p:cNvPr id="9" name="Marcador de número de diapositiva 8">
-            <a:extLst>
-              <a:ext uri="{FF2B5EF4-FFF2-40B4-BE49-F238E27FC236}">
-                <a16:creationId xmlns:a16="http://schemas.microsoft.com/office/drawing/2014/main" xmlns="" id="{88BDD0C9-6BA3-4953-A3A5-440DB0D84C3C}"/>
-              </a:ext>
-            </a:extLst>
-          </p:cNvPr>
+          <p:cNvPr id="9" name="Slide Number Placeholder 8"/>
           <p:cNvSpPr>
             <a:spLocks noGrp="1"/>
           </p:cNvSpPr>
@@ -1882,7 +3861,7 @@
           <a:bodyPr/>
           <a:lstStyle/>
           <a:p>
-            <a:fld id="{A1C4D09C-EC7D-4013-98F1-2B31AD99CF79}" type="slidenum">
+            <a:fld id="{9BB62278-9245-4FFB-950E-7F260EC66553}" type="slidenum">
               <a:rPr lang="es-CO" smtClean="0"/>
               <a:t>‹Nº›</a:t>
             </a:fld>
@@ -1893,7 +3872,7 @@
     </p:spTree>
     <p:extLst>
       <p:ext uri="{BB962C8B-B14F-4D97-AF65-F5344CB8AC3E}">
-        <p14:creationId xmlns:p14="http://schemas.microsoft.com/office/powerpoint/2010/main" val="3946857482"/>
+        <p14:creationId xmlns:p14="http://schemas.microsoft.com/office/powerpoint/2010/main" val="1758888718"/>
       </p:ext>
     </p:extLst>
   </p:cSld>
@@ -1922,13 +3901,7 @@
       </p:grpSpPr>
       <p:sp>
         <p:nvSpPr>
-          <p:cNvPr id="2" name="Título 1">
-            <a:extLst>
-              <a:ext uri="{FF2B5EF4-FFF2-40B4-BE49-F238E27FC236}">
-                <a16:creationId xmlns:a16="http://schemas.microsoft.com/office/drawing/2014/main" xmlns="" id="{B39DC196-1BC7-4605-8202-3A13F3DBDA6A}"/>
-              </a:ext>
-            </a:extLst>
-          </p:cNvPr>
+          <p:cNvPr id="2" name="Title 1"/>
           <p:cNvSpPr>
             <a:spLocks noGrp="1"/>
           </p:cNvSpPr>
@@ -1936,43 +3909,42 @@
             <p:ph type="title"/>
           </p:nvPr>
         </p:nvSpPr>
+        <p:spPr>
+          <a:xfrm>
+            <a:off x="677334" y="609600"/>
+            <a:ext cx="8596668" cy="1320800"/>
+          </a:xfrm>
+        </p:spPr>
+        <p:txBody>
+          <a:bodyPr/>
+          <a:lstStyle/>
+          <a:p>
+            <a:r>
+              <a:rPr lang="es-ES"/>
+              <a:t>Haga clic para modificar el estilo de título del patrón</a:t>
+            </a:r>
+            <a:endParaRPr lang="en-US" dirty="0"/>
+          </a:p>
+        </p:txBody>
+      </p:sp>
+      <p:sp>
+        <p:nvSpPr>
+          <p:cNvPr id="3" name="Date Placeholder 2"/>
+          <p:cNvSpPr>
+            <a:spLocks noGrp="1"/>
+          </p:cNvSpPr>
+          <p:nvPr>
+            <p:ph type="dt" sz="half" idx="10"/>
+          </p:nvPr>
+        </p:nvSpPr>
         <p:spPr/>
         <p:txBody>
           <a:bodyPr/>
           <a:lstStyle/>
           <a:p>
-            <a:r>
-              <a:rPr lang="es-ES"/>
-              <a:t>Haga clic para modificar el estilo de título del patrón</a:t>
-            </a:r>
-            <a:endParaRPr lang="es-CO"/>
-          </a:p>
-        </p:txBody>
-      </p:sp>
-      <p:sp>
-        <p:nvSpPr>
-          <p:cNvPr id="3" name="Marcador de fecha 2">
-            <a:extLst>
-              <a:ext uri="{FF2B5EF4-FFF2-40B4-BE49-F238E27FC236}">
-                <a16:creationId xmlns:a16="http://schemas.microsoft.com/office/drawing/2014/main" xmlns="" id="{6D096A2E-8991-4B66-8F8B-AF65A3C7733B}"/>
-              </a:ext>
-            </a:extLst>
-          </p:cNvPr>
-          <p:cNvSpPr>
-            <a:spLocks noGrp="1"/>
-          </p:cNvSpPr>
-          <p:nvPr>
-            <p:ph type="dt" sz="half" idx="10"/>
-          </p:nvPr>
-        </p:nvSpPr>
-        <p:spPr/>
-        <p:txBody>
-          <a:bodyPr/>
-          <a:lstStyle/>
-          <a:p>
-            <a:fld id="{6F8A0493-4482-4737-8E4C-65278325584E}" type="datetimeFigureOut">
+            <a:fld id="{3AF09AD3-0FCB-4A6E-BFB8-A61FFAB00668}" type="datetimeFigureOut">
               <a:rPr lang="es-CO" smtClean="0"/>
-              <a:t>13/06/2025</a:t>
+              <a:t>6/06/2025</a:t>
             </a:fld>
             <a:endParaRPr lang="es-CO"/>
           </a:p>
@@ -1980,13 +3952,7 @@
       </p:sp>
       <p:sp>
         <p:nvSpPr>
-          <p:cNvPr id="4" name="Marcador de pie de página 3">
-            <a:extLst>
-              <a:ext uri="{FF2B5EF4-FFF2-40B4-BE49-F238E27FC236}">
-                <a16:creationId xmlns:a16="http://schemas.microsoft.com/office/drawing/2014/main" xmlns="" id="{D2FB7472-5C92-4565-8AB4-28354539FF51}"/>
-              </a:ext>
-            </a:extLst>
-          </p:cNvPr>
+          <p:cNvPr id="4" name="Footer Placeholder 3"/>
           <p:cNvSpPr>
             <a:spLocks noGrp="1"/>
           </p:cNvSpPr>
@@ -2005,13 +3971,7 @@
       </p:sp>
       <p:sp>
         <p:nvSpPr>
-          <p:cNvPr id="5" name="Marcador de número de diapositiva 4">
-            <a:extLst>
-              <a:ext uri="{FF2B5EF4-FFF2-40B4-BE49-F238E27FC236}">
-                <a16:creationId xmlns:a16="http://schemas.microsoft.com/office/drawing/2014/main" xmlns="" id="{DC3E5B58-25B8-45FC-96CA-16A3708D5C52}"/>
-              </a:ext>
-            </a:extLst>
-          </p:cNvPr>
+          <p:cNvPr id="5" name="Slide Number Placeholder 4"/>
           <p:cNvSpPr>
             <a:spLocks noGrp="1"/>
           </p:cNvSpPr>
@@ -2024,7 +3984,7 @@
           <a:bodyPr/>
           <a:lstStyle/>
           <a:p>
-            <a:fld id="{A1C4D09C-EC7D-4013-98F1-2B31AD99CF79}" type="slidenum">
+            <a:fld id="{9BB62278-9245-4FFB-950E-7F260EC66553}" type="slidenum">
               <a:rPr lang="es-CO" smtClean="0"/>
               <a:t>‹Nº›</a:t>
             </a:fld>
@@ -2035,7 +3995,7 @@
     </p:spTree>
     <p:extLst>
       <p:ext uri="{BB962C8B-B14F-4D97-AF65-F5344CB8AC3E}">
-        <p14:creationId xmlns:p14="http://schemas.microsoft.com/office/powerpoint/2010/main" val="3264124346"/>
+        <p14:creationId xmlns:p14="http://schemas.microsoft.com/office/powerpoint/2010/main" val="2175187364"/>
       </p:ext>
     </p:extLst>
   </p:cSld>
@@ -2064,13 +4024,7 @@
       </p:grpSpPr>
       <p:sp>
         <p:nvSpPr>
-          <p:cNvPr id="2" name="Marcador de fecha 1">
-            <a:extLst>
-              <a:ext uri="{FF2B5EF4-FFF2-40B4-BE49-F238E27FC236}">
-                <a16:creationId xmlns:a16="http://schemas.microsoft.com/office/drawing/2014/main" xmlns="" id="{8EA98CC1-2F72-48FC-9D9F-3D34580CB099}"/>
-              </a:ext>
-            </a:extLst>
-          </p:cNvPr>
+          <p:cNvPr id="2" name="Date Placeholder 1"/>
           <p:cNvSpPr>
             <a:spLocks noGrp="1"/>
           </p:cNvSpPr>
@@ -2083,9 +4037,9 @@
           <a:bodyPr/>
           <a:lstStyle/>
           <a:p>
-            <a:fld id="{6F8A0493-4482-4737-8E4C-65278325584E}" type="datetimeFigureOut">
+            <a:fld id="{3AF09AD3-0FCB-4A6E-BFB8-A61FFAB00668}" type="datetimeFigureOut">
               <a:rPr lang="es-CO" smtClean="0"/>
-              <a:t>13/06/2025</a:t>
+              <a:t>6/06/2025</a:t>
             </a:fld>
             <a:endParaRPr lang="es-CO"/>
           </a:p>
@@ -2093,13 +4047,7 @@
       </p:sp>
       <p:sp>
         <p:nvSpPr>
-          <p:cNvPr id="3" name="Marcador de pie de página 2">
-            <a:extLst>
-              <a:ext uri="{FF2B5EF4-FFF2-40B4-BE49-F238E27FC236}">
-                <a16:creationId xmlns:a16="http://schemas.microsoft.com/office/drawing/2014/main" xmlns="" id="{40C960F5-8454-489F-80BE-82BD88FD4FA5}"/>
-              </a:ext>
-            </a:extLst>
-          </p:cNvPr>
+          <p:cNvPr id="3" name="Footer Placeholder 2"/>
           <p:cNvSpPr>
             <a:spLocks noGrp="1"/>
           </p:cNvSpPr>
@@ -2118,13 +4066,7 @@
       </p:sp>
       <p:sp>
         <p:nvSpPr>
-          <p:cNvPr id="4" name="Marcador de número de diapositiva 3">
-            <a:extLst>
-              <a:ext uri="{FF2B5EF4-FFF2-40B4-BE49-F238E27FC236}">
-                <a16:creationId xmlns:a16="http://schemas.microsoft.com/office/drawing/2014/main" xmlns="" id="{09C40916-103E-4AD0-AEB7-9C536727CA69}"/>
-              </a:ext>
-            </a:extLst>
-          </p:cNvPr>
+          <p:cNvPr id="4" name="Slide Number Placeholder 3"/>
           <p:cNvSpPr>
             <a:spLocks noGrp="1"/>
           </p:cNvSpPr>
@@ -2137,7 +4079,7 @@
           <a:bodyPr/>
           <a:lstStyle/>
           <a:p>
-            <a:fld id="{A1C4D09C-EC7D-4013-98F1-2B31AD99CF79}" type="slidenum">
+            <a:fld id="{9BB62278-9245-4FFB-950E-7F260EC66553}" type="slidenum">
               <a:rPr lang="es-CO" smtClean="0"/>
               <a:t>‹Nº›</a:t>
             </a:fld>
@@ -2148,7 +4090,7 @@
     </p:spTree>
     <p:extLst>
       <p:ext uri="{BB962C8B-B14F-4D97-AF65-F5344CB8AC3E}">
-        <p14:creationId xmlns:p14="http://schemas.microsoft.com/office/powerpoint/2010/main" val="2664139996"/>
+        <p14:creationId xmlns:p14="http://schemas.microsoft.com/office/powerpoint/2010/main" val="2361917263"/>
       </p:ext>
     </p:extLst>
   </p:cSld>
@@ -2177,13 +4119,7 @@
       </p:grpSpPr>
       <p:sp>
         <p:nvSpPr>
-          <p:cNvPr id="2" name="Título 1">
-            <a:extLst>
-              <a:ext uri="{FF2B5EF4-FFF2-40B4-BE49-F238E27FC236}">
-                <a16:creationId xmlns:a16="http://schemas.microsoft.com/office/drawing/2014/main" xmlns="" id="{BCCF0455-922E-467F-81D1-635562F3DEE8}"/>
-              </a:ext>
-            </a:extLst>
-          </p:cNvPr>
+          <p:cNvPr id="2" name="Title 1"/>
           <p:cNvSpPr>
             <a:spLocks noGrp="1"/>
           </p:cNvSpPr>
@@ -2193,15 +4129,17 @@
         </p:nvSpPr>
         <p:spPr>
           <a:xfrm>
-            <a:off x="839788" y="457200"/>
-            <a:ext cx="3932237" cy="1600200"/>
+            <a:off x="677334" y="1498604"/>
+            <a:ext cx="3854528" cy="1278466"/>
           </a:xfrm>
         </p:spPr>
         <p:txBody>
-          <a:bodyPr anchor="b"/>
+          <a:bodyPr anchor="b">
+            <a:normAutofit/>
+          </a:bodyPr>
           <a:lstStyle>
             <a:lvl1pPr>
-              <a:defRPr sz="3200"/>
+              <a:defRPr sz="2000"/>
             </a:lvl1pPr>
           </a:lstStyle>
           <a:p>
@@ -2209,19 +4147,13 @@
               <a:rPr lang="es-ES"/>
               <a:t>Haga clic para modificar el estilo de título del patrón</a:t>
             </a:r>
-            <a:endParaRPr lang="es-CO"/>
-          </a:p>
-        </p:txBody>
-      </p:sp>
-      <p:sp>
-        <p:nvSpPr>
-          <p:cNvPr id="3" name="Marcador de contenido 2">
-            <a:extLst>
-              <a:ext uri="{FF2B5EF4-FFF2-40B4-BE49-F238E27FC236}">
-                <a16:creationId xmlns:a16="http://schemas.microsoft.com/office/drawing/2014/main" xmlns="" id="{DDC17759-ED53-43AD-99D3-114613CFBA9F}"/>
-              </a:ext>
-            </a:extLst>
-          </p:cNvPr>
+            <a:endParaRPr lang="en-US" dirty="0"/>
+          </a:p>
+        </p:txBody>
+      </p:sp>
+      <p:sp>
+        <p:nvSpPr>
+          <p:cNvPr id="3" name="Content Placeholder 2"/>
           <p:cNvSpPr>
             <a:spLocks noGrp="1"/>
           </p:cNvSpPr>
@@ -2231,41 +4163,15 @@
         </p:nvSpPr>
         <p:spPr>
           <a:xfrm>
-            <a:off x="5183188" y="987425"/>
-            <a:ext cx="6172200" cy="4873625"/>
+            <a:off x="4760461" y="514924"/>
+            <a:ext cx="4513541" cy="5526437"/>
           </a:xfrm>
         </p:spPr>
         <p:txBody>
-          <a:bodyPr/>
-          <a:lstStyle>
-            <a:lvl1pPr>
-              <a:defRPr sz="3200"/>
-            </a:lvl1pPr>
-            <a:lvl2pPr>
-              <a:defRPr sz="2800"/>
-            </a:lvl2pPr>
-            <a:lvl3pPr>
-              <a:defRPr sz="2400"/>
-            </a:lvl3pPr>
-            <a:lvl4pPr>
-              <a:defRPr sz="2000"/>
-            </a:lvl4pPr>
-            <a:lvl5pPr>
-              <a:defRPr sz="2000"/>
-            </a:lvl5pPr>
-            <a:lvl6pPr>
-              <a:defRPr sz="2000"/>
-            </a:lvl6pPr>
-            <a:lvl7pPr>
-              <a:defRPr sz="2000"/>
-            </a:lvl7pPr>
-            <a:lvl8pPr>
-              <a:defRPr sz="2000"/>
-            </a:lvl8pPr>
-            <a:lvl9pPr>
-              <a:defRPr sz="2000"/>
-            </a:lvl9pPr>
-          </a:lstStyle>
+          <a:bodyPr>
+            <a:normAutofit/>
+          </a:bodyPr>
+          <a:lstStyle/>
           <a:p>
             <a:pPr lvl="0"/>
             <a:r>
@@ -2300,19 +4206,13 @@
               <a:rPr lang="es-ES"/>
               <a:t>Quinto nivel</a:t>
             </a:r>
-            <a:endParaRPr lang="es-CO"/>
-          </a:p>
-        </p:txBody>
-      </p:sp>
-      <p:sp>
-        <p:nvSpPr>
-          <p:cNvPr id="4" name="Marcador de texto 3">
-            <a:extLst>
-              <a:ext uri="{FF2B5EF4-FFF2-40B4-BE49-F238E27FC236}">
-                <a16:creationId xmlns:a16="http://schemas.microsoft.com/office/drawing/2014/main" xmlns="" id="{AFEDD90E-8801-40FE-99F2-ED2BED115EDC}"/>
-              </a:ext>
-            </a:extLst>
-          </p:cNvPr>
+            <a:endParaRPr lang="en-US" dirty="0"/>
+          </a:p>
+        </p:txBody>
+      </p:sp>
+      <p:sp>
+        <p:nvSpPr>
+          <p:cNvPr id="4" name="Text Placeholder 3"/>
           <p:cNvSpPr>
             <a:spLocks noGrp="1"/>
           </p:cNvSpPr>
@@ -2322,46 +4222,48 @@
         </p:nvSpPr>
         <p:spPr>
           <a:xfrm>
-            <a:off x="839788" y="2057400"/>
-            <a:ext cx="3932237" cy="3811588"/>
+            <a:off x="677334" y="2777069"/>
+            <a:ext cx="3854528" cy="2584449"/>
           </a:xfrm>
         </p:spPr>
         <p:txBody>
-          <a:bodyPr/>
+          <a:bodyPr>
+            <a:normAutofit/>
+          </a:bodyPr>
           <a:lstStyle>
             <a:lvl1pPr marL="0" indent="0">
               <a:buNone/>
-              <a:defRPr sz="1600"/>
+              <a:defRPr sz="1400"/>
             </a:lvl1pPr>
-            <a:lvl2pPr marL="457200" indent="0">
+            <a:lvl2pPr marL="457063" indent="0">
               <a:buNone/>
               <a:defRPr sz="1400"/>
             </a:lvl2pPr>
-            <a:lvl3pPr marL="914400" indent="0">
+            <a:lvl3pPr marL="914126" indent="0">
               <a:buNone/>
               <a:defRPr sz="1200"/>
             </a:lvl3pPr>
-            <a:lvl4pPr marL="1371600" indent="0">
+            <a:lvl4pPr marL="1371189" indent="0">
               <a:buNone/>
               <a:defRPr sz="1000"/>
             </a:lvl4pPr>
-            <a:lvl5pPr marL="1828800" indent="0">
+            <a:lvl5pPr marL="1828251" indent="0">
               <a:buNone/>
               <a:defRPr sz="1000"/>
             </a:lvl5pPr>
-            <a:lvl6pPr marL="2286000" indent="0">
+            <a:lvl6pPr marL="2285314" indent="0">
               <a:buNone/>
               <a:defRPr sz="1000"/>
             </a:lvl6pPr>
-            <a:lvl7pPr marL="2743200" indent="0">
+            <a:lvl7pPr marL="2742377" indent="0">
               <a:buNone/>
               <a:defRPr sz="1000"/>
             </a:lvl7pPr>
-            <a:lvl8pPr marL="3200400" indent="0">
+            <a:lvl8pPr marL="3199440" indent="0">
               <a:buNone/>
               <a:defRPr sz="1000"/>
             </a:lvl8pPr>
-            <a:lvl9pPr marL="3657600" indent="0">
+            <a:lvl9pPr marL="3656503" indent="0">
               <a:buNone/>
               <a:defRPr sz="1000"/>
             </a:lvl9pPr>
@@ -2377,13 +4279,7 @@
       </p:sp>
       <p:sp>
         <p:nvSpPr>
-          <p:cNvPr id="5" name="Marcador de fecha 4">
-            <a:extLst>
-              <a:ext uri="{FF2B5EF4-FFF2-40B4-BE49-F238E27FC236}">
-                <a16:creationId xmlns:a16="http://schemas.microsoft.com/office/drawing/2014/main" xmlns="" id="{C5B681F8-7AFA-49FB-A679-F242ED7CA255}"/>
-              </a:ext>
-            </a:extLst>
-          </p:cNvPr>
+          <p:cNvPr id="5" name="Date Placeholder 4"/>
           <p:cNvSpPr>
             <a:spLocks noGrp="1"/>
           </p:cNvSpPr>
@@ -2396,9 +4292,9 @@
           <a:bodyPr/>
           <a:lstStyle/>
           <a:p>
-            <a:fld id="{6F8A0493-4482-4737-8E4C-65278325584E}" type="datetimeFigureOut">
+            <a:fld id="{3AF09AD3-0FCB-4A6E-BFB8-A61FFAB00668}" type="datetimeFigureOut">
               <a:rPr lang="es-CO" smtClean="0"/>
-              <a:t>13/06/2025</a:t>
+              <a:t>6/06/2025</a:t>
             </a:fld>
             <a:endParaRPr lang="es-CO"/>
           </a:p>
@@ -2406,13 +4302,7 @@
       </p:sp>
       <p:sp>
         <p:nvSpPr>
-          <p:cNvPr id="6" name="Marcador de pie de página 5">
-            <a:extLst>
-              <a:ext uri="{FF2B5EF4-FFF2-40B4-BE49-F238E27FC236}">
-                <a16:creationId xmlns:a16="http://schemas.microsoft.com/office/drawing/2014/main" xmlns="" id="{80821651-871A-48E6-A185-335383D47DD5}"/>
-              </a:ext>
-            </a:extLst>
-          </p:cNvPr>
+          <p:cNvPr id="6" name="Footer Placeholder 5"/>
           <p:cNvSpPr>
             <a:spLocks noGrp="1"/>
           </p:cNvSpPr>
@@ -2431,13 +4321,7 @@
       </p:sp>
       <p:sp>
         <p:nvSpPr>
-          <p:cNvPr id="7" name="Marcador de número de diapositiva 6">
-            <a:extLst>
-              <a:ext uri="{FF2B5EF4-FFF2-40B4-BE49-F238E27FC236}">
-                <a16:creationId xmlns:a16="http://schemas.microsoft.com/office/drawing/2014/main" xmlns="" id="{ACC8138E-CE19-4942-BE4C-CA10A7926EC1}"/>
-              </a:ext>
-            </a:extLst>
-          </p:cNvPr>
+          <p:cNvPr id="7" name="Slide Number Placeholder 6"/>
           <p:cNvSpPr>
             <a:spLocks noGrp="1"/>
           </p:cNvSpPr>
@@ -2450,7 +4334,7 @@
           <a:bodyPr/>
           <a:lstStyle/>
           <a:p>
-            <a:fld id="{A1C4D09C-EC7D-4013-98F1-2B31AD99CF79}" type="slidenum">
+            <a:fld id="{9BB62278-9245-4FFB-950E-7F260EC66553}" type="slidenum">
               <a:rPr lang="es-CO" smtClean="0"/>
               <a:t>‹Nº›</a:t>
             </a:fld>
@@ -2461,7 +4345,7 @@
     </p:spTree>
     <p:extLst>
       <p:ext uri="{BB962C8B-B14F-4D97-AF65-F5344CB8AC3E}">
-        <p14:creationId xmlns:p14="http://schemas.microsoft.com/office/powerpoint/2010/main" val="4208580223"/>
+        <p14:creationId xmlns:p14="http://schemas.microsoft.com/office/powerpoint/2010/main" val="3194681833"/>
       </p:ext>
     </p:extLst>
   </p:cSld>
@@ -2490,13 +4374,7 @@
       </p:grpSpPr>
       <p:sp>
         <p:nvSpPr>
-          <p:cNvPr id="2" name="Título 1">
-            <a:extLst>
-              <a:ext uri="{FF2B5EF4-FFF2-40B4-BE49-F238E27FC236}">
-                <a16:creationId xmlns:a16="http://schemas.microsoft.com/office/drawing/2014/main" xmlns="" id="{6C1BC821-D052-4FDE-8852-352F2CA98A2D}"/>
-              </a:ext>
-            </a:extLst>
-          </p:cNvPr>
+          <p:cNvPr id="2" name="Title 1"/>
           <p:cNvSpPr>
             <a:spLocks noGrp="1"/>
           </p:cNvSpPr>
@@ -2506,15 +4384,17 @@
         </p:nvSpPr>
         <p:spPr>
           <a:xfrm>
-            <a:off x="839788" y="457200"/>
-            <a:ext cx="3932237" cy="1600200"/>
+            <a:off x="677334" y="4800600"/>
+            <a:ext cx="8596667" cy="566738"/>
           </a:xfrm>
         </p:spPr>
         <p:txBody>
-          <a:bodyPr anchor="b"/>
+          <a:bodyPr anchor="b">
+            <a:normAutofit/>
+          </a:bodyPr>
           <a:lstStyle>
-            <a:lvl1pPr>
-              <a:defRPr sz="3200"/>
+            <a:lvl1pPr algn="l">
+              <a:defRPr sz="2400" b="0"/>
             </a:lvl1pPr>
           </a:lstStyle>
           <a:p>
@@ -2522,21 +4402,15 @@
               <a:rPr lang="es-ES"/>
               <a:t>Haga clic para modificar el estilo de título del patrón</a:t>
             </a:r>
-            <a:endParaRPr lang="es-CO"/>
-          </a:p>
-        </p:txBody>
-      </p:sp>
-      <p:sp>
-        <p:nvSpPr>
-          <p:cNvPr id="3" name="Marcador de posición de imagen 2">
-            <a:extLst>
-              <a:ext uri="{FF2B5EF4-FFF2-40B4-BE49-F238E27FC236}">
-                <a16:creationId xmlns:a16="http://schemas.microsoft.com/office/drawing/2014/main" xmlns="" id="{E36D21E0-CEF8-44D2-917B-F1B64CD954E6}"/>
-              </a:ext>
-            </a:extLst>
-          </p:cNvPr>
-          <p:cNvSpPr>
-            <a:spLocks noGrp="1"/>
+            <a:endParaRPr lang="en-US" dirty="0"/>
+          </a:p>
+        </p:txBody>
+      </p:sp>
+      <p:sp>
+        <p:nvSpPr>
+          <p:cNvPr id="3" name="Picture Placeholder 2"/>
+          <p:cNvSpPr>
+            <a:spLocks noGrp="1" noChangeAspect="1"/>
           </p:cNvSpPr>
           <p:nvPr>
             <p:ph type="pic" idx="1"/>
@@ -2544,118 +4418,120 @@
         </p:nvSpPr>
         <p:spPr>
           <a:xfrm>
-            <a:off x="5183188" y="987425"/>
-            <a:ext cx="6172200" cy="4873625"/>
+            <a:off x="677334" y="609600"/>
+            <a:ext cx="8596668" cy="3845718"/>
           </a:xfrm>
         </p:spPr>
         <p:txBody>
-          <a:bodyPr/>
+          <a:bodyPr anchor="t">
+            <a:normAutofit/>
+          </a:bodyPr>
           <a:lstStyle>
-            <a:lvl1pPr marL="0" indent="0">
-              <a:buNone/>
-              <a:defRPr sz="3200"/>
-            </a:lvl1pPr>
-            <a:lvl2pPr marL="457200" indent="0">
-              <a:buNone/>
-              <a:defRPr sz="2800"/>
-            </a:lvl2pPr>
-            <a:lvl3pPr marL="914400" indent="0">
-              <a:buNone/>
-              <a:defRPr sz="2400"/>
-            </a:lvl3pPr>
-            <a:lvl4pPr marL="1371600" indent="0">
-              <a:buNone/>
-              <a:defRPr sz="2000"/>
-            </a:lvl4pPr>
-            <a:lvl5pPr marL="1828800" indent="0">
-              <a:buNone/>
-              <a:defRPr sz="2000"/>
-            </a:lvl5pPr>
-            <a:lvl6pPr marL="2286000" indent="0">
-              <a:buNone/>
-              <a:defRPr sz="2000"/>
-            </a:lvl6pPr>
-            <a:lvl7pPr marL="2743200" indent="0">
-              <a:buNone/>
-              <a:defRPr sz="2000"/>
-            </a:lvl7pPr>
-            <a:lvl8pPr marL="3200400" indent="0">
-              <a:buNone/>
-              <a:defRPr sz="2000"/>
-            </a:lvl8pPr>
-            <a:lvl9pPr marL="3657600" indent="0">
-              <a:buNone/>
-              <a:defRPr sz="2000"/>
-            </a:lvl9pPr>
-          </a:lstStyle>
-          <a:p>
-            <a:endParaRPr lang="es-CO"/>
-          </a:p>
-        </p:txBody>
-      </p:sp>
-      <p:sp>
-        <p:nvSpPr>
-          <p:cNvPr id="4" name="Marcador de texto 3">
-            <a:extLst>
-              <a:ext uri="{FF2B5EF4-FFF2-40B4-BE49-F238E27FC236}">
-                <a16:creationId xmlns:a16="http://schemas.microsoft.com/office/drawing/2014/main" xmlns="" id="{B49E4B6C-ED00-4C75-A28B-360A08A97BBB}"/>
-              </a:ext>
-            </a:extLst>
-          </p:cNvPr>
-          <p:cNvSpPr>
-            <a:spLocks noGrp="1"/>
-          </p:cNvSpPr>
-          <p:nvPr>
-            <p:ph type="body" sz="half" idx="2"/>
-          </p:nvPr>
-        </p:nvSpPr>
-        <p:spPr>
-          <a:xfrm>
-            <a:off x="839788" y="2057400"/>
-            <a:ext cx="3932237" cy="3811588"/>
-          </a:xfrm>
-        </p:spPr>
-        <p:txBody>
-          <a:bodyPr/>
-          <a:lstStyle>
-            <a:lvl1pPr marL="0" indent="0">
+            <a:lvl1pPr marL="0" indent="0" algn="ctr">
               <a:buNone/>
               <a:defRPr sz="1600"/>
             </a:lvl1pPr>
             <a:lvl2pPr marL="457200" indent="0">
               <a:buNone/>
-              <a:defRPr sz="1400"/>
+              <a:defRPr sz="1600"/>
             </a:lvl2pPr>
             <a:lvl3pPr marL="914400" indent="0">
               <a:buNone/>
-              <a:defRPr sz="1200"/>
+              <a:defRPr sz="1600"/>
             </a:lvl3pPr>
             <a:lvl4pPr marL="1371600" indent="0">
               <a:buNone/>
-              <a:defRPr sz="1000"/>
+              <a:defRPr sz="1600"/>
             </a:lvl4pPr>
             <a:lvl5pPr marL="1828800" indent="0">
               <a:buNone/>
-              <a:defRPr sz="1000"/>
+              <a:defRPr sz="1600"/>
             </a:lvl5pPr>
             <a:lvl6pPr marL="2286000" indent="0">
               <a:buNone/>
-              <a:defRPr sz="1000"/>
+              <a:defRPr sz="1600"/>
             </a:lvl6pPr>
             <a:lvl7pPr marL="2743200" indent="0">
               <a:buNone/>
-              <a:defRPr sz="1000"/>
+              <a:defRPr sz="1600"/>
             </a:lvl7pPr>
             <a:lvl8pPr marL="3200400" indent="0">
               <a:buNone/>
-              <a:defRPr sz="1000"/>
+              <a:defRPr sz="1600"/>
             </a:lvl8pPr>
             <a:lvl9pPr marL="3657600" indent="0">
               <a:buNone/>
-              <a:defRPr sz="1000"/>
+              <a:defRPr sz="1600"/>
             </a:lvl9pPr>
           </a:lstStyle>
           <a:p>
+            <a:r>
+              <a:rPr lang="es-ES"/>
+              <a:t>Haga clic en el icono para agregar una imagen</a:t>
+            </a:r>
+            <a:endParaRPr lang="en-US" dirty="0"/>
+          </a:p>
+        </p:txBody>
+      </p:sp>
+      <p:sp>
+        <p:nvSpPr>
+          <p:cNvPr id="4" name="Text Placeholder 3"/>
+          <p:cNvSpPr>
+            <a:spLocks noGrp="1"/>
+          </p:cNvSpPr>
+          <p:nvPr>
+            <p:ph type="body" sz="half" idx="2"/>
+          </p:nvPr>
+        </p:nvSpPr>
+        <p:spPr>
+          <a:xfrm>
+            <a:off x="677334" y="5367338"/>
+            <a:ext cx="8596667" cy="674024"/>
+          </a:xfrm>
+        </p:spPr>
+        <p:txBody>
+          <a:bodyPr>
+            <a:normAutofit/>
+          </a:bodyPr>
+          <a:lstStyle>
+            <a:lvl1pPr marL="0" indent="0">
+              <a:buNone/>
+              <a:defRPr sz="1200"/>
+            </a:lvl1pPr>
+            <a:lvl2pPr marL="457200" indent="0">
+              <a:buNone/>
+              <a:defRPr sz="1200"/>
+            </a:lvl2pPr>
+            <a:lvl3pPr marL="914400" indent="0">
+              <a:buNone/>
+              <a:defRPr sz="1000"/>
+            </a:lvl3pPr>
+            <a:lvl4pPr marL="1371600" indent="0">
+              <a:buNone/>
+              <a:defRPr sz="900"/>
+            </a:lvl4pPr>
+            <a:lvl5pPr marL="1828800" indent="0">
+              <a:buNone/>
+              <a:defRPr sz="900"/>
+            </a:lvl5pPr>
+            <a:lvl6pPr marL="2286000" indent="0">
+              <a:buNone/>
+              <a:defRPr sz="900"/>
+            </a:lvl6pPr>
+            <a:lvl7pPr marL="2743200" indent="0">
+              <a:buNone/>
+              <a:defRPr sz="900"/>
+            </a:lvl7pPr>
+            <a:lvl8pPr marL="3200400" indent="0">
+              <a:buNone/>
+              <a:defRPr sz="900"/>
+            </a:lvl8pPr>
+            <a:lvl9pPr marL="3657600" indent="0">
+              <a:buNone/>
+              <a:defRPr sz="900"/>
+            </a:lvl9pPr>
+          </a:lstStyle>
+          <a:p>
             <a:pPr lvl="0"/>
             <a:r>
               <a:rPr lang="es-ES"/>
@@ -2666,13 +4542,7 @@
       </p:sp>
       <p:sp>
         <p:nvSpPr>
-          <p:cNvPr id="5" name="Marcador de fecha 4">
-            <a:extLst>
-              <a:ext uri="{FF2B5EF4-FFF2-40B4-BE49-F238E27FC236}">
-                <a16:creationId xmlns:a16="http://schemas.microsoft.com/office/drawing/2014/main" xmlns="" id="{62783725-1DD6-4F05-8C23-A4C80BA59AA6}"/>
-              </a:ext>
-            </a:extLst>
-          </p:cNvPr>
+          <p:cNvPr id="5" name="Date Placeholder 4"/>
           <p:cNvSpPr>
             <a:spLocks noGrp="1"/>
           </p:cNvSpPr>
@@ -2685,9 +4555,9 @@
           <a:bodyPr/>
           <a:lstStyle/>
           <a:p>
-            <a:fld id="{6F8A0493-4482-4737-8E4C-65278325584E}" type="datetimeFigureOut">
+            <a:fld id="{3AF09AD3-0FCB-4A6E-BFB8-A61FFAB00668}" type="datetimeFigureOut">
               <a:rPr lang="es-CO" smtClean="0"/>
-              <a:t>13/06/2025</a:t>
+              <a:t>6/06/2025</a:t>
             </a:fld>
             <a:endParaRPr lang="es-CO"/>
           </a:p>
@@ -2695,13 +4565,7 @@
       </p:sp>
       <p:sp>
         <p:nvSpPr>
-          <p:cNvPr id="6" name="Marcador de pie de página 5">
-            <a:extLst>
-              <a:ext uri="{FF2B5EF4-FFF2-40B4-BE49-F238E27FC236}">
-                <a16:creationId xmlns:a16="http://schemas.microsoft.com/office/drawing/2014/main" xmlns="" id="{9F922D2E-9DA9-4427-A466-950BE6359A46}"/>
-              </a:ext>
-            </a:extLst>
-          </p:cNvPr>
+          <p:cNvPr id="6" name="Footer Placeholder 5"/>
           <p:cNvSpPr>
             <a:spLocks noGrp="1"/>
           </p:cNvSpPr>
@@ -2720,13 +4584,7 @@
       </p:sp>
       <p:sp>
         <p:nvSpPr>
-          <p:cNvPr id="7" name="Marcador de número de diapositiva 6">
-            <a:extLst>
-              <a:ext uri="{FF2B5EF4-FFF2-40B4-BE49-F238E27FC236}">
-                <a16:creationId xmlns:a16="http://schemas.microsoft.com/office/drawing/2014/main" xmlns="" id="{3801A301-9FF8-491A-BCFD-6E91140F14C2}"/>
-              </a:ext>
-            </a:extLst>
-          </p:cNvPr>
+          <p:cNvPr id="7" name="Slide Number Placeholder 6"/>
           <p:cNvSpPr>
             <a:spLocks noGrp="1"/>
           </p:cNvSpPr>
@@ -2739,7 +4597,7 @@
           <a:bodyPr/>
           <a:lstStyle/>
           <a:p>
-            <a:fld id="{A1C4D09C-EC7D-4013-98F1-2B31AD99CF79}" type="slidenum">
+            <a:fld id="{9BB62278-9245-4FFB-950E-7F260EC66553}" type="slidenum">
               <a:rPr lang="es-CO" smtClean="0"/>
               <a:t>‹Nº›</a:t>
             </a:fld>
@@ -2750,7 +4608,7 @@
     </p:spTree>
     <p:extLst>
       <p:ext uri="{BB962C8B-B14F-4D97-AF65-F5344CB8AC3E}">
-        <p14:creationId xmlns:p14="http://schemas.microsoft.com/office/powerpoint/2010/main" val="3694264882"/>
+        <p14:creationId xmlns:p14="http://schemas.microsoft.com/office/powerpoint/2010/main" val="441702619"/>
       </p:ext>
     </p:extLst>
   </p:cSld>
@@ -2782,15 +4640,539 @@
           <a:chExt cx="0" cy="0"/>
         </a:xfrm>
       </p:grpSpPr>
-      <p:sp>
-        <p:nvSpPr>
-          <p:cNvPr id="2" name="Marcador de título 1">
-            <a:extLst>
-              <a:ext uri="{FF2B5EF4-FFF2-40B4-BE49-F238E27FC236}">
-                <a16:creationId xmlns:a16="http://schemas.microsoft.com/office/drawing/2014/main" xmlns="" id="{E2C297D2-D5E3-40FD-83C0-5D88186DD6A7}"/>
-              </a:ext>
-            </a:extLst>
-          </p:cNvPr>
+      <p:grpSp>
+        <p:nvGrpSpPr>
+          <p:cNvPr id="7" name="Group 6"/>
+          <p:cNvGrpSpPr/>
+          <p:nvPr/>
+        </p:nvGrpSpPr>
+        <p:grpSpPr>
+          <a:xfrm>
+            <a:off x="0" y="-8467"/>
+            <a:ext cx="12192000" cy="6866467"/>
+            <a:chOff x="0" y="-8467"/>
+            <a:chExt cx="12192000" cy="6866467"/>
+          </a:xfrm>
+        </p:grpSpPr>
+        <p:cxnSp>
+          <p:nvCxnSpPr>
+            <p:cNvPr id="20" name="Straight Connector 19"/>
+            <p:cNvCxnSpPr/>
+            <p:nvPr/>
+          </p:nvCxnSpPr>
+          <p:spPr>
+            <a:xfrm>
+              <a:off x="9371012" y="0"/>
+              <a:ext cx="1219200" cy="6858000"/>
+            </a:xfrm>
+            <a:prstGeom prst="line">
+              <a:avLst/>
+            </a:prstGeom>
+            <a:ln w="9525">
+              <a:solidFill>
+                <a:schemeClr val="bg1">
+                  <a:lumMod val="75000"/>
+                </a:schemeClr>
+              </a:solidFill>
+            </a:ln>
+          </p:spPr>
+          <p:style>
+            <a:lnRef idx="2">
+              <a:schemeClr val="accent1"/>
+            </a:lnRef>
+            <a:fillRef idx="0">
+              <a:schemeClr val="accent1"/>
+            </a:fillRef>
+            <a:effectRef idx="1">
+              <a:schemeClr val="accent1"/>
+            </a:effectRef>
+            <a:fontRef idx="minor">
+              <a:schemeClr val="tx1"/>
+            </a:fontRef>
+          </p:style>
+        </p:cxnSp>
+        <p:cxnSp>
+          <p:nvCxnSpPr>
+            <p:cNvPr id="21" name="Straight Connector 20"/>
+            <p:cNvCxnSpPr/>
+            <p:nvPr/>
+          </p:nvCxnSpPr>
+          <p:spPr>
+            <a:xfrm flipH="1">
+              <a:off x="7425267" y="3681413"/>
+              <a:ext cx="4763558" cy="3176587"/>
+            </a:xfrm>
+            <a:prstGeom prst="line">
+              <a:avLst/>
+            </a:prstGeom>
+            <a:ln w="9525">
+              <a:solidFill>
+                <a:schemeClr val="bg1">
+                  <a:lumMod val="85000"/>
+                </a:schemeClr>
+              </a:solidFill>
+            </a:ln>
+          </p:spPr>
+          <p:style>
+            <a:lnRef idx="2">
+              <a:schemeClr val="accent1"/>
+            </a:lnRef>
+            <a:fillRef idx="0">
+              <a:schemeClr val="accent1"/>
+            </a:fillRef>
+            <a:effectRef idx="1">
+              <a:schemeClr val="accent1"/>
+            </a:effectRef>
+            <a:fontRef idx="minor">
+              <a:schemeClr val="tx1"/>
+            </a:fontRef>
+          </p:style>
+        </p:cxnSp>
+        <p:sp>
+          <p:nvSpPr>
+            <p:cNvPr id="22" name="Rectangle 23"/>
+            <p:cNvSpPr/>
+            <p:nvPr/>
+          </p:nvSpPr>
+          <p:spPr>
+            <a:xfrm>
+              <a:off x="9181476" y="-8467"/>
+              <a:ext cx="3007349" cy="6866467"/>
+            </a:xfrm>
+            <a:custGeom>
+              <a:avLst/>
+              <a:gdLst/>
+              <a:ahLst/>
+              <a:cxnLst/>
+              <a:rect l="l" t="t" r="r" b="b"/>
+              <a:pathLst>
+                <a:path w="3007349" h="6866467">
+                  <a:moveTo>
+                    <a:pt x="2045532" y="0"/>
+                  </a:moveTo>
+                  <a:lnTo>
+                    <a:pt x="3007349" y="0"/>
+                  </a:lnTo>
+                  <a:lnTo>
+                    <a:pt x="3007349" y="6866467"/>
+                  </a:lnTo>
+                  <a:lnTo>
+                    <a:pt x="0" y="6866467"/>
+                  </a:lnTo>
+                  <a:lnTo>
+                    <a:pt x="2045532" y="0"/>
+                  </a:lnTo>
+                  <a:close/>
+                </a:path>
+              </a:pathLst>
+            </a:custGeom>
+            <a:solidFill>
+              <a:schemeClr val="accent1">
+                <a:alpha val="30000"/>
+              </a:schemeClr>
+            </a:solidFill>
+            <a:ln>
+              <a:noFill/>
+            </a:ln>
+            <a:effectLst/>
+          </p:spPr>
+          <p:style>
+            <a:lnRef idx="1">
+              <a:schemeClr val="accent1"/>
+            </a:lnRef>
+            <a:fillRef idx="3">
+              <a:schemeClr val="accent1"/>
+            </a:fillRef>
+            <a:effectRef idx="2">
+              <a:schemeClr val="accent1"/>
+            </a:effectRef>
+            <a:fontRef idx="minor">
+              <a:schemeClr val="lt1"/>
+            </a:fontRef>
+          </p:style>
+        </p:sp>
+        <p:sp>
+          <p:nvSpPr>
+            <p:cNvPr id="23" name="Rectangle 25"/>
+            <p:cNvSpPr/>
+            <p:nvPr/>
+          </p:nvSpPr>
+          <p:spPr>
+            <a:xfrm>
+              <a:off x="9603442" y="-8467"/>
+              <a:ext cx="2588558" cy="6866467"/>
+            </a:xfrm>
+            <a:custGeom>
+              <a:avLst/>
+              <a:gdLst/>
+              <a:ahLst/>
+              <a:cxnLst/>
+              <a:rect l="l" t="t" r="r" b="b"/>
+              <a:pathLst>
+                <a:path w="2573311" h="6866467">
+                  <a:moveTo>
+                    <a:pt x="0" y="0"/>
+                  </a:moveTo>
+                  <a:lnTo>
+                    <a:pt x="2573311" y="0"/>
+                  </a:lnTo>
+                  <a:lnTo>
+                    <a:pt x="2573311" y="6866467"/>
+                  </a:lnTo>
+                  <a:lnTo>
+                    <a:pt x="1202336" y="6866467"/>
+                  </a:lnTo>
+                  <a:lnTo>
+                    <a:pt x="0" y="0"/>
+                  </a:lnTo>
+                  <a:close/>
+                </a:path>
+              </a:pathLst>
+            </a:custGeom>
+            <a:solidFill>
+              <a:schemeClr val="accent1">
+                <a:alpha val="20000"/>
+              </a:schemeClr>
+            </a:solidFill>
+            <a:ln>
+              <a:noFill/>
+            </a:ln>
+            <a:effectLst/>
+          </p:spPr>
+          <p:style>
+            <a:lnRef idx="1">
+              <a:schemeClr val="accent1"/>
+            </a:lnRef>
+            <a:fillRef idx="3">
+              <a:schemeClr val="accent1"/>
+            </a:fillRef>
+            <a:effectRef idx="2">
+              <a:schemeClr val="accent1"/>
+            </a:effectRef>
+            <a:fontRef idx="minor">
+              <a:schemeClr val="lt1"/>
+            </a:fontRef>
+          </p:style>
+        </p:sp>
+        <p:sp>
+          <p:nvSpPr>
+            <p:cNvPr id="24" name="Isosceles Triangle 23"/>
+            <p:cNvSpPr/>
+            <p:nvPr/>
+          </p:nvSpPr>
+          <p:spPr>
+            <a:xfrm>
+              <a:off x="8932333" y="3048000"/>
+              <a:ext cx="3259667" cy="3810000"/>
+            </a:xfrm>
+            <a:prstGeom prst="triangle">
+              <a:avLst>
+                <a:gd name="adj" fmla="val 100000"/>
+              </a:avLst>
+            </a:prstGeom>
+            <a:solidFill>
+              <a:schemeClr val="accent2">
+                <a:alpha val="72000"/>
+              </a:schemeClr>
+            </a:solidFill>
+            <a:ln>
+              <a:noFill/>
+            </a:ln>
+            <a:effectLst/>
+          </p:spPr>
+          <p:style>
+            <a:lnRef idx="1">
+              <a:schemeClr val="accent1"/>
+            </a:lnRef>
+            <a:fillRef idx="3">
+              <a:schemeClr val="accent1"/>
+            </a:fillRef>
+            <a:effectRef idx="2">
+              <a:schemeClr val="accent1"/>
+            </a:effectRef>
+            <a:fontRef idx="minor">
+              <a:schemeClr val="lt1"/>
+            </a:fontRef>
+          </p:style>
+        </p:sp>
+        <p:sp>
+          <p:nvSpPr>
+            <p:cNvPr id="25" name="Rectangle 27"/>
+            <p:cNvSpPr/>
+            <p:nvPr/>
+          </p:nvSpPr>
+          <p:spPr>
+            <a:xfrm>
+              <a:off x="9334500" y="-8467"/>
+              <a:ext cx="2854326" cy="6866467"/>
+            </a:xfrm>
+            <a:custGeom>
+              <a:avLst/>
+              <a:gdLst/>
+              <a:ahLst/>
+              <a:cxnLst/>
+              <a:rect l="l" t="t" r="r" b="b"/>
+              <a:pathLst>
+                <a:path w="2858013" h="6866467">
+                  <a:moveTo>
+                    <a:pt x="0" y="0"/>
+                  </a:moveTo>
+                  <a:lnTo>
+                    <a:pt x="2858013" y="0"/>
+                  </a:lnTo>
+                  <a:lnTo>
+                    <a:pt x="2858013" y="6866467"/>
+                  </a:lnTo>
+                  <a:lnTo>
+                    <a:pt x="2473942" y="6866467"/>
+                  </a:lnTo>
+                  <a:lnTo>
+                    <a:pt x="0" y="0"/>
+                  </a:lnTo>
+                  <a:close/>
+                </a:path>
+              </a:pathLst>
+            </a:custGeom>
+            <a:solidFill>
+              <a:schemeClr val="accent2">
+                <a:lumMod val="75000"/>
+                <a:alpha val="70000"/>
+              </a:schemeClr>
+            </a:solidFill>
+            <a:ln>
+              <a:noFill/>
+            </a:ln>
+            <a:effectLst/>
+          </p:spPr>
+          <p:style>
+            <a:lnRef idx="1">
+              <a:schemeClr val="accent1"/>
+            </a:lnRef>
+            <a:fillRef idx="3">
+              <a:schemeClr val="accent1"/>
+            </a:fillRef>
+            <a:effectRef idx="2">
+              <a:schemeClr val="accent1"/>
+            </a:effectRef>
+            <a:fontRef idx="minor">
+              <a:schemeClr val="lt1"/>
+            </a:fontRef>
+          </p:style>
+        </p:sp>
+        <p:sp>
+          <p:nvSpPr>
+            <p:cNvPr id="26" name="Rectangle 28"/>
+            <p:cNvSpPr/>
+            <p:nvPr/>
+          </p:nvSpPr>
+          <p:spPr>
+            <a:xfrm>
+              <a:off x="10898730" y="-8467"/>
+              <a:ext cx="1290094" cy="6866467"/>
+            </a:xfrm>
+            <a:custGeom>
+              <a:avLst/>
+              <a:gdLst/>
+              <a:ahLst/>
+              <a:cxnLst/>
+              <a:rect l="l" t="t" r="r" b="b"/>
+              <a:pathLst>
+                <a:path w="1290094" h="6858000">
+                  <a:moveTo>
+                    <a:pt x="1019735" y="0"/>
+                  </a:moveTo>
+                  <a:lnTo>
+                    <a:pt x="1290094" y="0"/>
+                  </a:lnTo>
+                  <a:lnTo>
+                    <a:pt x="1290094" y="6858000"/>
+                  </a:lnTo>
+                  <a:lnTo>
+                    <a:pt x="0" y="6858000"/>
+                  </a:lnTo>
+                  <a:lnTo>
+                    <a:pt x="1019735" y="0"/>
+                  </a:lnTo>
+                  <a:close/>
+                </a:path>
+              </a:pathLst>
+            </a:custGeom>
+            <a:solidFill>
+              <a:schemeClr val="accent1">
+                <a:lumMod val="60000"/>
+                <a:lumOff val="40000"/>
+                <a:alpha val="70000"/>
+              </a:schemeClr>
+            </a:solidFill>
+            <a:ln>
+              <a:noFill/>
+            </a:ln>
+            <a:effectLst/>
+          </p:spPr>
+          <p:style>
+            <a:lnRef idx="1">
+              <a:schemeClr val="accent1"/>
+            </a:lnRef>
+            <a:fillRef idx="3">
+              <a:schemeClr val="accent1"/>
+            </a:fillRef>
+            <a:effectRef idx="2">
+              <a:schemeClr val="accent1"/>
+            </a:effectRef>
+            <a:fontRef idx="minor">
+              <a:schemeClr val="lt1"/>
+            </a:fontRef>
+          </p:style>
+        </p:sp>
+        <p:sp>
+          <p:nvSpPr>
+            <p:cNvPr id="27" name="Rectangle 29"/>
+            <p:cNvSpPr/>
+            <p:nvPr/>
+          </p:nvSpPr>
+          <p:spPr>
+            <a:xfrm>
+              <a:off x="10938999" y="-8467"/>
+              <a:ext cx="1249825" cy="6866467"/>
+            </a:xfrm>
+            <a:custGeom>
+              <a:avLst/>
+              <a:gdLst/>
+              <a:ahLst/>
+              <a:cxnLst/>
+              <a:rect l="l" t="t" r="r" b="b"/>
+              <a:pathLst>
+                <a:path w="1249825" h="6858000">
+                  <a:moveTo>
+                    <a:pt x="0" y="0"/>
+                  </a:moveTo>
+                  <a:lnTo>
+                    <a:pt x="1249825" y="0"/>
+                  </a:lnTo>
+                  <a:lnTo>
+                    <a:pt x="1249825" y="6858000"/>
+                  </a:lnTo>
+                  <a:lnTo>
+                    <a:pt x="1109382" y="6858000"/>
+                  </a:lnTo>
+                  <a:lnTo>
+                    <a:pt x="0" y="0"/>
+                  </a:lnTo>
+                  <a:close/>
+                </a:path>
+              </a:pathLst>
+            </a:custGeom>
+            <a:solidFill>
+              <a:schemeClr val="accent1">
+                <a:alpha val="65000"/>
+              </a:schemeClr>
+            </a:solidFill>
+            <a:ln>
+              <a:noFill/>
+            </a:ln>
+            <a:effectLst/>
+          </p:spPr>
+          <p:style>
+            <a:lnRef idx="1">
+              <a:schemeClr val="accent1"/>
+            </a:lnRef>
+            <a:fillRef idx="3">
+              <a:schemeClr val="accent1"/>
+            </a:fillRef>
+            <a:effectRef idx="2">
+              <a:schemeClr val="accent1"/>
+            </a:effectRef>
+            <a:fontRef idx="minor">
+              <a:schemeClr val="lt1"/>
+            </a:fontRef>
+          </p:style>
+        </p:sp>
+        <p:sp>
+          <p:nvSpPr>
+            <p:cNvPr id="28" name="Isosceles Triangle 27"/>
+            <p:cNvSpPr/>
+            <p:nvPr/>
+          </p:nvSpPr>
+          <p:spPr>
+            <a:xfrm>
+              <a:off x="10371666" y="3589867"/>
+              <a:ext cx="1817159" cy="3268133"/>
+            </a:xfrm>
+            <a:prstGeom prst="triangle">
+              <a:avLst>
+                <a:gd name="adj" fmla="val 100000"/>
+              </a:avLst>
+            </a:prstGeom>
+            <a:solidFill>
+              <a:schemeClr val="accent1">
+                <a:alpha val="80000"/>
+              </a:schemeClr>
+            </a:solidFill>
+            <a:ln>
+              <a:noFill/>
+            </a:ln>
+            <a:effectLst/>
+          </p:spPr>
+          <p:style>
+            <a:lnRef idx="1">
+              <a:schemeClr val="accent1"/>
+            </a:lnRef>
+            <a:fillRef idx="3">
+              <a:schemeClr val="accent1"/>
+            </a:fillRef>
+            <a:effectRef idx="2">
+              <a:schemeClr val="accent1"/>
+            </a:effectRef>
+            <a:fontRef idx="minor">
+              <a:schemeClr val="lt1"/>
+            </a:fontRef>
+          </p:style>
+        </p:sp>
+        <p:sp>
+          <p:nvSpPr>
+            <p:cNvPr id="29" name="Isosceles Triangle 28"/>
+            <p:cNvSpPr/>
+            <p:nvPr/>
+          </p:nvSpPr>
+          <p:spPr>
+            <a:xfrm>
+              <a:off x="0" y="4013200"/>
+              <a:ext cx="448733" cy="2844800"/>
+            </a:xfrm>
+            <a:prstGeom prst="triangle">
+              <a:avLst>
+                <a:gd name="adj" fmla="val 0"/>
+              </a:avLst>
+            </a:prstGeom>
+            <a:solidFill>
+              <a:schemeClr val="accent1">
+                <a:alpha val="85000"/>
+              </a:schemeClr>
+            </a:solidFill>
+            <a:ln>
+              <a:noFill/>
+            </a:ln>
+            <a:effectLst/>
+          </p:spPr>
+          <p:style>
+            <a:lnRef idx="1">
+              <a:schemeClr val="accent1"/>
+            </a:lnRef>
+            <a:fillRef idx="3">
+              <a:schemeClr val="accent1"/>
+            </a:fillRef>
+            <a:effectRef idx="2">
+              <a:schemeClr val="accent1"/>
+            </a:effectRef>
+            <a:fontRef idx="minor">
+              <a:schemeClr val="lt1"/>
+            </a:fontRef>
+          </p:style>
+        </p:sp>
+      </p:grpSp>
+      <p:sp>
+        <p:nvSpPr>
+          <p:cNvPr id="2" name="Title Placeholder 1"/>
           <p:cNvSpPr>
             <a:spLocks noGrp="1"/>
           </p:cNvSpPr>
@@ -2800,15 +5182,15 @@
         </p:nvSpPr>
         <p:spPr>
           <a:xfrm>
-            <a:off x="838200" y="365125"/>
-            <a:ext cx="10515600" cy="1325563"/>
+            <a:off x="677334" y="609600"/>
+            <a:ext cx="8596668" cy="1320800"/>
           </a:xfrm>
           <a:prstGeom prst="rect">
             <a:avLst/>
           </a:prstGeom>
         </p:spPr>
         <p:txBody>
-          <a:bodyPr vert="horz" lIns="91440" tIns="45720" rIns="91440" bIns="45720" rtlCol="0" anchor="ctr">
+          <a:bodyPr vert="horz" lIns="91440" tIns="45720" rIns="91440" bIns="45720" rtlCol="0" anchor="t">
             <a:normAutofit/>
           </a:bodyPr>
           <a:lstStyle/>
@@ -2817,19 +5199,13 @@
               <a:rPr lang="es-ES"/>
               <a:t>Haga clic para modificar el estilo de título del patrón</a:t>
             </a:r>
-            <a:endParaRPr lang="es-CO"/>
-          </a:p>
-        </p:txBody>
-      </p:sp>
-      <p:sp>
-        <p:nvSpPr>
-          <p:cNvPr id="3" name="Marcador de texto 2">
-            <a:extLst>
-              <a:ext uri="{FF2B5EF4-FFF2-40B4-BE49-F238E27FC236}">
-                <a16:creationId xmlns:a16="http://schemas.microsoft.com/office/drawing/2014/main" xmlns="" id="{34D02D9B-DD0D-4BB3-8635-FB16830C0EB8}"/>
-              </a:ext>
-            </a:extLst>
-          </p:cNvPr>
+            <a:endParaRPr lang="en-US" dirty="0"/>
+          </a:p>
+        </p:txBody>
+      </p:sp>
+      <p:sp>
+        <p:nvSpPr>
+          <p:cNvPr id="3" name="Text Placeholder 2"/>
           <p:cNvSpPr>
             <a:spLocks noGrp="1"/>
           </p:cNvSpPr>
@@ -2839,8 +5215,8 @@
         </p:nvSpPr>
         <p:spPr>
           <a:xfrm>
-            <a:off x="838200" y="1825625"/>
-            <a:ext cx="10515600" cy="4351338"/>
+            <a:off x="677334" y="2160589"/>
+            <a:ext cx="8596668" cy="3880773"/>
           </a:xfrm>
           <a:prstGeom prst="rect">
             <a:avLst/>
@@ -2885,19 +5261,13 @@
               <a:rPr lang="es-ES"/>
               <a:t>Quinto nivel</a:t>
             </a:r>
-            <a:endParaRPr lang="es-CO"/>
-          </a:p>
-        </p:txBody>
-      </p:sp>
-      <p:sp>
-        <p:nvSpPr>
-          <p:cNvPr id="4" name="Marcador de fecha 3">
-            <a:extLst>
-              <a:ext uri="{FF2B5EF4-FFF2-40B4-BE49-F238E27FC236}">
-                <a16:creationId xmlns:a16="http://schemas.microsoft.com/office/drawing/2014/main" xmlns="" id="{6F40E3E5-FD70-44C8-B294-BD29ABD7CFDC}"/>
-              </a:ext>
-            </a:extLst>
-          </p:cNvPr>
+            <a:endParaRPr lang="en-US" dirty="0"/>
+          </a:p>
+        </p:txBody>
+      </p:sp>
+      <p:sp>
+        <p:nvSpPr>
+          <p:cNvPr id="4" name="Date Placeholder 3"/>
           <p:cNvSpPr>
             <a:spLocks noGrp="1"/>
           </p:cNvSpPr>
@@ -2907,8 +5277,8 @@
         </p:nvSpPr>
         <p:spPr>
           <a:xfrm>
-            <a:off x="838200" y="6356350"/>
-            <a:ext cx="2743200" cy="365125"/>
+            <a:off x="7205133" y="6041362"/>
+            <a:ext cx="911939" cy="365125"/>
           </a:xfrm>
           <a:prstGeom prst="rect">
             <a:avLst/>
@@ -2917,8 +5287,8 @@
         <p:txBody>
           <a:bodyPr vert="horz" lIns="91440" tIns="45720" rIns="91440" bIns="45720" rtlCol="0" anchor="ctr"/>
           <a:lstStyle>
-            <a:lvl1pPr algn="l">
-              <a:defRPr sz="1200">
+            <a:lvl1pPr algn="r">
+              <a:defRPr sz="900">
                 <a:solidFill>
                   <a:schemeClr val="tx1">
                     <a:tint val="75000"/>
@@ -2928,9 +5298,9 @@
             </a:lvl1pPr>
           </a:lstStyle>
           <a:p>
-            <a:fld id="{6F8A0493-4482-4737-8E4C-65278325584E}" type="datetimeFigureOut">
+            <a:fld id="{3AF09AD3-0FCB-4A6E-BFB8-A61FFAB00668}" type="datetimeFigureOut">
               <a:rPr lang="es-CO" smtClean="0"/>
-              <a:t>13/06/2025</a:t>
+              <a:t>6/06/2025</a:t>
             </a:fld>
             <a:endParaRPr lang="es-CO"/>
           </a:p>
@@ -2938,13 +5308,7 @@
       </p:sp>
       <p:sp>
         <p:nvSpPr>
-          <p:cNvPr id="5" name="Marcador de pie de página 4">
-            <a:extLst>
-              <a:ext uri="{FF2B5EF4-FFF2-40B4-BE49-F238E27FC236}">
-                <a16:creationId xmlns:a16="http://schemas.microsoft.com/office/drawing/2014/main" xmlns="" id="{66FFAB5E-75B1-4542-BFF0-623D7327319B}"/>
-              </a:ext>
-            </a:extLst>
-          </p:cNvPr>
+          <p:cNvPr id="5" name="Footer Placeholder 4"/>
           <p:cNvSpPr>
             <a:spLocks noGrp="1"/>
           </p:cNvSpPr>
@@ -2954,8 +5318,8 @@
         </p:nvSpPr>
         <p:spPr>
           <a:xfrm>
-            <a:off x="4038600" y="6356350"/>
-            <a:ext cx="4114800" cy="365125"/>
+            <a:off x="677334" y="6041362"/>
+            <a:ext cx="6297612" cy="365125"/>
           </a:xfrm>
           <a:prstGeom prst="rect">
             <a:avLst/>
@@ -2964,8 +5328,8 @@
         <p:txBody>
           <a:bodyPr vert="horz" lIns="91440" tIns="45720" rIns="91440" bIns="45720" rtlCol="0" anchor="ctr"/>
           <a:lstStyle>
-            <a:lvl1pPr algn="ctr">
-              <a:defRPr sz="1200">
+            <a:lvl1pPr algn="l">
+              <a:defRPr sz="900">
                 <a:solidFill>
                   <a:schemeClr val="tx1">
                     <a:tint val="75000"/>
@@ -2981,13 +5345,7 @@
       </p:sp>
       <p:sp>
         <p:nvSpPr>
-          <p:cNvPr id="6" name="Marcador de número de diapositiva 5">
-            <a:extLst>
-              <a:ext uri="{FF2B5EF4-FFF2-40B4-BE49-F238E27FC236}">
-                <a16:creationId xmlns:a16="http://schemas.microsoft.com/office/drawing/2014/main" xmlns="" id="{2BDBAF9B-8F9A-4866-970E-C1A4FE713252}"/>
-              </a:ext>
-            </a:extLst>
-          </p:cNvPr>
+          <p:cNvPr id="6" name="Slide Number Placeholder 5"/>
           <p:cNvSpPr>
             <a:spLocks noGrp="1"/>
           </p:cNvSpPr>
@@ -2997,8 +5355,8 @@
         </p:nvSpPr>
         <p:spPr>
           <a:xfrm>
-            <a:off x="8610600" y="6356350"/>
-            <a:ext cx="2743200" cy="365125"/>
+            <a:off x="8590663" y="6041362"/>
+            <a:ext cx="683339" cy="365125"/>
           </a:xfrm>
           <a:prstGeom prst="rect">
             <a:avLst/>
@@ -3008,17 +5366,15 @@
           <a:bodyPr vert="horz" lIns="91440" tIns="45720" rIns="91440" bIns="45720" rtlCol="0" anchor="ctr"/>
           <a:lstStyle>
             <a:lvl1pPr algn="r">
-              <a:defRPr sz="1200">
-                <a:solidFill>
-                  <a:schemeClr val="tx1">
-                    <a:tint val="75000"/>
-                  </a:schemeClr>
+              <a:defRPr sz="900">
+                <a:solidFill>
+                  <a:schemeClr val="accent1"/>
                 </a:solidFill>
               </a:defRPr>
             </a:lvl1pPr>
           </a:lstStyle>
           <a:p>
-            <a:fld id="{A1C4D09C-EC7D-4013-98F1-2B31AD99CF79}" type="slidenum">
+            <a:fld id="{9BB62278-9245-4FFB-950E-7F260EC66553}" type="slidenum">
               <a:rPr lang="es-CO" smtClean="0"/>
               <a:t>‹Nº›</a:t>
             </a:fld>
@@ -3029,55 +5385,335 @@
     </p:spTree>
     <p:extLst>
       <p:ext uri="{BB962C8B-B14F-4D97-AF65-F5344CB8AC3E}">
-        <p14:creationId xmlns:p14="http://schemas.microsoft.com/office/powerpoint/2010/main" val="4048090965"/>
+        <p14:creationId xmlns:p14="http://schemas.microsoft.com/office/powerpoint/2010/main" val="1125752501"/>
       </p:ext>
     </p:extLst>
   </p:cSld>
   <p:clrMap bg1="lt1" tx1="dk1" bg2="lt2" tx2="dk2" accent1="accent1" accent2="accent2" accent3="accent3" accent4="accent4" accent5="accent5" accent6="accent6" hlink="hlink" folHlink="folHlink"/>
   <p:sldLayoutIdLst>
-    <p:sldLayoutId id="2147483649" r:id="rId1"/>
-    <p:sldLayoutId id="2147483650" r:id="rId2"/>
-    <p:sldLayoutId id="2147483651" r:id="rId3"/>
-    <p:sldLayoutId id="2147483652" r:id="rId4"/>
-    <p:sldLayoutId id="2147483653" r:id="rId5"/>
-    <p:sldLayoutId id="2147483654" r:id="rId6"/>
-    <p:sldLayoutId id="2147483655" r:id="rId7"/>
-    <p:sldLayoutId id="2147483656" r:id="rId8"/>
-    <p:sldLayoutId id="2147483657" r:id="rId9"/>
-    <p:sldLayoutId id="2147483658" r:id="rId10"/>
-    <p:sldLayoutId id="2147483659" r:id="rId11"/>
+    <p:sldLayoutId id="2147483715" r:id="rId1"/>
+    <p:sldLayoutId id="2147483716" r:id="rId2"/>
+    <p:sldLayoutId id="2147483717" r:id="rId3"/>
+    <p:sldLayoutId id="2147483718" r:id="rId4"/>
+    <p:sldLayoutId id="2147483719" r:id="rId5"/>
+    <p:sldLayoutId id="2147483720" r:id="rId6"/>
+    <p:sldLayoutId id="2147483721" r:id="rId7"/>
+    <p:sldLayoutId id="2147483722" r:id="rId8"/>
+    <p:sldLayoutId id="2147483723" r:id="rId9"/>
+    <p:sldLayoutId id="2147483724" r:id="rId10"/>
+    <p:sldLayoutId id="2147483725" r:id="rId11"/>
+    <p:sldLayoutId id="2147483726" r:id="rId12"/>
+    <p:sldLayoutId id="2147483727" r:id="rId13"/>
+    <p:sldLayoutId id="2147483728" r:id="rId14"/>
+    <p:sldLayoutId id="2147483729" r:id="rId15"/>
+    <p:sldLayoutId id="2147483730" r:id="rId16"/>
   </p:sldLayoutIdLst>
   <p:txStyles>
     <p:titleStyle>
-      <a:lvl1pPr algn="l" defTabSz="914400" rtl="0" eaLnBrk="1" latinLnBrk="0" hangingPunct="1">
-        <a:lnSpc>
-          <a:spcPct val="90000"/>
-        </a:lnSpc>
+      <a:lvl1pPr algn="l" defTabSz="457200" rtl="0" eaLnBrk="1" latinLnBrk="0" hangingPunct="1">
         <a:spcBef>
           <a:spcPct val="0"/>
         </a:spcBef>
         <a:buNone/>
-        <a:defRPr sz="4400" kern="1200">
+        <a:defRPr sz="3600" kern="1200">
           <a:solidFill>
-            <a:schemeClr val="tx1"/>
+            <a:schemeClr val="accent1"/>
           </a:solidFill>
           <a:latin typeface="+mj-lt"/>
           <a:ea typeface="+mj-ea"/>
           <a:cs typeface="+mj-cs"/>
         </a:defRPr>
       </a:lvl1pPr>
+      <a:lvl2pPr eaLnBrk="1" hangingPunct="1">
+        <a:defRPr>
+          <a:solidFill>
+            <a:schemeClr val="tx2"/>
+          </a:solidFill>
+        </a:defRPr>
+      </a:lvl2pPr>
+      <a:lvl3pPr eaLnBrk="1" hangingPunct="1">
+        <a:defRPr>
+          <a:solidFill>
+            <a:schemeClr val="tx2"/>
+          </a:solidFill>
+        </a:defRPr>
+      </a:lvl3pPr>
+      <a:lvl4pPr eaLnBrk="1" hangingPunct="1">
+        <a:defRPr>
+          <a:solidFill>
+            <a:schemeClr val="tx2"/>
+          </a:solidFill>
+        </a:defRPr>
+      </a:lvl4pPr>
+      <a:lvl5pPr eaLnBrk="1" hangingPunct="1">
+        <a:defRPr>
+          <a:solidFill>
+            <a:schemeClr val="tx2"/>
+          </a:solidFill>
+        </a:defRPr>
+      </a:lvl5pPr>
+      <a:lvl6pPr eaLnBrk="1" hangingPunct="1">
+        <a:defRPr>
+          <a:solidFill>
+            <a:schemeClr val="tx2"/>
+          </a:solidFill>
+        </a:defRPr>
+      </a:lvl6pPr>
+      <a:lvl7pPr eaLnBrk="1" hangingPunct="1">
+        <a:defRPr>
+          <a:solidFill>
+            <a:schemeClr val="tx2"/>
+          </a:solidFill>
+        </a:defRPr>
+      </a:lvl7pPr>
+      <a:lvl8pPr eaLnBrk="1" hangingPunct="1">
+        <a:defRPr>
+          <a:solidFill>
+            <a:schemeClr val="tx2"/>
+          </a:solidFill>
+        </a:defRPr>
+      </a:lvl8pPr>
+      <a:lvl9pPr eaLnBrk="1" hangingPunct="1">
+        <a:defRPr>
+          <a:solidFill>
+            <a:schemeClr val="tx2"/>
+          </a:solidFill>
+        </a:defRPr>
+      </a:lvl9pPr>
     </p:titleStyle>
     <p:bodyStyle>
-      <a:lvl1pPr marL="228600" indent="-228600" algn="l" defTabSz="914400" rtl="0" eaLnBrk="1" latinLnBrk="0" hangingPunct="1">
-        <a:lnSpc>
-          <a:spcPct val="90000"/>
-        </a:lnSpc>
+      <a:lvl1pPr marL="342900" indent="-342900" algn="l" defTabSz="457200" rtl="0" eaLnBrk="1" latinLnBrk="0" hangingPunct="1">
         <a:spcBef>
           <a:spcPts val="1000"/>
         </a:spcBef>
-        <a:buFont typeface="Arial" panose="020B0604020202020204" pitchFamily="34" charset="0"/>
-        <a:buChar char="•"/>
-        <a:defRPr sz="2800" kern="1200">
+        <a:spcAft>
+          <a:spcPts val="0"/>
+        </a:spcAft>
+        <a:buClr>
+          <a:schemeClr val="accent1"/>
+        </a:buClr>
+        <a:buSzPct val="80000"/>
+        <a:buFont typeface="Wingdings 3" charset="2"/>
+        <a:buChar char=""/>
+        <a:defRPr sz="1800" kern="1200">
+          <a:solidFill>
+            <a:schemeClr val="tx1">
+              <a:lumMod val="75000"/>
+              <a:lumOff val="25000"/>
+            </a:schemeClr>
+          </a:solidFill>
+          <a:latin typeface="+mn-lt"/>
+          <a:ea typeface="+mn-ea"/>
+          <a:cs typeface="+mn-cs"/>
+        </a:defRPr>
+      </a:lvl1pPr>
+      <a:lvl2pPr marL="742950" indent="-285750" algn="l" defTabSz="457200" rtl="0" eaLnBrk="1" latinLnBrk="0" hangingPunct="1">
+        <a:spcBef>
+          <a:spcPts val="1000"/>
+        </a:spcBef>
+        <a:spcAft>
+          <a:spcPts val="0"/>
+        </a:spcAft>
+        <a:buClr>
+          <a:schemeClr val="accent1"/>
+        </a:buClr>
+        <a:buSzPct val="80000"/>
+        <a:buFont typeface="Wingdings 3" charset="2"/>
+        <a:buChar char=""/>
+        <a:defRPr sz="1600" kern="1200">
+          <a:solidFill>
+            <a:schemeClr val="tx1">
+              <a:lumMod val="75000"/>
+              <a:lumOff val="25000"/>
+            </a:schemeClr>
+          </a:solidFill>
+          <a:latin typeface="+mn-lt"/>
+          <a:ea typeface="+mn-ea"/>
+          <a:cs typeface="+mn-cs"/>
+        </a:defRPr>
+      </a:lvl2pPr>
+      <a:lvl3pPr marL="1143000" indent="-228600" algn="l" defTabSz="457200" rtl="0" eaLnBrk="1" latinLnBrk="0" hangingPunct="1">
+        <a:spcBef>
+          <a:spcPts val="1000"/>
+        </a:spcBef>
+        <a:spcAft>
+          <a:spcPts val="0"/>
+        </a:spcAft>
+        <a:buClr>
+          <a:schemeClr val="accent1"/>
+        </a:buClr>
+        <a:buSzPct val="80000"/>
+        <a:buFont typeface="Wingdings 3" charset="2"/>
+        <a:buChar char=""/>
+        <a:defRPr sz="1400" kern="1200">
+          <a:solidFill>
+            <a:schemeClr val="tx1">
+              <a:lumMod val="75000"/>
+              <a:lumOff val="25000"/>
+            </a:schemeClr>
+          </a:solidFill>
+          <a:latin typeface="+mn-lt"/>
+          <a:ea typeface="+mn-ea"/>
+          <a:cs typeface="+mn-cs"/>
+        </a:defRPr>
+      </a:lvl3pPr>
+      <a:lvl4pPr marL="1600200" indent="-228600" algn="l" defTabSz="457200" rtl="0" eaLnBrk="1" latinLnBrk="0" hangingPunct="1">
+        <a:spcBef>
+          <a:spcPts val="1000"/>
+        </a:spcBef>
+        <a:spcAft>
+          <a:spcPts val="0"/>
+        </a:spcAft>
+        <a:buClr>
+          <a:schemeClr val="accent1"/>
+        </a:buClr>
+        <a:buSzPct val="80000"/>
+        <a:buFont typeface="Wingdings 3" charset="2"/>
+        <a:buChar char=""/>
+        <a:defRPr sz="1200" kern="1200">
+          <a:solidFill>
+            <a:schemeClr val="tx1">
+              <a:lumMod val="75000"/>
+              <a:lumOff val="25000"/>
+            </a:schemeClr>
+          </a:solidFill>
+          <a:latin typeface="+mn-lt"/>
+          <a:ea typeface="+mn-ea"/>
+          <a:cs typeface="+mn-cs"/>
+        </a:defRPr>
+      </a:lvl4pPr>
+      <a:lvl5pPr marL="2057400" indent="-228600" algn="l" defTabSz="457200" rtl="0" eaLnBrk="1" latinLnBrk="0" hangingPunct="1">
+        <a:spcBef>
+          <a:spcPts val="1000"/>
+        </a:spcBef>
+        <a:spcAft>
+          <a:spcPts val="0"/>
+        </a:spcAft>
+        <a:buClr>
+          <a:schemeClr val="accent1"/>
+        </a:buClr>
+        <a:buSzPct val="80000"/>
+        <a:buFont typeface="Wingdings 3" charset="2"/>
+        <a:buChar char=""/>
+        <a:defRPr sz="1200" kern="1200">
+          <a:solidFill>
+            <a:schemeClr val="tx1">
+              <a:lumMod val="75000"/>
+              <a:lumOff val="25000"/>
+            </a:schemeClr>
+          </a:solidFill>
+          <a:latin typeface="+mn-lt"/>
+          <a:ea typeface="+mn-ea"/>
+          <a:cs typeface="+mn-cs"/>
+        </a:defRPr>
+      </a:lvl5pPr>
+      <a:lvl6pPr marL="2514600" indent="-228600" algn="l" defTabSz="457200" rtl="0" eaLnBrk="1" latinLnBrk="0" hangingPunct="1">
+        <a:spcBef>
+          <a:spcPts val="1000"/>
+        </a:spcBef>
+        <a:spcAft>
+          <a:spcPts val="0"/>
+        </a:spcAft>
+        <a:buClr>
+          <a:schemeClr val="accent1"/>
+        </a:buClr>
+        <a:buSzPct val="80000"/>
+        <a:buFont typeface="Wingdings 3" charset="2"/>
+        <a:buChar char=""/>
+        <a:defRPr sz="1200" kern="1200">
+          <a:solidFill>
+            <a:schemeClr val="tx1">
+              <a:lumMod val="75000"/>
+              <a:lumOff val="25000"/>
+            </a:schemeClr>
+          </a:solidFill>
+          <a:latin typeface="+mn-lt"/>
+          <a:ea typeface="+mn-ea"/>
+          <a:cs typeface="+mn-cs"/>
+        </a:defRPr>
+      </a:lvl6pPr>
+      <a:lvl7pPr marL="2971800" indent="-228600" algn="l" defTabSz="457200" rtl="0" eaLnBrk="1" latinLnBrk="0" hangingPunct="1">
+        <a:spcBef>
+          <a:spcPts val="1000"/>
+        </a:spcBef>
+        <a:spcAft>
+          <a:spcPts val="0"/>
+        </a:spcAft>
+        <a:buClr>
+          <a:schemeClr val="accent1"/>
+        </a:buClr>
+        <a:buSzPct val="80000"/>
+        <a:buFont typeface="Wingdings 3" charset="2"/>
+        <a:buChar char=""/>
+        <a:defRPr sz="1200" kern="1200">
+          <a:solidFill>
+            <a:schemeClr val="tx1">
+              <a:lumMod val="75000"/>
+              <a:lumOff val="25000"/>
+            </a:schemeClr>
+          </a:solidFill>
+          <a:latin typeface="+mn-lt"/>
+          <a:ea typeface="+mn-ea"/>
+          <a:cs typeface="+mn-cs"/>
+        </a:defRPr>
+      </a:lvl7pPr>
+      <a:lvl8pPr marL="3429000" indent="-228600" algn="l" defTabSz="457200" rtl="0" eaLnBrk="1" latinLnBrk="0" hangingPunct="1">
+        <a:spcBef>
+          <a:spcPts val="1000"/>
+        </a:spcBef>
+        <a:spcAft>
+          <a:spcPts val="0"/>
+        </a:spcAft>
+        <a:buClr>
+          <a:schemeClr val="accent1"/>
+        </a:buClr>
+        <a:buSzPct val="80000"/>
+        <a:buFont typeface="Wingdings 3" charset="2"/>
+        <a:buChar char=""/>
+        <a:defRPr sz="1200" kern="1200">
+          <a:solidFill>
+            <a:schemeClr val="tx1">
+              <a:lumMod val="75000"/>
+              <a:lumOff val="25000"/>
+            </a:schemeClr>
+          </a:solidFill>
+          <a:latin typeface="+mn-lt"/>
+          <a:ea typeface="+mn-ea"/>
+          <a:cs typeface="+mn-cs"/>
+        </a:defRPr>
+      </a:lvl8pPr>
+      <a:lvl9pPr marL="3886200" indent="-228600" algn="l" defTabSz="457200" rtl="0" eaLnBrk="1" latinLnBrk="0" hangingPunct="1">
+        <a:spcBef>
+          <a:spcPts val="1000"/>
+        </a:spcBef>
+        <a:spcAft>
+          <a:spcPts val="0"/>
+        </a:spcAft>
+        <a:buClr>
+          <a:schemeClr val="accent1"/>
+        </a:buClr>
+        <a:buSzPct val="80000"/>
+        <a:buFont typeface="Wingdings 3" charset="2"/>
+        <a:buChar char=""/>
+        <a:defRPr sz="1200" kern="1200">
+          <a:solidFill>
+            <a:schemeClr val="tx1">
+              <a:lumMod val="75000"/>
+              <a:lumOff val="25000"/>
+            </a:schemeClr>
+          </a:solidFill>
+          <a:latin typeface="+mn-lt"/>
+          <a:ea typeface="+mn-ea"/>
+          <a:cs typeface="+mn-cs"/>
+        </a:defRPr>
+      </a:lvl9pPr>
+    </p:bodyStyle>
+    <p:otherStyle>
+      <a:defPPr>
+        <a:defRPr lang="en-US"/>
+      </a:defPPr>
+      <a:lvl1pPr marL="0" algn="l" defTabSz="457200" rtl="0" eaLnBrk="1" latinLnBrk="0" hangingPunct="1">
+        <a:defRPr sz="1800" kern="1200">
           <a:solidFill>
             <a:schemeClr val="tx1"/>
           </a:solidFill>
@@ -3086,16 +5722,8 @@
           <a:cs typeface="+mn-cs"/>
         </a:defRPr>
       </a:lvl1pPr>
-      <a:lvl2pPr marL="685800" indent="-228600" algn="l" defTabSz="914400" rtl="0" eaLnBrk="1" latinLnBrk="0" hangingPunct="1">
-        <a:lnSpc>
-          <a:spcPct val="90000"/>
-        </a:lnSpc>
-        <a:spcBef>
-          <a:spcPts val="500"/>
-        </a:spcBef>
-        <a:buFont typeface="Arial" panose="020B0604020202020204" pitchFamily="34" charset="0"/>
-        <a:buChar char="•"/>
-        <a:defRPr sz="2400" kern="1200">
+      <a:lvl2pPr marL="457200" algn="l" defTabSz="457200" rtl="0" eaLnBrk="1" latinLnBrk="0" hangingPunct="1">
+        <a:defRPr sz="1800" kern="1200">
           <a:solidFill>
             <a:schemeClr val="tx1"/>
           </a:solidFill>
@@ -3104,16 +5732,8 @@
           <a:cs typeface="+mn-cs"/>
         </a:defRPr>
       </a:lvl2pPr>
-      <a:lvl3pPr marL="1143000" indent="-228600" algn="l" defTabSz="914400" rtl="0" eaLnBrk="1" latinLnBrk="0" hangingPunct="1">
-        <a:lnSpc>
-          <a:spcPct val="90000"/>
-        </a:lnSpc>
-        <a:spcBef>
-          <a:spcPts val="500"/>
-        </a:spcBef>
-        <a:buFont typeface="Arial" panose="020B0604020202020204" pitchFamily="34" charset="0"/>
-        <a:buChar char="•"/>
-        <a:defRPr sz="2000" kern="1200">
+      <a:lvl3pPr marL="914400" algn="l" defTabSz="457200" rtl="0" eaLnBrk="1" latinLnBrk="0" hangingPunct="1">
+        <a:defRPr sz="1800" kern="1200">
           <a:solidFill>
             <a:schemeClr val="tx1"/>
           </a:solidFill>
@@ -3122,15 +5742,7 @@
           <a:cs typeface="+mn-cs"/>
         </a:defRPr>
       </a:lvl3pPr>
-      <a:lvl4pPr marL="1600200" indent="-228600" algn="l" defTabSz="914400" rtl="0" eaLnBrk="1" latinLnBrk="0" hangingPunct="1">
-        <a:lnSpc>
-          <a:spcPct val="90000"/>
-        </a:lnSpc>
-        <a:spcBef>
-          <a:spcPts val="500"/>
-        </a:spcBef>
-        <a:buFont typeface="Arial" panose="020B0604020202020204" pitchFamily="34" charset="0"/>
-        <a:buChar char="•"/>
+      <a:lvl4pPr marL="1371600" algn="l" defTabSz="457200" rtl="0" eaLnBrk="1" latinLnBrk="0" hangingPunct="1">
         <a:defRPr sz="1800" kern="1200">
           <a:solidFill>
             <a:schemeClr val="tx1"/>
@@ -3140,15 +5752,7 @@
           <a:cs typeface="+mn-cs"/>
         </a:defRPr>
       </a:lvl4pPr>
-      <a:lvl5pPr marL="2057400" indent="-228600" algn="l" defTabSz="914400" rtl="0" eaLnBrk="1" latinLnBrk="0" hangingPunct="1">
-        <a:lnSpc>
-          <a:spcPct val="90000"/>
-        </a:lnSpc>
-        <a:spcBef>
-          <a:spcPts val="500"/>
-        </a:spcBef>
-        <a:buFont typeface="Arial" panose="020B0604020202020204" pitchFamily="34" charset="0"/>
-        <a:buChar char="•"/>
+      <a:lvl5pPr marL="1828800" algn="l" defTabSz="457200" rtl="0" eaLnBrk="1" latinLnBrk="0" hangingPunct="1">
         <a:defRPr sz="1800" kern="1200">
           <a:solidFill>
             <a:schemeClr val="tx1"/>
@@ -3158,15 +5762,7 @@
           <a:cs typeface="+mn-cs"/>
         </a:defRPr>
       </a:lvl5pPr>
-      <a:lvl6pPr marL="2514600" indent="-228600" algn="l" defTabSz="914400" rtl="0" eaLnBrk="1" latinLnBrk="0" hangingPunct="1">
-        <a:lnSpc>
-          <a:spcPct val="90000"/>
-        </a:lnSpc>
-        <a:spcBef>
-          <a:spcPts val="500"/>
-        </a:spcBef>
-        <a:buFont typeface="Arial" panose="020B0604020202020204" pitchFamily="34" charset="0"/>
-        <a:buChar char="•"/>
+      <a:lvl6pPr marL="2286000" algn="l" defTabSz="457200" rtl="0" eaLnBrk="1" latinLnBrk="0" hangingPunct="1">
         <a:defRPr sz="1800" kern="1200">
           <a:solidFill>
             <a:schemeClr val="tx1"/>
@@ -3176,15 +5772,7 @@
           <a:cs typeface="+mn-cs"/>
         </a:defRPr>
       </a:lvl6pPr>
-      <a:lvl7pPr marL="2971800" indent="-228600" algn="l" defTabSz="914400" rtl="0" eaLnBrk="1" latinLnBrk="0" hangingPunct="1">
-        <a:lnSpc>
-          <a:spcPct val="90000"/>
-        </a:lnSpc>
-        <a:spcBef>
-          <a:spcPts val="500"/>
-        </a:spcBef>
-        <a:buFont typeface="Arial" panose="020B0604020202020204" pitchFamily="34" charset="0"/>
-        <a:buChar char="•"/>
+      <a:lvl7pPr marL="2743200" algn="l" defTabSz="457200" rtl="0" eaLnBrk="1" latinLnBrk="0" hangingPunct="1">
         <a:defRPr sz="1800" kern="1200">
           <a:solidFill>
             <a:schemeClr val="tx1"/>
@@ -3194,15 +5782,7 @@
           <a:cs typeface="+mn-cs"/>
         </a:defRPr>
       </a:lvl7pPr>
-      <a:lvl8pPr marL="3429000" indent="-228600" algn="l" defTabSz="914400" rtl="0" eaLnBrk="1" latinLnBrk="0" hangingPunct="1">
-        <a:lnSpc>
-          <a:spcPct val="90000"/>
-        </a:lnSpc>
-        <a:spcBef>
-          <a:spcPts val="500"/>
-        </a:spcBef>
-        <a:buFont typeface="Arial" panose="020B0604020202020204" pitchFamily="34" charset="0"/>
-        <a:buChar char="•"/>
+      <a:lvl8pPr marL="3200400" algn="l" defTabSz="457200" rtl="0" eaLnBrk="1" latinLnBrk="0" hangingPunct="1">
         <a:defRPr sz="1800" kern="1200">
           <a:solidFill>
             <a:schemeClr val="tx1"/>
@@ -3212,110 +5792,7 @@
           <a:cs typeface="+mn-cs"/>
         </a:defRPr>
       </a:lvl8pPr>
-      <a:lvl9pPr marL="3886200" indent="-228600" algn="l" defTabSz="914400" rtl="0" eaLnBrk="1" latinLnBrk="0" hangingPunct="1">
-        <a:lnSpc>
-          <a:spcPct val="90000"/>
-        </a:lnSpc>
-        <a:spcBef>
-          <a:spcPts val="500"/>
-        </a:spcBef>
-        <a:buFont typeface="Arial" panose="020B0604020202020204" pitchFamily="34" charset="0"/>
-        <a:buChar char="•"/>
-        <a:defRPr sz="1800" kern="1200">
-          <a:solidFill>
-            <a:schemeClr val="tx1"/>
-          </a:solidFill>
-          <a:latin typeface="+mn-lt"/>
-          <a:ea typeface="+mn-ea"/>
-          <a:cs typeface="+mn-cs"/>
-        </a:defRPr>
-      </a:lvl9pPr>
-    </p:bodyStyle>
-    <p:otherStyle>
-      <a:defPPr>
-        <a:defRPr lang="es-CO"/>
-      </a:defPPr>
-      <a:lvl1pPr marL="0" algn="l" defTabSz="914400" rtl="0" eaLnBrk="1" latinLnBrk="0" hangingPunct="1">
-        <a:defRPr sz="1800" kern="1200">
-          <a:solidFill>
-            <a:schemeClr val="tx1"/>
-          </a:solidFill>
-          <a:latin typeface="+mn-lt"/>
-          <a:ea typeface="+mn-ea"/>
-          <a:cs typeface="+mn-cs"/>
-        </a:defRPr>
-      </a:lvl1pPr>
-      <a:lvl2pPr marL="457200" algn="l" defTabSz="914400" rtl="0" eaLnBrk="1" latinLnBrk="0" hangingPunct="1">
-        <a:defRPr sz="1800" kern="1200">
-          <a:solidFill>
-            <a:schemeClr val="tx1"/>
-          </a:solidFill>
-          <a:latin typeface="+mn-lt"/>
-          <a:ea typeface="+mn-ea"/>
-          <a:cs typeface="+mn-cs"/>
-        </a:defRPr>
-      </a:lvl2pPr>
-      <a:lvl3pPr marL="914400" algn="l" defTabSz="914400" rtl="0" eaLnBrk="1" latinLnBrk="0" hangingPunct="1">
-        <a:defRPr sz="1800" kern="1200">
-          <a:solidFill>
-            <a:schemeClr val="tx1"/>
-          </a:solidFill>
-          <a:latin typeface="+mn-lt"/>
-          <a:ea typeface="+mn-ea"/>
-          <a:cs typeface="+mn-cs"/>
-        </a:defRPr>
-      </a:lvl3pPr>
-      <a:lvl4pPr marL="1371600" algn="l" defTabSz="914400" rtl="0" eaLnBrk="1" latinLnBrk="0" hangingPunct="1">
-        <a:defRPr sz="1800" kern="1200">
-          <a:solidFill>
-            <a:schemeClr val="tx1"/>
-          </a:solidFill>
-          <a:latin typeface="+mn-lt"/>
-          <a:ea typeface="+mn-ea"/>
-          <a:cs typeface="+mn-cs"/>
-        </a:defRPr>
-      </a:lvl4pPr>
-      <a:lvl5pPr marL="1828800" algn="l" defTabSz="914400" rtl="0" eaLnBrk="1" latinLnBrk="0" hangingPunct="1">
-        <a:defRPr sz="1800" kern="1200">
-          <a:solidFill>
-            <a:schemeClr val="tx1"/>
-          </a:solidFill>
-          <a:latin typeface="+mn-lt"/>
-          <a:ea typeface="+mn-ea"/>
-          <a:cs typeface="+mn-cs"/>
-        </a:defRPr>
-      </a:lvl5pPr>
-      <a:lvl6pPr marL="2286000" algn="l" defTabSz="914400" rtl="0" eaLnBrk="1" latinLnBrk="0" hangingPunct="1">
-        <a:defRPr sz="1800" kern="1200">
-          <a:solidFill>
-            <a:schemeClr val="tx1"/>
-          </a:solidFill>
-          <a:latin typeface="+mn-lt"/>
-          <a:ea typeface="+mn-ea"/>
-          <a:cs typeface="+mn-cs"/>
-        </a:defRPr>
-      </a:lvl6pPr>
-      <a:lvl7pPr marL="2743200" algn="l" defTabSz="914400" rtl="0" eaLnBrk="1" latinLnBrk="0" hangingPunct="1">
-        <a:defRPr sz="1800" kern="1200">
-          <a:solidFill>
-            <a:schemeClr val="tx1"/>
-          </a:solidFill>
-          <a:latin typeface="+mn-lt"/>
-          <a:ea typeface="+mn-ea"/>
-          <a:cs typeface="+mn-cs"/>
-        </a:defRPr>
-      </a:lvl7pPr>
-      <a:lvl8pPr marL="3200400" algn="l" defTabSz="914400" rtl="0" eaLnBrk="1" latinLnBrk="0" hangingPunct="1">
-        <a:defRPr sz="1800" kern="1200">
-          <a:solidFill>
-            <a:schemeClr val="tx1"/>
-          </a:solidFill>
-          <a:latin typeface="+mn-lt"/>
-          <a:ea typeface="+mn-ea"/>
-          <a:cs typeface="+mn-cs"/>
-        </a:defRPr>
-      </a:lvl8pPr>
-      <a:lvl9pPr marL="3657600" algn="l" defTabSz="914400" rtl="0" eaLnBrk="1" latinLnBrk="0" hangingPunct="1">
+      <a:lvl9pPr marL="3657600" algn="l" defTabSz="457200" rtl="0" eaLnBrk="1" latinLnBrk="0" hangingPunct="1">
         <a:defRPr sz="1800" kern="1200">
           <a:solidFill>
             <a:schemeClr val="tx1"/>
@@ -3333,41 +5810,6 @@
 <file path=ppt/slides/slide1.xml><?xml version="1.0" encoding="utf-8"?>
 <p:sld xmlns:a="http://schemas.openxmlformats.org/drawingml/2006/main" xmlns:r="http://schemas.openxmlformats.org/officeDocument/2006/relationships" xmlns:p="http://schemas.openxmlformats.org/presentationml/2006/main">
   <p:cSld>
-    <p:bg>
-      <p:bgPr>
-        <a:gradFill flip="none" rotWithShape="1">
-          <a:gsLst>
-            <a:gs pos="0">
-              <a:schemeClr val="accent6">
-                <a:lumMod val="5000"/>
-                <a:lumOff val="95000"/>
-              </a:schemeClr>
-            </a:gs>
-            <a:gs pos="74000">
-              <a:schemeClr val="accent6">
-                <a:lumMod val="45000"/>
-                <a:lumOff val="55000"/>
-              </a:schemeClr>
-            </a:gs>
-            <a:gs pos="83000">
-              <a:schemeClr val="accent6">
-                <a:lumMod val="45000"/>
-                <a:lumOff val="55000"/>
-              </a:schemeClr>
-            </a:gs>
-            <a:gs pos="100000">
-              <a:schemeClr val="accent6">
-                <a:lumMod val="30000"/>
-                <a:lumOff val="70000"/>
-              </a:schemeClr>
-            </a:gs>
-          </a:gsLst>
-          <a:lin ang="5400000" scaled="1"/>
-          <a:tileRect/>
-        </a:gradFill>
-        <a:effectLst/>
-      </p:bgPr>
-    </p:bg>
     <p:spTree>
       <p:nvGrpSpPr>
         <p:cNvPr id="1" name=""/>
@@ -3384,119 +5826,168 @@
       </p:grpSpPr>
       <p:sp>
         <p:nvSpPr>
-          <p:cNvPr id="2" name="Título 1">
+          <p:cNvPr id="5" name="CuadroTexto 4">
             <a:extLst>
               <a:ext uri="{FF2B5EF4-FFF2-40B4-BE49-F238E27FC236}">
-                <a16:creationId xmlns:a16="http://schemas.microsoft.com/office/drawing/2014/main" xmlns="" id="{6DD3B6B2-CB3D-4FFE-B081-1A1215327F2E}"/>
+                <a16:creationId xmlns:a16="http://schemas.microsoft.com/office/drawing/2014/main" id="{931A00F1-7C9F-46CF-8841-E0807D2DC3FA}"/>
               </a:ext>
             </a:extLst>
           </p:cNvPr>
-          <p:cNvSpPr>
-            <a:spLocks noGrp="1"/>
-          </p:cNvSpPr>
-          <p:nvPr>
-            <p:ph type="ctrTitle"/>
-          </p:nvPr>
+          <p:cNvSpPr txBox="1"/>
+          <p:nvPr/>
         </p:nvSpPr>
         <p:spPr>
           <a:xfrm>
-            <a:off x="1607127" y="-896442"/>
-            <a:ext cx="9144000" cy="2306637"/>
+            <a:off x="3301999" y="270934"/>
+            <a:ext cx="4165599" cy="1107996"/>
           </a:xfrm>
+          <a:prstGeom prst="rect">
+            <a:avLst/>
+          </a:prstGeom>
+          <a:noFill/>
         </p:spPr>
         <p:txBody>
-          <a:bodyPr>
-            <a:normAutofit/>
+          <a:bodyPr wrap="square" rtlCol="0">
+            <a:spAutoFit/>
           </a:bodyPr>
           <a:lstStyle/>
           <a:p>
-            <a:r>
-              <a:rPr lang="es-ES" dirty="0"/>
-              <a:t>SENA TIC </a:t>
-            </a:r>
-            <a:endParaRPr lang="es-CO" dirty="0"/>
-          </a:p>
-        </p:txBody>
-      </p:sp>
-      <p:sp>
-        <p:nvSpPr>
-          <p:cNvPr id="3" name="Subtítulo 2">
+            <a:pPr algn="ctr"/>
+            <a:r>
+              <a:rPr lang="es-ES" sz="6600" b="1" i="1" dirty="0">
+                <a:solidFill>
+                  <a:srgbClr val="FF0000"/>
+                </a:solidFill>
+                <a:latin typeface="Times New Roman" panose="02020603050405020304" pitchFamily="18" charset="0"/>
+                <a:cs typeface="Times New Roman" panose="02020603050405020304" pitchFamily="18" charset="0"/>
+              </a:rPr>
+              <a:t>SENA TIC</a:t>
+            </a:r>
+            <a:endParaRPr lang="es-CO" sz="6600" b="1" i="1" dirty="0">
+              <a:solidFill>
+                <a:srgbClr val="FF0000"/>
+              </a:solidFill>
+              <a:latin typeface="Times New Roman" panose="02020603050405020304" pitchFamily="18" charset="0"/>
+              <a:cs typeface="Times New Roman" panose="02020603050405020304" pitchFamily="18" charset="0"/>
+            </a:endParaRPr>
+          </a:p>
+        </p:txBody>
+      </p:sp>
+      <p:sp>
+        <p:nvSpPr>
+          <p:cNvPr id="6" name="CuadroTexto 5">
             <a:extLst>
               <a:ext uri="{FF2B5EF4-FFF2-40B4-BE49-F238E27FC236}">
-                <a16:creationId xmlns:a16="http://schemas.microsoft.com/office/drawing/2014/main" xmlns="" id="{79009076-1658-447A-910E-49A25A234D28}"/>
+                <a16:creationId xmlns:a16="http://schemas.microsoft.com/office/drawing/2014/main" id="{160851AB-10C4-4BDF-B726-9EC1F0EBEBC6}"/>
               </a:ext>
             </a:extLst>
           </p:cNvPr>
-          <p:cNvSpPr>
-            <a:spLocks noGrp="1"/>
-          </p:cNvSpPr>
-          <p:nvPr>
-            <p:ph type="subTitle" idx="1"/>
-          </p:nvPr>
+          <p:cNvSpPr txBox="1"/>
+          <p:nvPr/>
         </p:nvSpPr>
         <p:spPr>
           <a:xfrm>
-            <a:off x="1419101" y="2083058"/>
-            <a:ext cx="9353797" cy="2691884"/>
+            <a:off x="846664" y="1829392"/>
+            <a:ext cx="9076267" cy="4832092"/>
           </a:xfrm>
+          <a:prstGeom prst="rect">
+            <a:avLst/>
+          </a:prstGeom>
+          <a:noFill/>
         </p:spPr>
         <p:txBody>
-          <a:bodyPr>
-            <a:noAutofit/>
+          <a:bodyPr wrap="square" rtlCol="0">
+            <a:spAutoFit/>
           </a:bodyPr>
           <a:lstStyle/>
           <a:p>
-            <a:r>
-              <a:rPr lang="es-ES" sz="4000" dirty="0">
-                <a:latin typeface="Baskerville Old Face" panose="02020602080505020303" pitchFamily="18" charset="0"/>
+            <a:pPr algn="ctr"/>
+            <a:r>
+              <a:rPr lang="es-ES" sz="2200" dirty="0">
+                <a:latin typeface="Times New Roman" panose="02020603050405020304" pitchFamily="18" charset="0"/>
+                <a:cs typeface="Times New Roman" panose="02020603050405020304" pitchFamily="18" charset="0"/>
               </a:rPr>
-              <a:t>En el curso de software anima a los estudiantes Colombianos a aprender de los sistemas tecnológicos actuales como lo es la programación y todo lo referente a software mediante a una formación con varios programas para estudiar que proporciona el SENA </a:t>
-            </a:r>
-            <a:endParaRPr lang="es-ES" sz="4000" dirty="0" smtClean="0">
-              <a:latin typeface="Baskerville Old Face" panose="02020602080505020303" pitchFamily="18" charset="0"/>
+              <a:t>A partir de esta clase se nos introdujo la información general de las bases de las “Sena Tic” lo cual es como los parámetros, deberes, derechos, normas, privilegios, etc. Por ejemplo hay normas fundamentales que se deben cumplir para seguir con este programa de caracterización del SENA, y donde un aprendiz llegara a no cumplir estas normas básicas puede ser vetado de este privilegio. Y como aprendiz tenemos derechos, los cuales y el SENA deben respetar bajo toda circunstancia y hacer que esto se cumpla en los espacios de formación, esto mediante un vocero y un representante elegidos a votación ya que estos no fueron obligados de este cargo, también se nos hablo sobre los parámetros que tenemos que cumplir los aprendices para poder recibir el certificado y/o técnico.</a:t>
+            </a:r>
+          </a:p>
+          <a:p>
+            <a:pPr algn="ctr"/>
+            <a:endParaRPr lang="es-ES" sz="2200" dirty="0">
+              <a:latin typeface="Times New Roman" panose="02020603050405020304" pitchFamily="18" charset="0"/>
+              <a:cs typeface="Times New Roman" panose="02020603050405020304" pitchFamily="18" charset="0"/>
             </a:endParaRPr>
           </a:p>
           <a:p>
-            <a:endParaRPr lang="es-MX" sz="2000" dirty="0" smtClean="0">
-              <a:latin typeface="Baskerville Old Face" panose="02020602080505020303" pitchFamily="18" charset="0"/>
+            <a:pPr algn="ctr"/>
+            <a:endParaRPr lang="es-ES" sz="2200" dirty="0">
+              <a:latin typeface="Times New Roman" panose="02020603050405020304" pitchFamily="18" charset="0"/>
+              <a:cs typeface="Times New Roman" panose="02020603050405020304" pitchFamily="18" charset="0"/>
             </a:endParaRPr>
           </a:p>
           <a:p>
-            <a:r>
-              <a:rPr lang="es-MX" sz="2000">
-                <a:latin typeface="Baskerville Old Face" panose="02020602080505020303" pitchFamily="18" charset="0"/>
+            <a:pPr algn="ctr"/>
+            <a:r>
+              <a:rPr lang="es-ES" sz="2200" b="1" i="1" dirty="0">
+                <a:latin typeface="Times New Roman" panose="02020603050405020304" pitchFamily="18" charset="0"/>
+                <a:cs typeface="Times New Roman" panose="02020603050405020304" pitchFamily="18" charset="0"/>
               </a:rPr>
-              <a:t> </a:t>
-            </a:r>
-            <a:r>
-              <a:rPr lang="es-MX" sz="2000" smtClean="0">
-                <a:latin typeface="Baskerville Old Face" panose="02020602080505020303" pitchFamily="18" charset="0"/>
+              <a:t>Por: </a:t>
+            </a:r>
+            <a:r>
+              <a:rPr lang="es-ES" sz="2200" b="1" i="1" dirty="0" err="1">
+                <a:latin typeface="Times New Roman" panose="02020603050405020304" pitchFamily="18" charset="0"/>
+                <a:cs typeface="Times New Roman" panose="02020603050405020304" pitchFamily="18" charset="0"/>
               </a:rPr>
-              <a:t>                                                                                                               Sarah </a:t>
-            </a:r>
-            <a:r>
-              <a:rPr lang="es-MX" sz="2000" dirty="0" smtClean="0">
-                <a:latin typeface="Baskerville Old Face" panose="02020602080505020303" pitchFamily="18" charset="0"/>
+              <a:t>Andres</a:t>
+            </a:r>
+            <a:r>
+              <a:rPr lang="es-ES" sz="2200" b="1" i="1" dirty="0">
+                <a:latin typeface="Times New Roman" panose="02020603050405020304" pitchFamily="18" charset="0"/>
+                <a:cs typeface="Times New Roman" panose="02020603050405020304" pitchFamily="18" charset="0"/>
               </a:rPr>
-              <a:t>Carreño</a:t>
-            </a:r>
-          </a:p>
-          <a:p>
-            <a:endParaRPr lang="es-MX" sz="2000" dirty="0">
-              <a:latin typeface="Baskerville Old Face" panose="02020602080505020303" pitchFamily="18" charset="0"/>
+              <a:t> Hernández</a:t>
+            </a:r>
+            <a:endParaRPr lang="es-CO" sz="2200" b="1" i="1" dirty="0">
+              <a:latin typeface="Times New Roman" panose="02020603050405020304" pitchFamily="18" charset="0"/>
+              <a:cs typeface="Times New Roman" panose="02020603050405020304" pitchFamily="18" charset="0"/>
             </a:endParaRPr>
           </a:p>
-          <a:p>
-            <a:endParaRPr lang="es-ES" sz="2000" dirty="0">
-              <a:latin typeface="Baskerville Old Face" panose="02020602080505020303" pitchFamily="18" charset="0"/>
-            </a:endParaRPr>
-          </a:p>
-        </p:txBody>
-      </p:sp>
+        </p:txBody>
+      </p:sp>
+      <p:pic>
+        <p:nvPicPr>
+          <p:cNvPr id="7" name="Imagen 6">
+            <a:extLst>
+              <a:ext uri="{FF2B5EF4-FFF2-40B4-BE49-F238E27FC236}">
+                <a16:creationId xmlns:a16="http://schemas.microsoft.com/office/drawing/2014/main" id="{3686C2F4-3717-492F-94DB-D66645ED71B4}"/>
+              </a:ext>
+            </a:extLst>
+          </p:cNvPr>
+          <p:cNvPicPr>
+            <a:picLocks noChangeAspect="1"/>
+          </p:cNvPicPr>
+          <p:nvPr/>
+        </p:nvPicPr>
+        <p:blipFill>
+          <a:blip r:embed="rId2"/>
+          <a:stretch>
+            <a:fillRect/>
+          </a:stretch>
+        </p:blipFill>
+        <p:spPr>
+          <a:xfrm>
+            <a:off x="107774" y="2"/>
+            <a:ext cx="1315920" cy="1286596"/>
+          </a:xfrm>
+          <a:prstGeom prst="rect">
+            <a:avLst/>
+          </a:prstGeom>
+        </p:spPr>
+      </p:pic>
     </p:spTree>
     <p:extLst>
       <p:ext uri="{BB962C8B-B14F-4D97-AF65-F5344CB8AC3E}">
-        <p14:creationId xmlns:p14="http://schemas.microsoft.com/office/powerpoint/2010/main" val="3715456397"/>
+        <p14:creationId xmlns:p14="http://schemas.microsoft.com/office/powerpoint/2010/main" val="4118289850"/>
       </p:ext>
     </p:extLst>
   </p:cSld>
@@ -3507,9 +5998,9 @@
 </file>
 
 <file path=ppt/theme/theme1.xml><?xml version="1.0" encoding="utf-8"?>
-<a:theme xmlns:a="http://schemas.openxmlformats.org/drawingml/2006/main" name="Tema de Office">
+<a:theme xmlns:a="http://schemas.openxmlformats.org/drawingml/2006/main" name="Faceta">
   <a:themeElements>
-    <a:clrScheme name="Office">
+    <a:clrScheme name="Faceta">
       <a:dk1>
         <a:sysClr val="windowText" lastClr="000000"/>
       </a:dk1>
@@ -3517,52 +6008,52 @@
         <a:sysClr val="window" lastClr="FFFFFF"/>
       </a:lt1>
       <a:dk2>
-        <a:srgbClr val="44546A"/>
+        <a:srgbClr val="2C3C43"/>
       </a:dk2>
       <a:lt2>
-        <a:srgbClr val="E7E6E6"/>
+        <a:srgbClr val="EBEBEB"/>
       </a:lt2>
       <a:accent1>
-        <a:srgbClr val="4472C4"/>
+        <a:srgbClr val="90C226"/>
       </a:accent1>
       <a:accent2>
-        <a:srgbClr val="ED7D31"/>
+        <a:srgbClr val="54A021"/>
       </a:accent2>
       <a:accent3>
-        <a:srgbClr val="A5A5A5"/>
+        <a:srgbClr val="E6B91E"/>
       </a:accent3>
       <a:accent4>
-        <a:srgbClr val="FFC000"/>
+        <a:srgbClr val="E76618"/>
       </a:accent4>
       <a:accent5>
-        <a:srgbClr val="5B9BD5"/>
+        <a:srgbClr val="C42F1A"/>
       </a:accent5>
       <a:accent6>
-        <a:srgbClr val="70AD47"/>
+        <a:srgbClr val="918655"/>
       </a:accent6>
       <a:hlink>
-        <a:srgbClr val="0563C1"/>
+        <a:srgbClr val="99CA3C"/>
       </a:hlink>
       <a:folHlink>
-        <a:srgbClr val="954F72"/>
+        <a:srgbClr val="B9D181"/>
       </a:folHlink>
     </a:clrScheme>
-    <a:fontScheme name="Office">
+    <a:fontScheme name="Faceta">
       <a:majorFont>
-        <a:latin typeface="Calibri Light" panose="020F0302020204030204"/>
+        <a:latin typeface="Trebuchet MS" panose="020B0603020202020204"/>
         <a:ea typeface=""/>
         <a:cs typeface=""/>
-        <a:font script="Jpan" typeface="游ゴシック Light"/>
+        <a:font script="Jpan" typeface="メイリオ"/>
         <a:font script="Hang" typeface="맑은 고딕"/>
-        <a:font script="Hans" typeface="等线 Light"/>
-        <a:font script="Hant" typeface="新細明體"/>
-        <a:font script="Arab" typeface="Times New Roman"/>
-        <a:font script="Hebr" typeface="Times New Roman"/>
-        <a:font script="Thai" typeface="Angsana New"/>
+        <a:font script="Hans" typeface="方正姚体"/>
+        <a:font script="Hant" typeface="微軟正黑體"/>
+        <a:font script="Arab" typeface="Tahoma"/>
+        <a:font script="Hebr" typeface="Arial"/>
+        <a:font script="Thai" typeface="Cordia New"/>
         <a:font script="Ethi" typeface="Nyala"/>
         <a:font script="Beng" typeface="Vrinda"/>
         <a:font script="Gujr" typeface="Shruti"/>
-        <a:font script="Khmr" typeface="MoolBoran"/>
+        <a:font script="Khmr" typeface="DaunPenh"/>
         <a:font script="Knda" typeface="Tunga"/>
         <a:font script="Guru" typeface="Raavi"/>
         <a:font script="Cans" typeface="Euphemia"/>
@@ -3579,38 +6070,21 @@
         <a:font script="Laoo" typeface="DokChampa"/>
         <a:font script="Sinh" typeface="Iskoola Pota"/>
         <a:font script="Mong" typeface="Mongolian Baiti"/>
-        <a:font script="Viet" typeface="Times New Roman"/>
+        <a:font script="Viet" typeface="Tahoma"/>
         <a:font script="Uigh" typeface="Microsoft Uighur"/>
         <a:font script="Geor" typeface="Sylfaen"/>
-        <a:font script="Armn" typeface="Arial"/>
-        <a:font script="Bugi" typeface="Leelawadee UI"/>
-        <a:font script="Bopo" typeface="Microsoft JhengHei"/>
-        <a:font script="Java" typeface="Javanese Text"/>
-        <a:font script="Lisu" typeface="Segoe UI"/>
-        <a:font script="Mymr" typeface="Myanmar Text"/>
-        <a:font script="Nkoo" typeface="Ebrima"/>
-        <a:font script="Olck" typeface="Nirmala UI"/>
-        <a:font script="Osma" typeface="Ebrima"/>
-        <a:font script="Phag" typeface="Phagspa"/>
-        <a:font script="Syrn" typeface="Estrangelo Edessa"/>
-        <a:font script="Syrj" typeface="Estrangelo Edessa"/>
-        <a:font script="Syre" typeface="Estrangelo Edessa"/>
-        <a:font script="Sora" typeface="Nirmala UI"/>
-        <a:font script="Tale" typeface="Microsoft Tai Le"/>
-        <a:font script="Talu" typeface="Microsoft New Tai Lue"/>
-        <a:font script="Tfng" typeface="Ebrima"/>
       </a:majorFont>
       <a:minorFont>
-        <a:latin typeface="Calibri" panose="020F0502020204030204"/>
+        <a:latin typeface="Trebuchet MS" panose="020B0603020202020204"/>
         <a:ea typeface=""/>
         <a:cs typeface=""/>
-        <a:font script="Jpan" typeface="游ゴシック"/>
-        <a:font script="Hang" typeface="맑은 고딕"/>
-        <a:font script="Hans" typeface="等线"/>
-        <a:font script="Hant" typeface="新細明體"/>
-        <a:font script="Arab" typeface="Arial"/>
-        <a:font script="Hebr" typeface="Arial"/>
-        <a:font script="Thai" typeface="Cordia New"/>
+        <a:font script="Jpan" typeface="メイリオ"/>
+        <a:font script="Hang" typeface="HY그래픽M"/>
+        <a:font script="Hans" typeface="华文新魏"/>
+        <a:font script="Hant" typeface="微軟正黑體"/>
+        <a:font script="Arab" typeface="Tahoma"/>
+        <a:font script="Hebr" typeface="Gisha"/>
+        <a:font script="Thai" typeface="IrisUPC"/>
         <a:font script="Ethi" typeface="Nyala"/>
         <a:font script="Beng" typeface="Vrinda"/>
         <a:font script="Gujr" typeface="Shruti"/>
@@ -3634,26 +6108,9 @@
         <a:font script="Viet" typeface="Arial"/>
         <a:font script="Uigh" typeface="Microsoft Uighur"/>
         <a:font script="Geor" typeface="Sylfaen"/>
-        <a:font script="Armn" typeface="Arial"/>
-        <a:font script="Bugi" typeface="Leelawadee UI"/>
-        <a:font script="Bopo" typeface="Microsoft JhengHei"/>
-        <a:font script="Java" typeface="Javanese Text"/>
-        <a:font script="Lisu" typeface="Segoe UI"/>
-        <a:font script="Mymr" typeface="Myanmar Text"/>
-        <a:font script="Nkoo" typeface="Ebrima"/>
-        <a:font script="Olck" typeface="Nirmala UI"/>
-        <a:font script="Osma" typeface="Ebrima"/>
-        <a:font script="Phag" typeface="Phagspa"/>
-        <a:font script="Syrn" typeface="Estrangelo Edessa"/>
-        <a:font script="Syrj" typeface="Estrangelo Edessa"/>
-        <a:font script="Syre" typeface="Estrangelo Edessa"/>
-        <a:font script="Sora" typeface="Nirmala UI"/>
-        <a:font script="Tale" typeface="Microsoft Tai Le"/>
-        <a:font script="Talu" typeface="Microsoft New Tai Lue"/>
-        <a:font script="Tfng" typeface="Ebrima"/>
       </a:minorFont>
     </a:fontScheme>
-    <a:fmtScheme name="Office">
+    <a:fmtScheme name="Faceta">
       <a:fillStyleLst>
         <a:solidFill>
           <a:schemeClr val="phClr"/>
@@ -3662,23 +6119,13 @@
           <a:gsLst>
             <a:gs pos="0">
               <a:schemeClr val="phClr">
+                <a:tint val="65000"/>
                 <a:lumMod val="110000"/>
-                <a:satMod val="105000"/>
-                <a:tint val="67000"/>
               </a:schemeClr>
             </a:gs>
-            <a:gs pos="50000">
+            <a:gs pos="88000">
               <a:schemeClr val="phClr">
-                <a:lumMod val="105000"/>
-                <a:satMod val="103000"/>
-                <a:tint val="73000"/>
-              </a:schemeClr>
-            </a:gs>
-            <a:gs pos="100000">
-              <a:schemeClr val="phClr">
-                <a:lumMod val="105000"/>
-                <a:satMod val="109000"/>
-                <a:tint val="81000"/>
+                <a:tint val="90000"/>
               </a:schemeClr>
             </a:gs>
           </a:gsLst>
@@ -3688,23 +6135,14 @@
           <a:gsLst>
             <a:gs pos="0">
               <a:schemeClr val="phClr">
-                <a:satMod val="103000"/>
-                <a:lumMod val="102000"/>
-                <a:tint val="94000"/>
+                <a:tint val="96000"/>
+                <a:lumMod val="100000"/>
               </a:schemeClr>
             </a:gs>
-            <a:gs pos="50000">
+            <a:gs pos="78000">
               <a:schemeClr val="phClr">
-                <a:satMod val="110000"/>
-                <a:lumMod val="100000"/>
-                <a:shade val="100000"/>
-              </a:schemeClr>
-            </a:gs>
-            <a:gs pos="100000">
-              <a:schemeClr val="phClr">
-                <a:lumMod val="99000"/>
-                <a:satMod val="120000"/>
-                <a:shade val="78000"/>
+                <a:shade val="94000"/>
+                <a:lumMod val="94000"/>
               </a:schemeClr>
             </a:gs>
           </a:gsLst>
@@ -3712,26 +6150,23 @@
         </a:gradFill>
       </a:fillStyleLst>
       <a:lnStyleLst>
-        <a:ln w="6350" cap="flat" cmpd="sng" algn="ctr">
+        <a:ln w="12700" cap="rnd" cmpd="sng" algn="ctr">
           <a:solidFill>
             <a:schemeClr val="phClr"/>
           </a:solidFill>
           <a:prstDash val="solid"/>
-          <a:miter lim="800000"/>
         </a:ln>
-        <a:ln w="12700" cap="flat" cmpd="sng" algn="ctr">
+        <a:ln w="19050" cap="rnd" cmpd="sng" algn="ctr">
           <a:solidFill>
             <a:schemeClr val="phClr"/>
           </a:solidFill>
           <a:prstDash val="solid"/>
-          <a:miter lim="800000"/>
         </a:ln>
-        <a:ln w="19050" cap="flat" cmpd="sng" algn="ctr">
+        <a:ln w="25400" cap="rnd" cmpd="sng" algn="ctr">
           <a:solidFill>
             <a:schemeClr val="phClr"/>
           </a:solidFill>
           <a:prstDash val="solid"/>
-          <a:miter lim="800000"/>
         </a:ln>
       </a:lnStyleLst>
       <a:effectStyleLst>
@@ -3739,54 +6174,72 @@
           <a:effectLst/>
         </a:effectStyle>
         <a:effectStyle>
-          <a:effectLst/>
+          <a:effectLst>
+            <a:outerShdw blurRad="38100" dist="25400" dir="5400000" rotWithShape="0">
+              <a:srgbClr val="000000">
+                <a:alpha val="35000"/>
+              </a:srgbClr>
+            </a:outerShdw>
+          </a:effectLst>
         </a:effectStyle>
         <a:effectStyle>
           <a:effectLst>
-            <a:outerShdw blurRad="57150" dist="19050" dir="5400000" algn="ctr" rotWithShape="0">
+            <a:outerShdw blurRad="50800" dist="38100" dir="5400000" rotWithShape="0">
               <a:srgbClr val="000000">
-                <a:alpha val="63000"/>
+                <a:alpha val="35000"/>
               </a:srgbClr>
             </a:outerShdw>
           </a:effectLst>
+          <a:scene3d>
+            <a:camera prst="orthographicFront">
+              <a:rot lat="0" lon="0" rev="0"/>
+            </a:camera>
+            <a:lightRig rig="threePt" dir="tl"/>
+          </a:scene3d>
+          <a:sp3d prstMaterial="plastic">
+            <a:bevelT w="0" h="0"/>
+          </a:sp3d>
         </a:effectStyle>
       </a:effectStyleLst>
       <a:bgFillStyleLst>
         <a:solidFill>
           <a:schemeClr val="phClr"/>
         </a:solidFill>
-        <a:solidFill>
-          <a:schemeClr val="phClr">
-            <a:tint val="95000"/>
-            <a:satMod val="170000"/>
-          </a:schemeClr>
-        </a:solidFill>
         <a:gradFill rotWithShape="1">
           <a:gsLst>
             <a:gs pos="0">
               <a:schemeClr val="phClr">
-                <a:tint val="93000"/>
-                <a:satMod val="150000"/>
-                <a:shade val="98000"/>
-                <a:lumMod val="102000"/>
+                <a:tint val="90000"/>
+                <a:lumMod val="104000"/>
               </a:schemeClr>
             </a:gs>
-            <a:gs pos="50000">
+            <a:gs pos="94000">
               <a:schemeClr val="phClr">
-                <a:tint val="98000"/>
-                <a:satMod val="130000"/>
-                <a:shade val="90000"/>
-                <a:lumMod val="103000"/>
+                <a:shade val="96000"/>
+                <a:lumMod val="82000"/>
+              </a:schemeClr>
+            </a:gs>
+          </a:gsLst>
+          <a:lin ang="5400000" scaled="0"/>
+        </a:gradFill>
+        <a:gradFill rotWithShape="1">
+          <a:gsLst>
+            <a:gs pos="0">
+              <a:schemeClr val="phClr">
+                <a:tint val="90000"/>
+                <a:lumMod val="110000"/>
               </a:schemeClr>
             </a:gs>
             <a:gs pos="100000">
               <a:schemeClr val="phClr">
-                <a:shade val="63000"/>
-                <a:satMod val="120000"/>
+                <a:shade val="94000"/>
+                <a:lumMod val="96000"/>
               </a:schemeClr>
             </a:gs>
           </a:gsLst>
-          <a:lin ang="5400000" scaled="0"/>
+          <a:path path="circle">
+            <a:fillToRect l="50000" t="50000" r="100000" b="100000"/>
+          </a:path>
         </a:gradFill>
       </a:bgFillStyleLst>
     </a:fmtScheme>
@@ -3795,7 +6248,7 @@
   <a:extraClrSchemeLst/>
   <a:extLst>
     <a:ext uri="{05A4C25C-085E-4340-85A3-A5531E510DB2}">
-      <thm15:themeFamily xmlns:thm15="http://schemas.microsoft.com/office/thememl/2012/main" name="Office Theme" id="{62F939B6-93AF-4DB8-9C6B-D6C7DFDC589F}" vid="{4A3C46E8-61CC-4603-A589-7422A47A8E4A}"/>
+      <thm15:themeFamily xmlns:thm15="http://schemas.microsoft.com/office/thememl/2012/main" name="Facet" id="{C0C680CD-088A-49FC-A102-D699147F32B2}" vid="{CFBC31BA-B70F-4F30-BCAA-4F3011E16C4D}"/>
     </a:ext>
   </a:extLst>
 </a:theme>
